--- a/fundamentals/9-Type conversion, Files, doctest.pptx
+++ b/fundamentals/9-Type conversion, Files, doctest.pptx
@@ -5,19 +5,22 @@
     <p:sldMasterId id="2147483648" r:id="rId1"/>
   </p:sldMasterIdLst>
   <p:sldIdLst>
-    <p:sldId id="256" r:id="rId2"/>
-    <p:sldId id="265" r:id="rId3"/>
-    <p:sldId id="257" r:id="rId4"/>
-    <p:sldId id="258" r:id="rId5"/>
-    <p:sldId id="259" r:id="rId6"/>
-    <p:sldId id="262" r:id="rId7"/>
-    <p:sldId id="260" r:id="rId8"/>
-    <p:sldId id="261" r:id="rId9"/>
-    <p:sldId id="263" r:id="rId10"/>
-    <p:sldId id="266" r:id="rId11"/>
-    <p:sldId id="267" r:id="rId12"/>
-    <p:sldId id="268" r:id="rId13"/>
-    <p:sldId id="264" r:id="rId14"/>
+    <p:sldId id="293" r:id="rId2"/>
+    <p:sldId id="256" r:id="rId3"/>
+    <p:sldId id="265" r:id="rId4"/>
+    <p:sldId id="294" r:id="rId5"/>
+    <p:sldId id="295" r:id="rId6"/>
+    <p:sldId id="257" r:id="rId7"/>
+    <p:sldId id="258" r:id="rId8"/>
+    <p:sldId id="259" r:id="rId9"/>
+    <p:sldId id="262" r:id="rId10"/>
+    <p:sldId id="260" r:id="rId11"/>
+    <p:sldId id="261" r:id="rId12"/>
+    <p:sldId id="263" r:id="rId13"/>
+    <p:sldId id="266" r:id="rId14"/>
+    <p:sldId id="267" r:id="rId15"/>
+    <p:sldId id="268" r:id="rId16"/>
+    <p:sldId id="264" r:id="rId17"/>
   </p:sldIdLst>
   <p:sldSz cx="12192000" cy="6858000"/>
   <p:notesSz cx="6858000" cy="9144000"/>
@@ -273,7 +276,7 @@
           <a:p>
             <a:fld id="{B302FF2A-D2B5-8B4F-BDBF-6F9493847AEA}" type="datetimeFigureOut">
               <a:rPr lang="en-US" smtClean="0"/>
-              <a:t>6/30/20</a:t>
+              <a:t>8/31/20</a:t>
             </a:fld>
             <a:endParaRPr lang="en-US"/>
           </a:p>
@@ -473,7 +476,7 @@
           <a:p>
             <a:fld id="{B302FF2A-D2B5-8B4F-BDBF-6F9493847AEA}" type="datetimeFigureOut">
               <a:rPr lang="en-US" smtClean="0"/>
-              <a:t>6/30/20</a:t>
+              <a:t>8/31/20</a:t>
             </a:fld>
             <a:endParaRPr lang="en-US"/>
           </a:p>
@@ -683,7 +686,7 @@
           <a:p>
             <a:fld id="{B302FF2A-D2B5-8B4F-BDBF-6F9493847AEA}" type="datetimeFigureOut">
               <a:rPr lang="en-US" smtClean="0"/>
-              <a:t>6/30/20</a:t>
+              <a:t>8/31/20</a:t>
             </a:fld>
             <a:endParaRPr lang="en-US"/>
           </a:p>
@@ -883,7 +886,7 @@
           <a:p>
             <a:fld id="{B302FF2A-D2B5-8B4F-BDBF-6F9493847AEA}" type="datetimeFigureOut">
               <a:rPr lang="en-US" smtClean="0"/>
-              <a:t>6/30/20</a:t>
+              <a:t>8/31/20</a:t>
             </a:fld>
             <a:endParaRPr lang="en-US"/>
           </a:p>
@@ -1159,7 +1162,7 @@
           <a:p>
             <a:fld id="{B302FF2A-D2B5-8B4F-BDBF-6F9493847AEA}" type="datetimeFigureOut">
               <a:rPr lang="en-US" smtClean="0"/>
-              <a:t>6/30/20</a:t>
+              <a:t>8/31/20</a:t>
             </a:fld>
             <a:endParaRPr lang="en-US"/>
           </a:p>
@@ -1427,7 +1430,7 @@
           <a:p>
             <a:fld id="{B302FF2A-D2B5-8B4F-BDBF-6F9493847AEA}" type="datetimeFigureOut">
               <a:rPr lang="en-US" smtClean="0"/>
-              <a:t>6/30/20</a:t>
+              <a:t>8/31/20</a:t>
             </a:fld>
             <a:endParaRPr lang="en-US"/>
           </a:p>
@@ -1842,7 +1845,7 @@
           <a:p>
             <a:fld id="{B302FF2A-D2B5-8B4F-BDBF-6F9493847AEA}" type="datetimeFigureOut">
               <a:rPr lang="en-US" smtClean="0"/>
-              <a:t>6/30/20</a:t>
+              <a:t>8/31/20</a:t>
             </a:fld>
             <a:endParaRPr lang="en-US"/>
           </a:p>
@@ -1984,7 +1987,7 @@
           <a:p>
             <a:fld id="{B302FF2A-D2B5-8B4F-BDBF-6F9493847AEA}" type="datetimeFigureOut">
               <a:rPr lang="en-US" smtClean="0"/>
-              <a:t>6/30/20</a:t>
+              <a:t>8/31/20</a:t>
             </a:fld>
             <a:endParaRPr lang="en-US"/>
           </a:p>
@@ -2097,7 +2100,7 @@
           <a:p>
             <a:fld id="{B302FF2A-D2B5-8B4F-BDBF-6F9493847AEA}" type="datetimeFigureOut">
               <a:rPr lang="en-US" smtClean="0"/>
-              <a:t>6/30/20</a:t>
+              <a:t>8/31/20</a:t>
             </a:fld>
             <a:endParaRPr lang="en-US"/>
           </a:p>
@@ -2410,7 +2413,7 @@
           <a:p>
             <a:fld id="{B302FF2A-D2B5-8B4F-BDBF-6F9493847AEA}" type="datetimeFigureOut">
               <a:rPr lang="en-US" smtClean="0"/>
-              <a:t>6/30/20</a:t>
+              <a:t>8/31/20</a:t>
             </a:fld>
             <a:endParaRPr lang="en-US"/>
           </a:p>
@@ -2699,7 +2702,7 @@
           <a:p>
             <a:fld id="{B302FF2A-D2B5-8B4F-BDBF-6F9493847AEA}" type="datetimeFigureOut">
               <a:rPr lang="en-US" smtClean="0"/>
-              <a:t>6/30/20</a:t>
+              <a:t>8/31/20</a:t>
             </a:fld>
             <a:endParaRPr lang="en-US"/>
           </a:p>
@@ -2942,7 +2945,7 @@
           <a:p>
             <a:fld id="{B302FF2A-D2B5-8B4F-BDBF-6F9493847AEA}" type="datetimeFigureOut">
               <a:rPr lang="en-US" smtClean="0"/>
-              <a:t>6/30/20</a:t>
+              <a:t>8/31/20</a:t>
             </a:fld>
             <a:endParaRPr lang="en-US"/>
           </a:p>
@@ -3376,7 +3379,7 @@
           <p:cNvPr id="2" name="Title 1">
             <a:extLst>
               <a:ext uri="{FF2B5EF4-FFF2-40B4-BE49-F238E27FC236}">
-                <a16:creationId xmlns:a16="http://schemas.microsoft.com/office/drawing/2014/main" id="{4385F1C6-253B-C146-9B75-C22D8BC5023E}"/>
+                <a16:creationId xmlns:a16="http://schemas.microsoft.com/office/drawing/2014/main" id="{77EEAFB5-5ABE-1E47-87CA-5332E3BE02E8}"/>
               </a:ext>
             </a:extLst>
           </p:cNvPr>
@@ -3384,7 +3387,7 @@
             <a:spLocks noGrp="1"/>
           </p:cNvSpPr>
           <p:nvPr>
-            <p:ph type="ctrTitle"/>
+            <p:ph type="title"/>
           </p:nvPr>
         </p:nvSpPr>
         <p:spPr/>
@@ -3394,17 +3397,17 @@
           <a:p>
             <a:r>
               <a:rPr lang="en-US" dirty="0"/>
-              <a:t>Introduction to programming  (Python)</a:t>
+              <a:t>Preamble</a:t>
             </a:r>
           </a:p>
         </p:txBody>
       </p:sp>
       <p:sp>
         <p:nvSpPr>
-          <p:cNvPr id="3" name="Subtitle 2">
+          <p:cNvPr id="3" name="Content Placeholder 2">
             <a:extLst>
               <a:ext uri="{FF2B5EF4-FFF2-40B4-BE49-F238E27FC236}">
-                <a16:creationId xmlns:a16="http://schemas.microsoft.com/office/drawing/2014/main" id="{C690AB81-2EE9-F94F-9D2A-1A4211A0AB07}"/>
+                <a16:creationId xmlns:a16="http://schemas.microsoft.com/office/drawing/2014/main" id="{732ED9C9-7C52-A64A-AEDC-0BBED7BDD553}"/>
               </a:ext>
             </a:extLst>
           </p:cNvPr>
@@ -3412,7 +3415,7 @@
             <a:spLocks noGrp="1"/>
           </p:cNvSpPr>
           <p:nvPr>
-            <p:ph type="subTitle" idx="1"/>
+            <p:ph idx="1"/>
           </p:nvPr>
         </p:nvSpPr>
         <p:spPr/>
@@ -3422,26 +3425,59 @@
           <a:p>
             <a:r>
               <a:rPr lang="en-US" dirty="0"/>
-              <a:t>Session #9</a:t>
+              <a:t>The sessions will be recorded</a:t>
             </a:r>
           </a:p>
           <a:p>
             <a:r>
               <a:rPr lang="en-US" dirty="0"/>
-              <a:t>Type conversions, File handling</a:t>
-            </a:r>
-            <a:r>
-              <a:rPr lang="en-US"/>
-              <a:t>, doctest</a:t>
-            </a:r>
-            <a:endParaRPr lang="en-US" dirty="0"/>
+              <a:t>Every </a:t>
+            </a:r>
+            <a:r>
+              <a:rPr lang="en-US" b="1" dirty="0"/>
+              <a:t>Saturday</a:t>
+            </a:r>
+            <a:r>
+              <a:rPr lang="en-US" dirty="0"/>
+              <a:t> at </a:t>
+            </a:r>
+            <a:r>
+              <a:rPr lang="en-US" b="1" dirty="0"/>
+              <a:t>14:00 GMT </a:t>
+            </a:r>
+            <a:r>
+              <a:rPr lang="en-US" dirty="0"/>
+              <a:t>until we complete the </a:t>
+            </a:r>
+            <a:r>
+              <a:rPr lang="en-US" i="1" dirty="0"/>
+              <a:t>fundamentals</a:t>
+            </a:r>
+          </a:p>
+          <a:p>
+            <a:r>
+              <a:rPr lang="en-US" dirty="0"/>
+              <a:t>Learning is the sole purpose</a:t>
+            </a:r>
+          </a:p>
+          <a:p>
+            <a:r>
+              <a:rPr lang="en-US" dirty="0"/>
+              <a:t>Ask questions</a:t>
+            </a:r>
+          </a:p>
+          <a:p>
+            <a:r>
+              <a:rPr lang="en-US" dirty="0"/>
+              <a:t>Get into programming mindset</a:t>
+            </a:r>
           </a:p>
         </p:txBody>
       </p:sp>
     </p:spTree>
     <p:extLst>
       <p:ext uri="{BB962C8B-B14F-4D97-AF65-F5344CB8AC3E}">
-        <p14:creationId xmlns:p14="http://schemas.microsoft.com/office/powerpoint/2010/main" val="3766557724"/>
+        <p14:creationId xmlns:p14="http://schemas.microsoft.com/office/powerpoint/2010/main" val="232022723"/>
       </p:ext>
     </p:extLst>
   </p:cSld>
@@ -3452,6 +3488,1331 @@
 </file>
 
 <file path=ppt/slides/slide10.xml><?xml version="1.0" encoding="utf-8"?>
+<p:sld xmlns:a="http://schemas.openxmlformats.org/drawingml/2006/main" xmlns:r="http://schemas.openxmlformats.org/officeDocument/2006/relationships" xmlns:p="http://schemas.openxmlformats.org/presentationml/2006/main">
+  <p:cSld>
+    <p:spTree>
+      <p:nvGrpSpPr>
+        <p:cNvPr id="1" name=""/>
+        <p:cNvGrpSpPr/>
+        <p:nvPr/>
+      </p:nvGrpSpPr>
+      <p:grpSpPr>
+        <a:xfrm>
+          <a:off x="0" y="0"/>
+          <a:ext cx="0" cy="0"/>
+          <a:chOff x="0" y="0"/>
+          <a:chExt cx="0" cy="0"/>
+        </a:xfrm>
+      </p:grpSpPr>
+      <p:sp>
+        <p:nvSpPr>
+          <p:cNvPr id="2" name="Title 1">
+            <a:extLst>
+              <a:ext uri="{FF2B5EF4-FFF2-40B4-BE49-F238E27FC236}">
+                <a16:creationId xmlns:a16="http://schemas.microsoft.com/office/drawing/2014/main" id="{CB5CD084-3BA3-EC4E-89AA-286454879AD9}"/>
+              </a:ext>
+            </a:extLst>
+          </p:cNvPr>
+          <p:cNvSpPr>
+            <a:spLocks noGrp="1"/>
+          </p:cNvSpPr>
+          <p:nvPr>
+            <p:ph type="title"/>
+          </p:nvPr>
+        </p:nvSpPr>
+        <p:spPr/>
+        <p:txBody>
+          <a:bodyPr/>
+          <a:lstStyle/>
+          <a:p>
+            <a:r>
+              <a:rPr lang="en-US" dirty="0"/>
+              <a:t>Read data from file</a:t>
+            </a:r>
+          </a:p>
+        </p:txBody>
+      </p:sp>
+      <p:sp>
+        <p:nvSpPr>
+          <p:cNvPr id="3" name="Content Placeholder 2">
+            <a:extLst>
+              <a:ext uri="{FF2B5EF4-FFF2-40B4-BE49-F238E27FC236}">
+                <a16:creationId xmlns:a16="http://schemas.microsoft.com/office/drawing/2014/main" id="{D9EACBE7-67FC-CB42-B244-0EA7E1087D7B}"/>
+              </a:ext>
+            </a:extLst>
+          </p:cNvPr>
+          <p:cNvSpPr>
+            <a:spLocks noGrp="1"/>
+          </p:cNvSpPr>
+          <p:nvPr>
+            <p:ph idx="1"/>
+          </p:nvPr>
+        </p:nvSpPr>
+        <p:spPr/>
+        <p:txBody>
+          <a:bodyPr>
+            <a:normAutofit fontScale="92500" lnSpcReduction="10000"/>
+          </a:bodyPr>
+          <a:lstStyle/>
+          <a:p>
+            <a:pPr marL="0" indent="0">
+              <a:buNone/>
+            </a:pPr>
+            <a:r>
+              <a:rPr lang="en-US" sz="3200" dirty="0">
+                <a:latin typeface="Consolas" panose="020B0609020204030204" pitchFamily="49" charset="0"/>
+                <a:cs typeface="Consolas" panose="020B0609020204030204" pitchFamily="49" charset="0"/>
+              </a:rPr>
+              <a:t>data = </a:t>
+            </a:r>
+            <a:r>
+              <a:rPr lang="en-US" sz="3200" dirty="0" err="1">
+                <a:latin typeface="Consolas" panose="020B0609020204030204" pitchFamily="49" charset="0"/>
+                <a:cs typeface="Consolas" panose="020B0609020204030204" pitchFamily="49" charset="0"/>
+              </a:rPr>
+              <a:t>fd.read</a:t>
+            </a:r>
+            <a:r>
+              <a:rPr lang="en-US" sz="3200" dirty="0">
+                <a:latin typeface="Consolas" panose="020B0609020204030204" pitchFamily="49" charset="0"/>
+                <a:cs typeface="Consolas" panose="020B0609020204030204" pitchFamily="49" charset="0"/>
+              </a:rPr>
+              <a:t>()</a:t>
+            </a:r>
+          </a:p>
+          <a:p>
+            <a:r>
+              <a:rPr lang="en-US" dirty="0"/>
+              <a:t>Read entire file as a string</a:t>
+            </a:r>
+          </a:p>
+          <a:p>
+            <a:r>
+              <a:rPr lang="en-US" dirty="0"/>
+              <a:t>Careful when you handle </a:t>
+            </a:r>
+            <a:r>
+              <a:rPr lang="en-US" i="1" dirty="0"/>
+              <a:t>large</a:t>
+            </a:r>
+            <a:r>
+              <a:rPr lang="en-US" dirty="0"/>
+              <a:t> files</a:t>
+            </a:r>
+          </a:p>
+          <a:p>
+            <a:endParaRPr lang="en-US" dirty="0"/>
+          </a:p>
+          <a:p>
+            <a:pPr marL="0" indent="0">
+              <a:buNone/>
+            </a:pPr>
+            <a:r>
+              <a:rPr lang="en-US" sz="3500" dirty="0">
+                <a:latin typeface="Consolas" panose="020B0609020204030204" pitchFamily="49" charset="0"/>
+                <a:cs typeface="Consolas" panose="020B0609020204030204" pitchFamily="49" charset="0"/>
+              </a:rPr>
+              <a:t>data = </a:t>
+            </a:r>
+            <a:r>
+              <a:rPr lang="en-US" sz="3500" dirty="0" err="1">
+                <a:latin typeface="Consolas" panose="020B0609020204030204" pitchFamily="49" charset="0"/>
+                <a:cs typeface="Consolas" panose="020B0609020204030204" pitchFamily="49" charset="0"/>
+              </a:rPr>
+              <a:t>fd.readline</a:t>
+            </a:r>
+            <a:r>
+              <a:rPr lang="en-US" sz="3500" dirty="0">
+                <a:latin typeface="Consolas" panose="020B0609020204030204" pitchFamily="49" charset="0"/>
+                <a:cs typeface="Consolas" panose="020B0609020204030204" pitchFamily="49" charset="0"/>
+              </a:rPr>
+              <a:t>()</a:t>
+            </a:r>
+          </a:p>
+          <a:p>
+            <a:r>
+              <a:rPr lang="en-US" dirty="0"/>
+              <a:t>Read one line of file as a string</a:t>
+            </a:r>
+            <a:endParaRPr lang="en-US" dirty="0">
+              <a:latin typeface="Consolas" panose="020B0609020204030204" pitchFamily="49" charset="0"/>
+              <a:cs typeface="Consolas" panose="020B0609020204030204" pitchFamily="49" charset="0"/>
+            </a:endParaRPr>
+          </a:p>
+          <a:p>
+            <a:pPr marL="0" indent="0">
+              <a:buNone/>
+            </a:pPr>
+            <a:endParaRPr lang="en-US" dirty="0"/>
+          </a:p>
+          <a:p>
+            <a:pPr marL="0" indent="0">
+              <a:buNone/>
+            </a:pPr>
+            <a:r>
+              <a:rPr lang="en-US" sz="3500" dirty="0">
+                <a:latin typeface="Consolas" panose="020B0609020204030204" pitchFamily="49" charset="0"/>
+                <a:cs typeface="Consolas" panose="020B0609020204030204" pitchFamily="49" charset="0"/>
+              </a:rPr>
+              <a:t>data = </a:t>
+            </a:r>
+            <a:r>
+              <a:rPr lang="en-US" sz="3500" dirty="0" err="1">
+                <a:latin typeface="Consolas" panose="020B0609020204030204" pitchFamily="49" charset="0"/>
+                <a:cs typeface="Consolas" panose="020B0609020204030204" pitchFamily="49" charset="0"/>
+              </a:rPr>
+              <a:t>fd.readlines</a:t>
+            </a:r>
+            <a:r>
+              <a:rPr lang="en-US" sz="3500" dirty="0">
+                <a:latin typeface="Consolas" panose="020B0609020204030204" pitchFamily="49" charset="0"/>
+                <a:cs typeface="Consolas" panose="020B0609020204030204" pitchFamily="49" charset="0"/>
+              </a:rPr>
+              <a:t>()</a:t>
+            </a:r>
+          </a:p>
+          <a:p>
+            <a:r>
+              <a:rPr lang="en-US" dirty="0"/>
+              <a:t>Read entire file as a list of lines of string</a:t>
+            </a:r>
+            <a:endParaRPr lang="en-US" dirty="0">
+              <a:latin typeface="Consolas" panose="020B0609020204030204" pitchFamily="49" charset="0"/>
+              <a:cs typeface="Consolas" panose="020B0609020204030204" pitchFamily="49" charset="0"/>
+            </a:endParaRPr>
+          </a:p>
+          <a:p>
+            <a:endParaRPr lang="en-US" dirty="0"/>
+          </a:p>
+        </p:txBody>
+      </p:sp>
+    </p:spTree>
+    <p:extLst>
+      <p:ext uri="{BB962C8B-B14F-4D97-AF65-F5344CB8AC3E}">
+        <p14:creationId xmlns:p14="http://schemas.microsoft.com/office/powerpoint/2010/main" val="2323235036"/>
+      </p:ext>
+    </p:extLst>
+  </p:cSld>
+  <p:clrMapOvr>
+    <a:masterClrMapping/>
+  </p:clrMapOvr>
+  <p:timing>
+    <p:tnLst>
+      <p:par>
+        <p:cTn id="1" dur="indefinite" restart="never" nodeType="tmRoot">
+          <p:childTnLst>
+            <p:seq concurrent="1" nextAc="seek">
+              <p:cTn id="2" dur="indefinite" nodeType="mainSeq">
+                <p:childTnLst>
+                  <p:par>
+                    <p:cTn id="3" fill="hold">
+                      <p:stCondLst>
+                        <p:cond delay="indefinite"/>
+                      </p:stCondLst>
+                      <p:childTnLst>
+                        <p:par>
+                          <p:cTn id="4" fill="hold">
+                            <p:stCondLst>
+                              <p:cond delay="0"/>
+                            </p:stCondLst>
+                            <p:childTnLst>
+                              <p:par>
+                                <p:cTn id="5" presetID="1" presetClass="entr" presetSubtype="0" fill="hold" grpId="0" nodeType="clickEffect">
+                                  <p:stCondLst>
+                                    <p:cond delay="0"/>
+                                  </p:stCondLst>
+                                  <p:childTnLst>
+                                    <p:set>
+                                      <p:cBhvr>
+                                        <p:cTn id="6" dur="1" fill="hold">
+                                          <p:stCondLst>
+                                            <p:cond delay="0"/>
+                                          </p:stCondLst>
+                                        </p:cTn>
+                                        <p:tgtEl>
+                                          <p:spTgt spid="3">
+                                            <p:txEl>
+                                              <p:pRg st="0" end="0"/>
+                                            </p:txEl>
+                                          </p:spTgt>
+                                        </p:tgtEl>
+                                        <p:attrNameLst>
+                                          <p:attrName>style.visibility</p:attrName>
+                                        </p:attrNameLst>
+                                      </p:cBhvr>
+                                      <p:to>
+                                        <p:strVal val="visible"/>
+                                      </p:to>
+                                    </p:set>
+                                  </p:childTnLst>
+                                </p:cTn>
+                              </p:par>
+                            </p:childTnLst>
+                          </p:cTn>
+                        </p:par>
+                      </p:childTnLst>
+                    </p:cTn>
+                  </p:par>
+                  <p:par>
+                    <p:cTn id="7" fill="hold">
+                      <p:stCondLst>
+                        <p:cond delay="indefinite"/>
+                      </p:stCondLst>
+                      <p:childTnLst>
+                        <p:par>
+                          <p:cTn id="8" fill="hold">
+                            <p:stCondLst>
+                              <p:cond delay="0"/>
+                            </p:stCondLst>
+                            <p:childTnLst>
+                              <p:par>
+                                <p:cTn id="9" presetID="1" presetClass="entr" presetSubtype="0" fill="hold" grpId="0" nodeType="clickEffect">
+                                  <p:stCondLst>
+                                    <p:cond delay="0"/>
+                                  </p:stCondLst>
+                                  <p:childTnLst>
+                                    <p:set>
+                                      <p:cBhvr>
+                                        <p:cTn id="10" dur="1" fill="hold">
+                                          <p:stCondLst>
+                                            <p:cond delay="0"/>
+                                          </p:stCondLst>
+                                        </p:cTn>
+                                        <p:tgtEl>
+                                          <p:spTgt spid="3">
+                                            <p:txEl>
+                                              <p:pRg st="1" end="1"/>
+                                            </p:txEl>
+                                          </p:spTgt>
+                                        </p:tgtEl>
+                                        <p:attrNameLst>
+                                          <p:attrName>style.visibility</p:attrName>
+                                        </p:attrNameLst>
+                                      </p:cBhvr>
+                                      <p:to>
+                                        <p:strVal val="visible"/>
+                                      </p:to>
+                                    </p:set>
+                                  </p:childTnLst>
+                                </p:cTn>
+                              </p:par>
+                            </p:childTnLst>
+                          </p:cTn>
+                        </p:par>
+                      </p:childTnLst>
+                    </p:cTn>
+                  </p:par>
+                  <p:par>
+                    <p:cTn id="11" fill="hold">
+                      <p:stCondLst>
+                        <p:cond delay="indefinite"/>
+                      </p:stCondLst>
+                      <p:childTnLst>
+                        <p:par>
+                          <p:cTn id="12" fill="hold">
+                            <p:stCondLst>
+                              <p:cond delay="0"/>
+                            </p:stCondLst>
+                            <p:childTnLst>
+                              <p:par>
+                                <p:cTn id="13" presetID="1" presetClass="entr" presetSubtype="0" fill="hold" grpId="0" nodeType="clickEffect">
+                                  <p:stCondLst>
+                                    <p:cond delay="0"/>
+                                  </p:stCondLst>
+                                  <p:childTnLst>
+                                    <p:set>
+                                      <p:cBhvr>
+                                        <p:cTn id="14" dur="1" fill="hold">
+                                          <p:stCondLst>
+                                            <p:cond delay="0"/>
+                                          </p:stCondLst>
+                                        </p:cTn>
+                                        <p:tgtEl>
+                                          <p:spTgt spid="3">
+                                            <p:txEl>
+                                              <p:pRg st="2" end="2"/>
+                                            </p:txEl>
+                                          </p:spTgt>
+                                        </p:tgtEl>
+                                        <p:attrNameLst>
+                                          <p:attrName>style.visibility</p:attrName>
+                                        </p:attrNameLst>
+                                      </p:cBhvr>
+                                      <p:to>
+                                        <p:strVal val="visible"/>
+                                      </p:to>
+                                    </p:set>
+                                  </p:childTnLst>
+                                </p:cTn>
+                              </p:par>
+                            </p:childTnLst>
+                          </p:cTn>
+                        </p:par>
+                      </p:childTnLst>
+                    </p:cTn>
+                  </p:par>
+                  <p:par>
+                    <p:cTn id="15" fill="hold">
+                      <p:stCondLst>
+                        <p:cond delay="indefinite"/>
+                      </p:stCondLst>
+                      <p:childTnLst>
+                        <p:par>
+                          <p:cTn id="16" fill="hold">
+                            <p:stCondLst>
+                              <p:cond delay="0"/>
+                            </p:stCondLst>
+                            <p:childTnLst>
+                              <p:par>
+                                <p:cTn id="17" presetID="1" presetClass="entr" presetSubtype="0" fill="hold" grpId="0" nodeType="clickEffect">
+                                  <p:stCondLst>
+                                    <p:cond delay="0"/>
+                                  </p:stCondLst>
+                                  <p:childTnLst>
+                                    <p:set>
+                                      <p:cBhvr>
+                                        <p:cTn id="18" dur="1" fill="hold">
+                                          <p:stCondLst>
+                                            <p:cond delay="0"/>
+                                          </p:stCondLst>
+                                        </p:cTn>
+                                        <p:tgtEl>
+                                          <p:spTgt spid="3">
+                                            <p:txEl>
+                                              <p:pRg st="4" end="4"/>
+                                            </p:txEl>
+                                          </p:spTgt>
+                                        </p:tgtEl>
+                                        <p:attrNameLst>
+                                          <p:attrName>style.visibility</p:attrName>
+                                        </p:attrNameLst>
+                                      </p:cBhvr>
+                                      <p:to>
+                                        <p:strVal val="visible"/>
+                                      </p:to>
+                                    </p:set>
+                                  </p:childTnLst>
+                                </p:cTn>
+                              </p:par>
+                            </p:childTnLst>
+                          </p:cTn>
+                        </p:par>
+                      </p:childTnLst>
+                    </p:cTn>
+                  </p:par>
+                  <p:par>
+                    <p:cTn id="19" fill="hold">
+                      <p:stCondLst>
+                        <p:cond delay="indefinite"/>
+                      </p:stCondLst>
+                      <p:childTnLst>
+                        <p:par>
+                          <p:cTn id="20" fill="hold">
+                            <p:stCondLst>
+                              <p:cond delay="0"/>
+                            </p:stCondLst>
+                            <p:childTnLst>
+                              <p:par>
+                                <p:cTn id="21" presetID="1" presetClass="entr" presetSubtype="0" fill="hold" grpId="0" nodeType="clickEffect">
+                                  <p:stCondLst>
+                                    <p:cond delay="0"/>
+                                  </p:stCondLst>
+                                  <p:childTnLst>
+                                    <p:set>
+                                      <p:cBhvr>
+                                        <p:cTn id="22" dur="1" fill="hold">
+                                          <p:stCondLst>
+                                            <p:cond delay="0"/>
+                                          </p:stCondLst>
+                                        </p:cTn>
+                                        <p:tgtEl>
+                                          <p:spTgt spid="3">
+                                            <p:txEl>
+                                              <p:pRg st="5" end="5"/>
+                                            </p:txEl>
+                                          </p:spTgt>
+                                        </p:tgtEl>
+                                        <p:attrNameLst>
+                                          <p:attrName>style.visibility</p:attrName>
+                                        </p:attrNameLst>
+                                      </p:cBhvr>
+                                      <p:to>
+                                        <p:strVal val="visible"/>
+                                      </p:to>
+                                    </p:set>
+                                  </p:childTnLst>
+                                </p:cTn>
+                              </p:par>
+                            </p:childTnLst>
+                          </p:cTn>
+                        </p:par>
+                      </p:childTnLst>
+                    </p:cTn>
+                  </p:par>
+                  <p:par>
+                    <p:cTn id="23" fill="hold">
+                      <p:stCondLst>
+                        <p:cond delay="indefinite"/>
+                      </p:stCondLst>
+                      <p:childTnLst>
+                        <p:par>
+                          <p:cTn id="24" fill="hold">
+                            <p:stCondLst>
+                              <p:cond delay="0"/>
+                            </p:stCondLst>
+                            <p:childTnLst>
+                              <p:par>
+                                <p:cTn id="25" presetID="1" presetClass="entr" presetSubtype="0" fill="hold" grpId="0" nodeType="clickEffect">
+                                  <p:stCondLst>
+                                    <p:cond delay="0"/>
+                                  </p:stCondLst>
+                                  <p:childTnLst>
+                                    <p:set>
+                                      <p:cBhvr>
+                                        <p:cTn id="26" dur="1" fill="hold">
+                                          <p:stCondLst>
+                                            <p:cond delay="0"/>
+                                          </p:stCondLst>
+                                        </p:cTn>
+                                        <p:tgtEl>
+                                          <p:spTgt spid="3">
+                                            <p:txEl>
+                                              <p:pRg st="7" end="7"/>
+                                            </p:txEl>
+                                          </p:spTgt>
+                                        </p:tgtEl>
+                                        <p:attrNameLst>
+                                          <p:attrName>style.visibility</p:attrName>
+                                        </p:attrNameLst>
+                                      </p:cBhvr>
+                                      <p:to>
+                                        <p:strVal val="visible"/>
+                                      </p:to>
+                                    </p:set>
+                                  </p:childTnLst>
+                                </p:cTn>
+                              </p:par>
+                            </p:childTnLst>
+                          </p:cTn>
+                        </p:par>
+                      </p:childTnLst>
+                    </p:cTn>
+                  </p:par>
+                  <p:par>
+                    <p:cTn id="27" fill="hold">
+                      <p:stCondLst>
+                        <p:cond delay="indefinite"/>
+                      </p:stCondLst>
+                      <p:childTnLst>
+                        <p:par>
+                          <p:cTn id="28" fill="hold">
+                            <p:stCondLst>
+                              <p:cond delay="0"/>
+                            </p:stCondLst>
+                            <p:childTnLst>
+                              <p:par>
+                                <p:cTn id="29" presetID="1" presetClass="entr" presetSubtype="0" fill="hold" grpId="0" nodeType="clickEffect">
+                                  <p:stCondLst>
+                                    <p:cond delay="0"/>
+                                  </p:stCondLst>
+                                  <p:childTnLst>
+                                    <p:set>
+                                      <p:cBhvr>
+                                        <p:cTn id="30" dur="1" fill="hold">
+                                          <p:stCondLst>
+                                            <p:cond delay="0"/>
+                                          </p:stCondLst>
+                                        </p:cTn>
+                                        <p:tgtEl>
+                                          <p:spTgt spid="3">
+                                            <p:txEl>
+                                              <p:pRg st="8" end="8"/>
+                                            </p:txEl>
+                                          </p:spTgt>
+                                        </p:tgtEl>
+                                        <p:attrNameLst>
+                                          <p:attrName>style.visibility</p:attrName>
+                                        </p:attrNameLst>
+                                      </p:cBhvr>
+                                      <p:to>
+                                        <p:strVal val="visible"/>
+                                      </p:to>
+                                    </p:set>
+                                  </p:childTnLst>
+                                </p:cTn>
+                              </p:par>
+                            </p:childTnLst>
+                          </p:cTn>
+                        </p:par>
+                      </p:childTnLst>
+                    </p:cTn>
+                  </p:par>
+                </p:childTnLst>
+              </p:cTn>
+              <p:prevCondLst>
+                <p:cond evt="onPrev" delay="0">
+                  <p:tgtEl>
+                    <p:sldTgt/>
+                  </p:tgtEl>
+                </p:cond>
+              </p:prevCondLst>
+              <p:nextCondLst>
+                <p:cond evt="onNext" delay="0">
+                  <p:tgtEl>
+                    <p:sldTgt/>
+                  </p:tgtEl>
+                </p:cond>
+              </p:nextCondLst>
+            </p:seq>
+          </p:childTnLst>
+        </p:cTn>
+      </p:par>
+    </p:tnLst>
+    <p:bldLst>
+      <p:bldP spid="3" grpId="0" build="p"/>
+    </p:bldLst>
+  </p:timing>
+</p:sld>
+</file>
+
+<file path=ppt/slides/slide11.xml><?xml version="1.0" encoding="utf-8"?>
+<p:sld xmlns:a="http://schemas.openxmlformats.org/drawingml/2006/main" xmlns:r="http://schemas.openxmlformats.org/officeDocument/2006/relationships" xmlns:p="http://schemas.openxmlformats.org/presentationml/2006/main">
+  <p:cSld>
+    <p:spTree>
+      <p:nvGrpSpPr>
+        <p:cNvPr id="1" name=""/>
+        <p:cNvGrpSpPr/>
+        <p:nvPr/>
+      </p:nvGrpSpPr>
+      <p:grpSpPr>
+        <a:xfrm>
+          <a:off x="0" y="0"/>
+          <a:ext cx="0" cy="0"/>
+          <a:chOff x="0" y="0"/>
+          <a:chExt cx="0" cy="0"/>
+        </a:xfrm>
+      </p:grpSpPr>
+      <p:sp>
+        <p:nvSpPr>
+          <p:cNvPr id="2" name="Title 1">
+            <a:extLst>
+              <a:ext uri="{FF2B5EF4-FFF2-40B4-BE49-F238E27FC236}">
+                <a16:creationId xmlns:a16="http://schemas.microsoft.com/office/drawing/2014/main" id="{D33D86DE-A25C-2047-BF56-AC628A74273D}"/>
+              </a:ext>
+            </a:extLst>
+          </p:cNvPr>
+          <p:cNvSpPr>
+            <a:spLocks noGrp="1"/>
+          </p:cNvSpPr>
+          <p:nvPr>
+            <p:ph type="title"/>
+          </p:nvPr>
+        </p:nvSpPr>
+        <p:spPr/>
+        <p:txBody>
+          <a:bodyPr/>
+          <a:lstStyle/>
+          <a:p>
+            <a:r>
+              <a:rPr lang="en-US" dirty="0"/>
+              <a:t>Write data to file</a:t>
+            </a:r>
+          </a:p>
+        </p:txBody>
+      </p:sp>
+      <p:sp>
+        <p:nvSpPr>
+          <p:cNvPr id="3" name="Content Placeholder 2">
+            <a:extLst>
+              <a:ext uri="{FF2B5EF4-FFF2-40B4-BE49-F238E27FC236}">
+                <a16:creationId xmlns:a16="http://schemas.microsoft.com/office/drawing/2014/main" id="{ADC41A74-280A-5542-85B1-7B51A51E2AD1}"/>
+              </a:ext>
+            </a:extLst>
+          </p:cNvPr>
+          <p:cNvSpPr>
+            <a:spLocks noGrp="1"/>
+          </p:cNvSpPr>
+          <p:nvPr>
+            <p:ph idx="1"/>
+          </p:nvPr>
+        </p:nvSpPr>
+        <p:spPr/>
+        <p:txBody>
+          <a:bodyPr>
+            <a:normAutofit/>
+          </a:bodyPr>
+          <a:lstStyle/>
+          <a:p>
+            <a:pPr marL="0" indent="0">
+              <a:buNone/>
+            </a:pPr>
+            <a:endParaRPr lang="en-US" sz="3600" dirty="0">
+              <a:latin typeface="Consolas" panose="020B0609020204030204" pitchFamily="49" charset="0"/>
+              <a:cs typeface="Consolas" panose="020B0609020204030204" pitchFamily="49" charset="0"/>
+            </a:endParaRPr>
+          </a:p>
+          <a:p>
+            <a:pPr marL="0" indent="0">
+              <a:buNone/>
+            </a:pPr>
+            <a:endParaRPr lang="en-US" sz="3600" dirty="0">
+              <a:latin typeface="Consolas" panose="020B0609020204030204" pitchFamily="49" charset="0"/>
+              <a:cs typeface="Consolas" panose="020B0609020204030204" pitchFamily="49" charset="0"/>
+            </a:endParaRPr>
+          </a:p>
+          <a:p>
+            <a:pPr marL="0" indent="0">
+              <a:buNone/>
+            </a:pPr>
+            <a:r>
+              <a:rPr lang="en-US" sz="3200" dirty="0">
+                <a:latin typeface="Consolas" panose="020B0609020204030204" pitchFamily="49" charset="0"/>
+                <a:cs typeface="Consolas" panose="020B0609020204030204" pitchFamily="49" charset="0"/>
+              </a:rPr>
+              <a:t>bytes = </a:t>
+            </a:r>
+            <a:r>
+              <a:rPr lang="en-US" sz="3200" dirty="0" err="1">
+                <a:latin typeface="Consolas" panose="020B0609020204030204" pitchFamily="49" charset="0"/>
+                <a:cs typeface="Consolas" panose="020B0609020204030204" pitchFamily="49" charset="0"/>
+              </a:rPr>
+              <a:t>fd.write</a:t>
+            </a:r>
+            <a:r>
+              <a:rPr lang="en-US" sz="3200" dirty="0">
+                <a:latin typeface="Consolas" panose="020B0609020204030204" pitchFamily="49" charset="0"/>
+                <a:cs typeface="Consolas" panose="020B0609020204030204" pitchFamily="49" charset="0"/>
+              </a:rPr>
+              <a:t>(</a:t>
+            </a:r>
+            <a:r>
+              <a:rPr lang="en-US" sz="3200" dirty="0" err="1">
+                <a:latin typeface="Consolas" panose="020B0609020204030204" pitchFamily="49" charset="0"/>
+                <a:cs typeface="Consolas" panose="020B0609020204030204" pitchFamily="49" charset="0"/>
+              </a:rPr>
+              <a:t>data_as_string</a:t>
+            </a:r>
+            <a:r>
+              <a:rPr lang="en-US" sz="3200" dirty="0">
+                <a:latin typeface="Consolas" panose="020B0609020204030204" pitchFamily="49" charset="0"/>
+                <a:cs typeface="Consolas" panose="020B0609020204030204" pitchFamily="49" charset="0"/>
+              </a:rPr>
+              <a:t>)</a:t>
+            </a:r>
+          </a:p>
+          <a:p>
+            <a:r>
+              <a:rPr lang="en-US" dirty="0">
+                <a:latin typeface="Consolas" panose="020B0609020204030204" pitchFamily="49" charset="0"/>
+                <a:cs typeface="Consolas" panose="020B0609020204030204" pitchFamily="49" charset="0"/>
+              </a:rPr>
+              <a:t>Writes at current position</a:t>
+            </a:r>
+          </a:p>
+          <a:p>
+            <a:r>
+              <a:rPr lang="en-US" dirty="0">
+                <a:latin typeface="Consolas" panose="020B0609020204030204" pitchFamily="49" charset="0"/>
+                <a:cs typeface="Consolas" panose="020B0609020204030204" pitchFamily="49" charset="0"/>
+              </a:rPr>
+              <a:t>Returns the number of bytes successfully written</a:t>
+            </a:r>
+          </a:p>
+        </p:txBody>
+      </p:sp>
+    </p:spTree>
+    <p:extLst>
+      <p:ext uri="{BB962C8B-B14F-4D97-AF65-F5344CB8AC3E}">
+        <p14:creationId xmlns:p14="http://schemas.microsoft.com/office/powerpoint/2010/main" val="1978263679"/>
+      </p:ext>
+    </p:extLst>
+  </p:cSld>
+  <p:clrMapOvr>
+    <a:masterClrMapping/>
+  </p:clrMapOvr>
+  <p:timing>
+    <p:tnLst>
+      <p:par>
+        <p:cTn id="1" dur="indefinite" restart="never" nodeType="tmRoot">
+          <p:childTnLst>
+            <p:seq concurrent="1" nextAc="seek">
+              <p:cTn id="2" dur="indefinite" nodeType="mainSeq">
+                <p:childTnLst>
+                  <p:par>
+                    <p:cTn id="3" fill="hold">
+                      <p:stCondLst>
+                        <p:cond delay="indefinite"/>
+                      </p:stCondLst>
+                      <p:childTnLst>
+                        <p:par>
+                          <p:cTn id="4" fill="hold">
+                            <p:stCondLst>
+                              <p:cond delay="0"/>
+                            </p:stCondLst>
+                            <p:childTnLst>
+                              <p:par>
+                                <p:cTn id="5" presetID="1" presetClass="entr" presetSubtype="0" fill="hold" grpId="0" nodeType="clickEffect">
+                                  <p:stCondLst>
+                                    <p:cond delay="0"/>
+                                  </p:stCondLst>
+                                  <p:childTnLst>
+                                    <p:set>
+                                      <p:cBhvr>
+                                        <p:cTn id="6" dur="1" fill="hold">
+                                          <p:stCondLst>
+                                            <p:cond delay="0"/>
+                                          </p:stCondLst>
+                                        </p:cTn>
+                                        <p:tgtEl>
+                                          <p:spTgt spid="3">
+                                            <p:txEl>
+                                              <p:pRg st="2" end="2"/>
+                                            </p:txEl>
+                                          </p:spTgt>
+                                        </p:tgtEl>
+                                        <p:attrNameLst>
+                                          <p:attrName>style.visibility</p:attrName>
+                                        </p:attrNameLst>
+                                      </p:cBhvr>
+                                      <p:to>
+                                        <p:strVal val="visible"/>
+                                      </p:to>
+                                    </p:set>
+                                  </p:childTnLst>
+                                </p:cTn>
+                              </p:par>
+                            </p:childTnLst>
+                          </p:cTn>
+                        </p:par>
+                      </p:childTnLst>
+                    </p:cTn>
+                  </p:par>
+                  <p:par>
+                    <p:cTn id="7" fill="hold">
+                      <p:stCondLst>
+                        <p:cond delay="indefinite"/>
+                      </p:stCondLst>
+                      <p:childTnLst>
+                        <p:par>
+                          <p:cTn id="8" fill="hold">
+                            <p:stCondLst>
+                              <p:cond delay="0"/>
+                            </p:stCondLst>
+                            <p:childTnLst>
+                              <p:par>
+                                <p:cTn id="9" presetID="1" presetClass="entr" presetSubtype="0" fill="hold" grpId="0" nodeType="clickEffect">
+                                  <p:stCondLst>
+                                    <p:cond delay="0"/>
+                                  </p:stCondLst>
+                                  <p:childTnLst>
+                                    <p:set>
+                                      <p:cBhvr>
+                                        <p:cTn id="10" dur="1" fill="hold">
+                                          <p:stCondLst>
+                                            <p:cond delay="0"/>
+                                          </p:stCondLst>
+                                        </p:cTn>
+                                        <p:tgtEl>
+                                          <p:spTgt spid="3">
+                                            <p:txEl>
+                                              <p:pRg st="3" end="3"/>
+                                            </p:txEl>
+                                          </p:spTgt>
+                                        </p:tgtEl>
+                                        <p:attrNameLst>
+                                          <p:attrName>style.visibility</p:attrName>
+                                        </p:attrNameLst>
+                                      </p:cBhvr>
+                                      <p:to>
+                                        <p:strVal val="visible"/>
+                                      </p:to>
+                                    </p:set>
+                                  </p:childTnLst>
+                                </p:cTn>
+                              </p:par>
+                            </p:childTnLst>
+                          </p:cTn>
+                        </p:par>
+                      </p:childTnLst>
+                    </p:cTn>
+                  </p:par>
+                  <p:par>
+                    <p:cTn id="11" fill="hold">
+                      <p:stCondLst>
+                        <p:cond delay="indefinite"/>
+                      </p:stCondLst>
+                      <p:childTnLst>
+                        <p:par>
+                          <p:cTn id="12" fill="hold">
+                            <p:stCondLst>
+                              <p:cond delay="0"/>
+                            </p:stCondLst>
+                            <p:childTnLst>
+                              <p:par>
+                                <p:cTn id="13" presetID="1" presetClass="entr" presetSubtype="0" fill="hold" grpId="0" nodeType="clickEffect">
+                                  <p:stCondLst>
+                                    <p:cond delay="0"/>
+                                  </p:stCondLst>
+                                  <p:childTnLst>
+                                    <p:set>
+                                      <p:cBhvr>
+                                        <p:cTn id="14" dur="1" fill="hold">
+                                          <p:stCondLst>
+                                            <p:cond delay="0"/>
+                                          </p:stCondLst>
+                                        </p:cTn>
+                                        <p:tgtEl>
+                                          <p:spTgt spid="3">
+                                            <p:txEl>
+                                              <p:pRg st="4" end="4"/>
+                                            </p:txEl>
+                                          </p:spTgt>
+                                        </p:tgtEl>
+                                        <p:attrNameLst>
+                                          <p:attrName>style.visibility</p:attrName>
+                                        </p:attrNameLst>
+                                      </p:cBhvr>
+                                      <p:to>
+                                        <p:strVal val="visible"/>
+                                      </p:to>
+                                    </p:set>
+                                  </p:childTnLst>
+                                </p:cTn>
+                              </p:par>
+                            </p:childTnLst>
+                          </p:cTn>
+                        </p:par>
+                      </p:childTnLst>
+                    </p:cTn>
+                  </p:par>
+                </p:childTnLst>
+              </p:cTn>
+              <p:prevCondLst>
+                <p:cond evt="onPrev" delay="0">
+                  <p:tgtEl>
+                    <p:sldTgt/>
+                  </p:tgtEl>
+                </p:cond>
+              </p:prevCondLst>
+              <p:nextCondLst>
+                <p:cond evt="onNext" delay="0">
+                  <p:tgtEl>
+                    <p:sldTgt/>
+                  </p:tgtEl>
+                </p:cond>
+              </p:nextCondLst>
+            </p:seq>
+          </p:childTnLst>
+        </p:cTn>
+      </p:par>
+    </p:tnLst>
+    <p:bldLst>
+      <p:bldP spid="3" grpId="0" build="p"/>
+    </p:bldLst>
+  </p:timing>
+</p:sld>
+</file>
+
+<file path=ppt/slides/slide12.xml><?xml version="1.0" encoding="utf-8"?>
+<p:sld xmlns:a="http://schemas.openxmlformats.org/drawingml/2006/main" xmlns:r="http://schemas.openxmlformats.org/officeDocument/2006/relationships" xmlns:p="http://schemas.openxmlformats.org/presentationml/2006/main">
+  <p:cSld>
+    <p:spTree>
+      <p:nvGrpSpPr>
+        <p:cNvPr id="1" name=""/>
+        <p:cNvGrpSpPr/>
+        <p:nvPr/>
+      </p:nvGrpSpPr>
+      <p:grpSpPr>
+        <a:xfrm>
+          <a:off x="0" y="0"/>
+          <a:ext cx="0" cy="0"/>
+          <a:chOff x="0" y="0"/>
+          <a:chExt cx="0" cy="0"/>
+        </a:xfrm>
+      </p:grpSpPr>
+      <p:sp>
+        <p:nvSpPr>
+          <p:cNvPr id="2" name="Title 1">
+            <a:extLst>
+              <a:ext uri="{FF2B5EF4-FFF2-40B4-BE49-F238E27FC236}">
+                <a16:creationId xmlns:a16="http://schemas.microsoft.com/office/drawing/2014/main" id="{9C5F584E-3BD4-F24F-857D-744C1E3A3509}"/>
+              </a:ext>
+            </a:extLst>
+          </p:cNvPr>
+          <p:cNvSpPr>
+            <a:spLocks noGrp="1"/>
+          </p:cNvSpPr>
+          <p:nvPr>
+            <p:ph type="title"/>
+          </p:nvPr>
+        </p:nvSpPr>
+        <p:spPr/>
+        <p:txBody>
+          <a:bodyPr/>
+          <a:lstStyle/>
+          <a:p>
+            <a:r>
+              <a:rPr lang="en-US" dirty="0"/>
+              <a:t>Position</a:t>
+            </a:r>
+          </a:p>
+        </p:txBody>
+      </p:sp>
+      <p:sp>
+        <p:nvSpPr>
+          <p:cNvPr id="3" name="Content Placeholder 2">
+            <a:extLst>
+              <a:ext uri="{FF2B5EF4-FFF2-40B4-BE49-F238E27FC236}">
+                <a16:creationId xmlns:a16="http://schemas.microsoft.com/office/drawing/2014/main" id="{12F1143A-1452-1240-8FBA-EDBFA481A391}"/>
+              </a:ext>
+            </a:extLst>
+          </p:cNvPr>
+          <p:cNvSpPr>
+            <a:spLocks noGrp="1"/>
+          </p:cNvSpPr>
+          <p:nvPr>
+            <p:ph idx="1"/>
+          </p:nvPr>
+        </p:nvSpPr>
+        <p:spPr/>
+        <p:txBody>
+          <a:bodyPr/>
+          <a:lstStyle/>
+          <a:p>
+            <a:pPr marL="0" indent="0">
+              <a:buNone/>
+            </a:pPr>
+            <a:r>
+              <a:rPr lang="en-US" sz="3200" dirty="0" err="1">
+                <a:latin typeface="Consolas" panose="020B0609020204030204" pitchFamily="49" charset="0"/>
+                <a:cs typeface="Consolas" panose="020B0609020204030204" pitchFamily="49" charset="0"/>
+              </a:rPr>
+              <a:t>current_position</a:t>
+            </a:r>
+            <a:r>
+              <a:rPr lang="en-US" sz="3200" dirty="0">
+                <a:latin typeface="Consolas" panose="020B0609020204030204" pitchFamily="49" charset="0"/>
+                <a:cs typeface="Consolas" panose="020B0609020204030204" pitchFamily="49" charset="0"/>
+              </a:rPr>
+              <a:t> = </a:t>
+            </a:r>
+            <a:r>
+              <a:rPr lang="en-US" sz="3200" dirty="0" err="1">
+                <a:latin typeface="Consolas" panose="020B0609020204030204" pitchFamily="49" charset="0"/>
+                <a:cs typeface="Consolas" panose="020B0609020204030204" pitchFamily="49" charset="0"/>
+              </a:rPr>
+              <a:t>fd.tell</a:t>
+            </a:r>
+            <a:r>
+              <a:rPr lang="en-US" sz="3200" dirty="0">
+                <a:latin typeface="Consolas" panose="020B0609020204030204" pitchFamily="49" charset="0"/>
+                <a:cs typeface="Consolas" panose="020B0609020204030204" pitchFamily="49" charset="0"/>
+              </a:rPr>
+              <a:t>()</a:t>
+            </a:r>
+          </a:p>
+          <a:p>
+            <a:pPr marL="0" indent="0">
+              <a:buNone/>
+            </a:pPr>
+            <a:endParaRPr lang="en-US" dirty="0"/>
+          </a:p>
+          <a:p>
+            <a:pPr marL="0" indent="0">
+              <a:buNone/>
+            </a:pPr>
+            <a:endParaRPr lang="en-US" dirty="0"/>
+          </a:p>
+          <a:p>
+            <a:pPr marL="0" indent="0">
+              <a:buNone/>
+            </a:pPr>
+            <a:r>
+              <a:rPr lang="en-US" sz="3200" dirty="0" err="1">
+                <a:latin typeface="Consolas" panose="020B0609020204030204" pitchFamily="49" charset="0"/>
+                <a:cs typeface="Consolas" panose="020B0609020204030204" pitchFamily="49" charset="0"/>
+              </a:rPr>
+              <a:t>fd.seek</a:t>
+            </a:r>
+            <a:r>
+              <a:rPr lang="en-US" sz="3200" dirty="0">
+                <a:latin typeface="Consolas" panose="020B0609020204030204" pitchFamily="49" charset="0"/>
+                <a:cs typeface="Consolas" panose="020B0609020204030204" pitchFamily="49" charset="0"/>
+              </a:rPr>
+              <a:t>(offset: int, position: int)</a:t>
+            </a:r>
+          </a:p>
+          <a:p>
+            <a:r>
+              <a:rPr lang="en-US" dirty="0">
+                <a:latin typeface="Consolas" panose="020B0609020204030204" pitchFamily="49" charset="0"/>
+                <a:cs typeface="Consolas" panose="020B0609020204030204" pitchFamily="49" charset="0"/>
+              </a:rPr>
+              <a:t>position</a:t>
+            </a:r>
+            <a:r>
+              <a:rPr lang="en-US" dirty="0"/>
+              <a:t> can be 0 (Begin), 1 (Current), 2 (End)</a:t>
+            </a:r>
+          </a:p>
+          <a:p>
+            <a:r>
+              <a:rPr lang="en-US" dirty="0"/>
+              <a:t>Next read or write will happen from </a:t>
+            </a:r>
+            <a:r>
+              <a:rPr lang="en-US" dirty="0">
+                <a:latin typeface="Consolas" panose="020B0609020204030204" pitchFamily="49" charset="0"/>
+                <a:cs typeface="Consolas" panose="020B0609020204030204" pitchFamily="49" charset="0"/>
+              </a:rPr>
+              <a:t>position + offset</a:t>
+            </a:r>
+          </a:p>
+        </p:txBody>
+      </p:sp>
+    </p:spTree>
+    <p:extLst>
+      <p:ext uri="{BB962C8B-B14F-4D97-AF65-F5344CB8AC3E}">
+        <p14:creationId xmlns:p14="http://schemas.microsoft.com/office/powerpoint/2010/main" val="3591412184"/>
+      </p:ext>
+    </p:extLst>
+  </p:cSld>
+  <p:clrMapOvr>
+    <a:masterClrMapping/>
+  </p:clrMapOvr>
+  <p:timing>
+    <p:tnLst>
+      <p:par>
+        <p:cTn id="1" dur="indefinite" restart="never" nodeType="tmRoot">
+          <p:childTnLst>
+            <p:seq concurrent="1" nextAc="seek">
+              <p:cTn id="2" dur="indefinite" nodeType="mainSeq">
+                <p:childTnLst>
+                  <p:par>
+                    <p:cTn id="3" fill="hold">
+                      <p:stCondLst>
+                        <p:cond delay="indefinite"/>
+                      </p:stCondLst>
+                      <p:childTnLst>
+                        <p:par>
+                          <p:cTn id="4" fill="hold">
+                            <p:stCondLst>
+                              <p:cond delay="0"/>
+                            </p:stCondLst>
+                            <p:childTnLst>
+                              <p:par>
+                                <p:cTn id="5" presetID="1" presetClass="entr" presetSubtype="0" fill="hold" grpId="0" nodeType="clickEffect">
+                                  <p:stCondLst>
+                                    <p:cond delay="0"/>
+                                  </p:stCondLst>
+                                  <p:childTnLst>
+                                    <p:set>
+                                      <p:cBhvr>
+                                        <p:cTn id="6" dur="1" fill="hold">
+                                          <p:stCondLst>
+                                            <p:cond delay="0"/>
+                                          </p:stCondLst>
+                                        </p:cTn>
+                                        <p:tgtEl>
+                                          <p:spTgt spid="3">
+                                            <p:txEl>
+                                              <p:pRg st="0" end="0"/>
+                                            </p:txEl>
+                                          </p:spTgt>
+                                        </p:tgtEl>
+                                        <p:attrNameLst>
+                                          <p:attrName>style.visibility</p:attrName>
+                                        </p:attrNameLst>
+                                      </p:cBhvr>
+                                      <p:to>
+                                        <p:strVal val="visible"/>
+                                      </p:to>
+                                    </p:set>
+                                  </p:childTnLst>
+                                </p:cTn>
+                              </p:par>
+                            </p:childTnLst>
+                          </p:cTn>
+                        </p:par>
+                      </p:childTnLst>
+                    </p:cTn>
+                  </p:par>
+                  <p:par>
+                    <p:cTn id="7" fill="hold">
+                      <p:stCondLst>
+                        <p:cond delay="indefinite"/>
+                      </p:stCondLst>
+                      <p:childTnLst>
+                        <p:par>
+                          <p:cTn id="8" fill="hold">
+                            <p:stCondLst>
+                              <p:cond delay="0"/>
+                            </p:stCondLst>
+                            <p:childTnLst>
+                              <p:par>
+                                <p:cTn id="9" presetID="1" presetClass="entr" presetSubtype="0" fill="hold" grpId="0" nodeType="clickEffect">
+                                  <p:stCondLst>
+                                    <p:cond delay="0"/>
+                                  </p:stCondLst>
+                                  <p:childTnLst>
+                                    <p:set>
+                                      <p:cBhvr>
+                                        <p:cTn id="10" dur="1" fill="hold">
+                                          <p:stCondLst>
+                                            <p:cond delay="0"/>
+                                          </p:stCondLst>
+                                        </p:cTn>
+                                        <p:tgtEl>
+                                          <p:spTgt spid="3">
+                                            <p:txEl>
+                                              <p:pRg st="3" end="3"/>
+                                            </p:txEl>
+                                          </p:spTgt>
+                                        </p:tgtEl>
+                                        <p:attrNameLst>
+                                          <p:attrName>style.visibility</p:attrName>
+                                        </p:attrNameLst>
+                                      </p:cBhvr>
+                                      <p:to>
+                                        <p:strVal val="visible"/>
+                                      </p:to>
+                                    </p:set>
+                                  </p:childTnLst>
+                                </p:cTn>
+                              </p:par>
+                            </p:childTnLst>
+                          </p:cTn>
+                        </p:par>
+                      </p:childTnLst>
+                    </p:cTn>
+                  </p:par>
+                  <p:par>
+                    <p:cTn id="11" fill="hold">
+                      <p:stCondLst>
+                        <p:cond delay="indefinite"/>
+                      </p:stCondLst>
+                      <p:childTnLst>
+                        <p:par>
+                          <p:cTn id="12" fill="hold">
+                            <p:stCondLst>
+                              <p:cond delay="0"/>
+                            </p:stCondLst>
+                            <p:childTnLst>
+                              <p:par>
+                                <p:cTn id="13" presetID="1" presetClass="entr" presetSubtype="0" fill="hold" grpId="0" nodeType="clickEffect">
+                                  <p:stCondLst>
+                                    <p:cond delay="0"/>
+                                  </p:stCondLst>
+                                  <p:childTnLst>
+                                    <p:set>
+                                      <p:cBhvr>
+                                        <p:cTn id="14" dur="1" fill="hold">
+                                          <p:stCondLst>
+                                            <p:cond delay="0"/>
+                                          </p:stCondLst>
+                                        </p:cTn>
+                                        <p:tgtEl>
+                                          <p:spTgt spid="3">
+                                            <p:txEl>
+                                              <p:pRg st="4" end="4"/>
+                                            </p:txEl>
+                                          </p:spTgt>
+                                        </p:tgtEl>
+                                        <p:attrNameLst>
+                                          <p:attrName>style.visibility</p:attrName>
+                                        </p:attrNameLst>
+                                      </p:cBhvr>
+                                      <p:to>
+                                        <p:strVal val="visible"/>
+                                      </p:to>
+                                    </p:set>
+                                  </p:childTnLst>
+                                </p:cTn>
+                              </p:par>
+                            </p:childTnLst>
+                          </p:cTn>
+                        </p:par>
+                      </p:childTnLst>
+                    </p:cTn>
+                  </p:par>
+                  <p:par>
+                    <p:cTn id="15" fill="hold">
+                      <p:stCondLst>
+                        <p:cond delay="indefinite"/>
+                      </p:stCondLst>
+                      <p:childTnLst>
+                        <p:par>
+                          <p:cTn id="16" fill="hold">
+                            <p:stCondLst>
+                              <p:cond delay="0"/>
+                            </p:stCondLst>
+                            <p:childTnLst>
+                              <p:par>
+                                <p:cTn id="17" presetID="1" presetClass="entr" presetSubtype="0" fill="hold" grpId="0" nodeType="clickEffect">
+                                  <p:stCondLst>
+                                    <p:cond delay="0"/>
+                                  </p:stCondLst>
+                                  <p:childTnLst>
+                                    <p:set>
+                                      <p:cBhvr>
+                                        <p:cTn id="18" dur="1" fill="hold">
+                                          <p:stCondLst>
+                                            <p:cond delay="0"/>
+                                          </p:stCondLst>
+                                        </p:cTn>
+                                        <p:tgtEl>
+                                          <p:spTgt spid="3">
+                                            <p:txEl>
+                                              <p:pRg st="5" end="5"/>
+                                            </p:txEl>
+                                          </p:spTgt>
+                                        </p:tgtEl>
+                                        <p:attrNameLst>
+                                          <p:attrName>style.visibility</p:attrName>
+                                        </p:attrNameLst>
+                                      </p:cBhvr>
+                                      <p:to>
+                                        <p:strVal val="visible"/>
+                                      </p:to>
+                                    </p:set>
+                                  </p:childTnLst>
+                                </p:cTn>
+                              </p:par>
+                            </p:childTnLst>
+                          </p:cTn>
+                        </p:par>
+                      </p:childTnLst>
+                    </p:cTn>
+                  </p:par>
+                </p:childTnLst>
+              </p:cTn>
+              <p:prevCondLst>
+                <p:cond evt="onPrev" delay="0">
+                  <p:tgtEl>
+                    <p:sldTgt/>
+                  </p:tgtEl>
+                </p:cond>
+              </p:prevCondLst>
+              <p:nextCondLst>
+                <p:cond evt="onNext" delay="0">
+                  <p:tgtEl>
+                    <p:sldTgt/>
+                  </p:tgtEl>
+                </p:cond>
+              </p:nextCondLst>
+            </p:seq>
+          </p:childTnLst>
+        </p:cTn>
+      </p:par>
+    </p:tnLst>
+    <p:bldLst>
+      <p:bldP spid="3" grpId="0" build="p"/>
+    </p:bldLst>
+  </p:timing>
+</p:sld>
+</file>
+
+<file path=ppt/slides/slide13.xml><?xml version="1.0" encoding="utf-8"?>
 <p:sld xmlns:a="http://schemas.openxmlformats.org/drawingml/2006/main" xmlns:r="http://schemas.openxmlformats.org/officeDocument/2006/relationships" xmlns:p="http://schemas.openxmlformats.org/presentationml/2006/main">
   <p:cSld>
     <p:spTree>
@@ -3641,10 +5002,394 @@
   <p:clrMapOvr>
     <a:masterClrMapping/>
   </p:clrMapOvr>
+  <p:timing>
+    <p:tnLst>
+      <p:par>
+        <p:cTn id="1" dur="indefinite" restart="never" nodeType="tmRoot">
+          <p:childTnLst>
+            <p:seq concurrent="1" nextAc="seek">
+              <p:cTn id="2" dur="indefinite" nodeType="mainSeq">
+                <p:childTnLst>
+                  <p:par>
+                    <p:cTn id="3" fill="hold">
+                      <p:stCondLst>
+                        <p:cond delay="indefinite"/>
+                      </p:stCondLst>
+                      <p:childTnLst>
+                        <p:par>
+                          <p:cTn id="4" fill="hold">
+                            <p:stCondLst>
+                              <p:cond delay="0"/>
+                            </p:stCondLst>
+                            <p:childTnLst>
+                              <p:par>
+                                <p:cTn id="5" presetID="1" presetClass="entr" presetSubtype="0" fill="hold" grpId="0" nodeType="clickEffect">
+                                  <p:stCondLst>
+                                    <p:cond delay="0"/>
+                                  </p:stCondLst>
+                                  <p:childTnLst>
+                                    <p:set>
+                                      <p:cBhvr>
+                                        <p:cTn id="6" dur="1" fill="hold">
+                                          <p:stCondLst>
+                                            <p:cond delay="0"/>
+                                          </p:stCondLst>
+                                        </p:cTn>
+                                        <p:tgtEl>
+                                          <p:spTgt spid="3">
+                                            <p:txEl>
+                                              <p:pRg st="0" end="0"/>
+                                            </p:txEl>
+                                          </p:spTgt>
+                                        </p:tgtEl>
+                                        <p:attrNameLst>
+                                          <p:attrName>style.visibility</p:attrName>
+                                        </p:attrNameLst>
+                                      </p:cBhvr>
+                                      <p:to>
+                                        <p:strVal val="visible"/>
+                                      </p:to>
+                                    </p:set>
+                                  </p:childTnLst>
+                                </p:cTn>
+                              </p:par>
+                              <p:par>
+                                <p:cTn id="7" presetID="1" presetClass="entr" presetSubtype="0" fill="hold" grpId="0" nodeType="withEffect">
+                                  <p:stCondLst>
+                                    <p:cond delay="0"/>
+                                  </p:stCondLst>
+                                  <p:childTnLst>
+                                    <p:set>
+                                      <p:cBhvr>
+                                        <p:cTn id="8" dur="1" fill="hold">
+                                          <p:stCondLst>
+                                            <p:cond delay="0"/>
+                                          </p:stCondLst>
+                                        </p:cTn>
+                                        <p:tgtEl>
+                                          <p:spTgt spid="3">
+                                            <p:txEl>
+                                              <p:pRg st="1" end="1"/>
+                                            </p:txEl>
+                                          </p:spTgt>
+                                        </p:tgtEl>
+                                        <p:attrNameLst>
+                                          <p:attrName>style.visibility</p:attrName>
+                                        </p:attrNameLst>
+                                      </p:cBhvr>
+                                      <p:to>
+                                        <p:strVal val="visible"/>
+                                      </p:to>
+                                    </p:set>
+                                  </p:childTnLst>
+                                </p:cTn>
+                              </p:par>
+                              <p:par>
+                                <p:cTn id="9" presetID="1" presetClass="entr" presetSubtype="0" fill="hold" grpId="0" nodeType="withEffect">
+                                  <p:stCondLst>
+                                    <p:cond delay="0"/>
+                                  </p:stCondLst>
+                                  <p:childTnLst>
+                                    <p:set>
+                                      <p:cBhvr>
+                                        <p:cTn id="10" dur="1" fill="hold">
+                                          <p:stCondLst>
+                                            <p:cond delay="0"/>
+                                          </p:stCondLst>
+                                        </p:cTn>
+                                        <p:tgtEl>
+                                          <p:spTgt spid="3">
+                                            <p:txEl>
+                                              <p:pRg st="2" end="2"/>
+                                            </p:txEl>
+                                          </p:spTgt>
+                                        </p:tgtEl>
+                                        <p:attrNameLst>
+                                          <p:attrName>style.visibility</p:attrName>
+                                        </p:attrNameLst>
+                                      </p:cBhvr>
+                                      <p:to>
+                                        <p:strVal val="visible"/>
+                                      </p:to>
+                                    </p:set>
+                                  </p:childTnLst>
+                                </p:cTn>
+                              </p:par>
+                            </p:childTnLst>
+                          </p:cTn>
+                        </p:par>
+                      </p:childTnLst>
+                    </p:cTn>
+                  </p:par>
+                  <p:par>
+                    <p:cTn id="11" fill="hold">
+                      <p:stCondLst>
+                        <p:cond delay="indefinite"/>
+                      </p:stCondLst>
+                      <p:childTnLst>
+                        <p:par>
+                          <p:cTn id="12" fill="hold">
+                            <p:stCondLst>
+                              <p:cond delay="0"/>
+                            </p:stCondLst>
+                            <p:childTnLst>
+                              <p:par>
+                                <p:cTn id="13" presetID="1" presetClass="entr" presetSubtype="0" fill="hold" grpId="0" nodeType="clickEffect">
+                                  <p:stCondLst>
+                                    <p:cond delay="0"/>
+                                  </p:stCondLst>
+                                  <p:childTnLst>
+                                    <p:set>
+                                      <p:cBhvr>
+                                        <p:cTn id="14" dur="1" fill="hold">
+                                          <p:stCondLst>
+                                            <p:cond delay="0"/>
+                                          </p:stCondLst>
+                                        </p:cTn>
+                                        <p:tgtEl>
+                                          <p:spTgt spid="3">
+                                            <p:txEl>
+                                              <p:pRg st="3" end="3"/>
+                                            </p:txEl>
+                                          </p:spTgt>
+                                        </p:tgtEl>
+                                        <p:attrNameLst>
+                                          <p:attrName>style.visibility</p:attrName>
+                                        </p:attrNameLst>
+                                      </p:cBhvr>
+                                      <p:to>
+                                        <p:strVal val="visible"/>
+                                      </p:to>
+                                    </p:set>
+                                  </p:childTnLst>
+                                </p:cTn>
+                              </p:par>
+                            </p:childTnLst>
+                          </p:cTn>
+                        </p:par>
+                      </p:childTnLst>
+                    </p:cTn>
+                  </p:par>
+                  <p:par>
+                    <p:cTn id="15" fill="hold">
+                      <p:stCondLst>
+                        <p:cond delay="indefinite"/>
+                      </p:stCondLst>
+                      <p:childTnLst>
+                        <p:par>
+                          <p:cTn id="16" fill="hold">
+                            <p:stCondLst>
+                              <p:cond delay="0"/>
+                            </p:stCondLst>
+                            <p:childTnLst>
+                              <p:par>
+                                <p:cTn id="17" presetID="1" presetClass="entr" presetSubtype="0" fill="hold" grpId="0" nodeType="clickEffect">
+                                  <p:stCondLst>
+                                    <p:cond delay="0"/>
+                                  </p:stCondLst>
+                                  <p:childTnLst>
+                                    <p:set>
+                                      <p:cBhvr>
+                                        <p:cTn id="18" dur="1" fill="hold">
+                                          <p:stCondLst>
+                                            <p:cond delay="0"/>
+                                          </p:stCondLst>
+                                        </p:cTn>
+                                        <p:tgtEl>
+                                          <p:spTgt spid="3">
+                                            <p:txEl>
+                                              <p:pRg st="4" end="4"/>
+                                            </p:txEl>
+                                          </p:spTgt>
+                                        </p:tgtEl>
+                                        <p:attrNameLst>
+                                          <p:attrName>style.visibility</p:attrName>
+                                        </p:attrNameLst>
+                                      </p:cBhvr>
+                                      <p:to>
+                                        <p:strVal val="visible"/>
+                                      </p:to>
+                                    </p:set>
+                                  </p:childTnLst>
+                                </p:cTn>
+                              </p:par>
+                              <p:par>
+                                <p:cTn id="19" presetID="1" presetClass="entr" presetSubtype="0" fill="hold" grpId="0" nodeType="withEffect">
+                                  <p:stCondLst>
+                                    <p:cond delay="0"/>
+                                  </p:stCondLst>
+                                  <p:childTnLst>
+                                    <p:set>
+                                      <p:cBhvr>
+                                        <p:cTn id="20" dur="1" fill="hold">
+                                          <p:stCondLst>
+                                            <p:cond delay="0"/>
+                                          </p:stCondLst>
+                                        </p:cTn>
+                                        <p:tgtEl>
+                                          <p:spTgt spid="3">
+                                            <p:txEl>
+                                              <p:pRg st="5" end="5"/>
+                                            </p:txEl>
+                                          </p:spTgt>
+                                        </p:tgtEl>
+                                        <p:attrNameLst>
+                                          <p:attrName>style.visibility</p:attrName>
+                                        </p:attrNameLst>
+                                      </p:cBhvr>
+                                      <p:to>
+                                        <p:strVal val="visible"/>
+                                      </p:to>
+                                    </p:set>
+                                  </p:childTnLst>
+                                </p:cTn>
+                              </p:par>
+                              <p:par>
+                                <p:cTn id="21" presetID="1" presetClass="entr" presetSubtype="0" fill="hold" grpId="0" nodeType="withEffect">
+                                  <p:stCondLst>
+                                    <p:cond delay="0"/>
+                                  </p:stCondLst>
+                                  <p:childTnLst>
+                                    <p:set>
+                                      <p:cBhvr>
+                                        <p:cTn id="22" dur="1" fill="hold">
+                                          <p:stCondLst>
+                                            <p:cond delay="0"/>
+                                          </p:stCondLst>
+                                        </p:cTn>
+                                        <p:tgtEl>
+                                          <p:spTgt spid="3">
+                                            <p:txEl>
+                                              <p:pRg st="6" end="6"/>
+                                            </p:txEl>
+                                          </p:spTgt>
+                                        </p:tgtEl>
+                                        <p:attrNameLst>
+                                          <p:attrName>style.visibility</p:attrName>
+                                        </p:attrNameLst>
+                                      </p:cBhvr>
+                                      <p:to>
+                                        <p:strVal val="visible"/>
+                                      </p:to>
+                                    </p:set>
+                                  </p:childTnLst>
+                                </p:cTn>
+                              </p:par>
+                            </p:childTnLst>
+                          </p:cTn>
+                        </p:par>
+                      </p:childTnLst>
+                    </p:cTn>
+                  </p:par>
+                  <p:par>
+                    <p:cTn id="23" fill="hold">
+                      <p:stCondLst>
+                        <p:cond delay="indefinite"/>
+                      </p:stCondLst>
+                      <p:childTnLst>
+                        <p:par>
+                          <p:cTn id="24" fill="hold">
+                            <p:stCondLst>
+                              <p:cond delay="0"/>
+                            </p:stCondLst>
+                            <p:childTnLst>
+                              <p:par>
+                                <p:cTn id="25" presetID="1" presetClass="entr" presetSubtype="0" fill="hold" grpId="0" nodeType="clickEffect">
+                                  <p:stCondLst>
+                                    <p:cond delay="0"/>
+                                  </p:stCondLst>
+                                  <p:childTnLst>
+                                    <p:set>
+                                      <p:cBhvr>
+                                        <p:cTn id="26" dur="1" fill="hold">
+                                          <p:stCondLst>
+                                            <p:cond delay="0"/>
+                                          </p:stCondLst>
+                                        </p:cTn>
+                                        <p:tgtEl>
+                                          <p:spTgt spid="3">
+                                            <p:txEl>
+                                              <p:pRg st="7" end="7"/>
+                                            </p:txEl>
+                                          </p:spTgt>
+                                        </p:tgtEl>
+                                        <p:attrNameLst>
+                                          <p:attrName>style.visibility</p:attrName>
+                                        </p:attrNameLst>
+                                      </p:cBhvr>
+                                      <p:to>
+                                        <p:strVal val="visible"/>
+                                      </p:to>
+                                    </p:set>
+                                  </p:childTnLst>
+                                </p:cTn>
+                              </p:par>
+                              <p:par>
+                                <p:cTn id="27" presetID="1" presetClass="entr" presetSubtype="0" fill="hold" grpId="0" nodeType="withEffect">
+                                  <p:stCondLst>
+                                    <p:cond delay="0"/>
+                                  </p:stCondLst>
+                                  <p:childTnLst>
+                                    <p:set>
+                                      <p:cBhvr>
+                                        <p:cTn id="28" dur="1" fill="hold">
+                                          <p:stCondLst>
+                                            <p:cond delay="0"/>
+                                          </p:stCondLst>
+                                        </p:cTn>
+                                        <p:tgtEl>
+                                          <p:spTgt spid="3">
+                                            <p:txEl>
+                                              <p:pRg st="8" end="8"/>
+                                            </p:txEl>
+                                          </p:spTgt>
+                                        </p:tgtEl>
+                                        <p:attrNameLst>
+                                          <p:attrName>style.visibility</p:attrName>
+                                        </p:attrNameLst>
+                                      </p:cBhvr>
+                                      <p:to>
+                                        <p:strVal val="visible"/>
+                                      </p:to>
+                                    </p:set>
+                                  </p:childTnLst>
+                                </p:cTn>
+                              </p:par>
+                            </p:childTnLst>
+                          </p:cTn>
+                        </p:par>
+                      </p:childTnLst>
+                    </p:cTn>
+                  </p:par>
+                </p:childTnLst>
+              </p:cTn>
+              <p:prevCondLst>
+                <p:cond evt="onPrev" delay="0">
+                  <p:tgtEl>
+                    <p:sldTgt/>
+                  </p:tgtEl>
+                </p:cond>
+              </p:prevCondLst>
+              <p:nextCondLst>
+                <p:cond evt="onNext" delay="0">
+                  <p:tgtEl>
+                    <p:sldTgt/>
+                  </p:tgtEl>
+                </p:cond>
+              </p:nextCondLst>
+            </p:seq>
+          </p:childTnLst>
+        </p:cTn>
+      </p:par>
+    </p:tnLst>
+    <p:bldLst>
+      <p:bldP spid="3" grpId="0" build="p"/>
+    </p:bldLst>
+  </p:timing>
 </p:sld>
 </file>
 
-<file path=ppt/slides/slide11.xml><?xml version="1.0" encoding="utf-8"?>
+<file path=ppt/slides/slide14.xml><?xml version="1.0" encoding="utf-8"?>
 <p:sld xmlns:a="http://schemas.openxmlformats.org/drawingml/2006/main" xmlns:r="http://schemas.openxmlformats.org/officeDocument/2006/relationships" xmlns:p="http://schemas.openxmlformats.org/presentationml/2006/main">
   <p:cSld>
     <p:spTree>
@@ -3707,8 +5452,8 @@
         </p:nvSpPr>
         <p:spPr>
           <a:xfrm>
-            <a:off x="838200" y="3226586"/>
-            <a:ext cx="10025543" cy="1026632"/>
+            <a:off x="838200" y="2219218"/>
+            <a:ext cx="10025543" cy="2034000"/>
           </a:xfrm>
         </p:spPr>
         <p:txBody>
@@ -3719,6 +5464,9 @@
               <a:rPr lang="en-US" dirty="0"/>
               <a:t>Very simple to write</a:t>
             </a:r>
+          </a:p>
+          <a:p>
+            <a:endParaRPr lang="en-US" dirty="0"/>
           </a:p>
           <a:p>
             <a:r>
@@ -3744,10 +5492,141 @@
   <p:clrMapOvr>
     <a:masterClrMapping/>
   </p:clrMapOvr>
+  <p:timing>
+    <p:tnLst>
+      <p:par>
+        <p:cTn id="1" dur="indefinite" restart="never" nodeType="tmRoot">
+          <p:childTnLst>
+            <p:seq concurrent="1" nextAc="seek">
+              <p:cTn id="2" dur="indefinite" nodeType="mainSeq">
+                <p:childTnLst>
+                  <p:par>
+                    <p:cTn id="3" fill="hold">
+                      <p:stCondLst>
+                        <p:cond delay="indefinite"/>
+                      </p:stCondLst>
+                      <p:childTnLst>
+                        <p:par>
+                          <p:cTn id="4" fill="hold">
+                            <p:stCondLst>
+                              <p:cond delay="0"/>
+                            </p:stCondLst>
+                            <p:childTnLst>
+                              <p:par>
+                                <p:cTn id="5" presetID="1" presetClass="entr" presetSubtype="0" fill="hold" grpId="0" nodeType="clickEffect">
+                                  <p:stCondLst>
+                                    <p:cond delay="0"/>
+                                  </p:stCondLst>
+                                  <p:childTnLst>
+                                    <p:set>
+                                      <p:cBhvr>
+                                        <p:cTn id="6" dur="1" fill="hold">
+                                          <p:stCondLst>
+                                            <p:cond delay="0"/>
+                                          </p:stCondLst>
+                                        </p:cTn>
+                                        <p:tgtEl>
+                                          <p:spTgt spid="3">
+                                            <p:txEl>
+                                              <p:pRg st="0" end="0"/>
+                                            </p:txEl>
+                                          </p:spTgt>
+                                        </p:tgtEl>
+                                        <p:attrNameLst>
+                                          <p:attrName>style.visibility</p:attrName>
+                                        </p:attrNameLst>
+                                      </p:cBhvr>
+                                      <p:to>
+                                        <p:strVal val="visible"/>
+                                      </p:to>
+                                    </p:set>
+                                  </p:childTnLst>
+                                </p:cTn>
+                              </p:par>
+                            </p:childTnLst>
+                          </p:cTn>
+                        </p:par>
+                      </p:childTnLst>
+                    </p:cTn>
+                  </p:par>
+                  <p:par>
+                    <p:cTn id="7" fill="hold">
+                      <p:stCondLst>
+                        <p:cond delay="indefinite"/>
+                      </p:stCondLst>
+                      <p:childTnLst>
+                        <p:par>
+                          <p:cTn id="8" fill="hold">
+                            <p:stCondLst>
+                              <p:cond delay="0"/>
+                            </p:stCondLst>
+                            <p:childTnLst>
+                              <p:par>
+                                <p:cTn id="9" presetID="1" presetClass="entr" presetSubtype="0" fill="hold" grpId="0" nodeType="clickEffect">
+                                  <p:stCondLst>
+                                    <p:cond delay="0"/>
+                                  </p:stCondLst>
+                                  <p:childTnLst>
+                                    <p:set>
+                                      <p:cBhvr>
+                                        <p:cTn id="10" dur="1" fill="hold">
+                                          <p:stCondLst>
+                                            <p:cond delay="0"/>
+                                          </p:stCondLst>
+                                        </p:cTn>
+                                        <p:tgtEl>
+                                          <p:spTgt spid="3">
+                                            <p:txEl>
+                                              <p:pRg st="2" end="2"/>
+                                            </p:txEl>
+                                          </p:spTgt>
+                                        </p:tgtEl>
+                                        <p:attrNameLst>
+                                          <p:attrName>style.visibility</p:attrName>
+                                        </p:attrNameLst>
+                                      </p:cBhvr>
+                                      <p:to>
+                                        <p:strVal val="visible"/>
+                                      </p:to>
+                                    </p:set>
+                                  </p:childTnLst>
+                                </p:cTn>
+                              </p:par>
+                            </p:childTnLst>
+                          </p:cTn>
+                        </p:par>
+                      </p:childTnLst>
+                    </p:cTn>
+                  </p:par>
+                </p:childTnLst>
+              </p:cTn>
+              <p:prevCondLst>
+                <p:cond evt="onPrev" delay="0">
+                  <p:tgtEl>
+                    <p:sldTgt/>
+                  </p:tgtEl>
+                </p:cond>
+              </p:prevCondLst>
+              <p:nextCondLst>
+                <p:cond evt="onNext" delay="0">
+                  <p:tgtEl>
+                    <p:sldTgt/>
+                  </p:tgtEl>
+                </p:cond>
+              </p:nextCondLst>
+            </p:seq>
+          </p:childTnLst>
+        </p:cTn>
+      </p:par>
+    </p:tnLst>
+    <p:bldLst>
+      <p:bldP spid="3" grpId="0" build="p"/>
+    </p:bldLst>
+  </p:timing>
 </p:sld>
 </file>
 
-<file path=ppt/slides/slide12.xml><?xml version="1.0" encoding="utf-8"?>
+<file path=ppt/slides/slide15.xml><?xml version="1.0" encoding="utf-8"?>
 <p:sld xmlns:a="http://schemas.openxmlformats.org/drawingml/2006/main" xmlns:r="http://schemas.openxmlformats.org/officeDocument/2006/relationships" xmlns:p="http://schemas.openxmlformats.org/presentationml/2006/main">
   <p:cSld>
     <p:spTree>
@@ -3806,6 +5685,182 @@
             </a:r>
           </a:p>
           <a:p>
+            <a:pPr lvl="1"/>
+            <a:r>
+              <a:rPr lang="en-US" i="1" dirty="0">
+                <a:solidFill>
+                  <a:srgbClr val="C00000"/>
+                </a:solidFill>
+                <a:latin typeface="Consolas" panose="020B0609020204030204" pitchFamily="49" charset="0"/>
+                <a:cs typeface="Consolas" panose="020B0609020204030204" pitchFamily="49" charset="0"/>
+              </a:rPr>
+              <a:t>"""</a:t>
+            </a:r>
+          </a:p>
+          <a:p>
+            <a:pPr lvl="1"/>
+            <a:r>
+              <a:rPr lang="en-US" i="1" dirty="0">
+                <a:solidFill>
+                  <a:srgbClr val="C00000"/>
+                </a:solidFill>
+                <a:latin typeface="Consolas" panose="020B0609020204030204" pitchFamily="49" charset="0"/>
+                <a:cs typeface="Consolas" panose="020B0609020204030204" pitchFamily="49" charset="0"/>
+              </a:rPr>
+              <a:t>Return nth Fibonacci number</a:t>
+            </a:r>
+          </a:p>
+          <a:p>
+            <a:pPr lvl="1"/>
+            <a:r>
+              <a:rPr lang="en-US" b="1" i="1" dirty="0">
+                <a:solidFill>
+                  <a:srgbClr val="C00000"/>
+                </a:solidFill>
+                <a:latin typeface="Consolas" panose="020B0609020204030204" pitchFamily="49" charset="0"/>
+                <a:cs typeface="Consolas" panose="020B0609020204030204" pitchFamily="49" charset="0"/>
+              </a:rPr>
+              <a:t>&gt;&gt;&gt; fib(0)</a:t>
+            </a:r>
+          </a:p>
+          <a:p>
+            <a:pPr lvl="1"/>
+            <a:r>
+              <a:rPr lang="en-US" b="1" i="1" dirty="0">
+                <a:solidFill>
+                  <a:srgbClr val="C00000"/>
+                </a:solidFill>
+                <a:latin typeface="Consolas" panose="020B0609020204030204" pitchFamily="49" charset="0"/>
+                <a:cs typeface="Consolas" panose="020B0609020204030204" pitchFamily="49" charset="0"/>
+              </a:rPr>
+              <a:t>0</a:t>
+            </a:r>
+            <a:br>
+              <a:rPr lang="en-US" b="1" i="1" dirty="0">
+                <a:solidFill>
+                  <a:srgbClr val="C00000"/>
+                </a:solidFill>
+                <a:latin typeface="Consolas" panose="020B0609020204030204" pitchFamily="49" charset="0"/>
+                <a:cs typeface="Consolas" panose="020B0609020204030204" pitchFamily="49" charset="0"/>
+              </a:rPr>
+            </a:br>
+            <a:r>
+              <a:rPr lang="en-US" b="1" i="1" dirty="0">
+                <a:solidFill>
+                  <a:srgbClr val="C00000"/>
+                </a:solidFill>
+                <a:latin typeface="Consolas" panose="020B0609020204030204" pitchFamily="49" charset="0"/>
+                <a:cs typeface="Consolas" panose="020B0609020204030204" pitchFamily="49" charset="0"/>
+              </a:rPr>
+              <a:t>&gt;&gt;&gt; fib(1)</a:t>
+            </a:r>
+          </a:p>
+          <a:p>
+            <a:pPr lvl="1"/>
+            <a:r>
+              <a:rPr lang="en-US" b="1" i="1" dirty="0">
+                <a:solidFill>
+                  <a:srgbClr val="C00000"/>
+                </a:solidFill>
+                <a:latin typeface="Consolas" panose="020B0609020204030204" pitchFamily="49" charset="0"/>
+                <a:cs typeface="Consolas" panose="020B0609020204030204" pitchFamily="49" charset="0"/>
+              </a:rPr>
+              <a:t>1</a:t>
+            </a:r>
+          </a:p>
+          <a:p>
+            <a:pPr lvl="1"/>
+            <a:r>
+              <a:rPr lang="en-US" b="1" i="1" dirty="0">
+                <a:solidFill>
+                  <a:srgbClr val="C00000"/>
+                </a:solidFill>
+                <a:latin typeface="Consolas" panose="020B0609020204030204" pitchFamily="49" charset="0"/>
+                <a:cs typeface="Consolas" panose="020B0609020204030204" pitchFamily="49" charset="0"/>
+              </a:rPr>
+              <a:t>&gt;&gt;&gt; fib(2)</a:t>
+            </a:r>
+          </a:p>
+          <a:p>
+            <a:pPr lvl="1"/>
+            <a:r>
+              <a:rPr lang="en-US" b="1" i="1" dirty="0">
+                <a:solidFill>
+                  <a:srgbClr val="C00000"/>
+                </a:solidFill>
+                <a:latin typeface="Consolas" panose="020B0609020204030204" pitchFamily="49" charset="0"/>
+                <a:cs typeface="Consolas" panose="020B0609020204030204" pitchFamily="49" charset="0"/>
+              </a:rPr>
+              <a:t>1</a:t>
+            </a:r>
+          </a:p>
+          <a:p>
+            <a:pPr lvl="1"/>
+            <a:r>
+              <a:rPr lang="en-US" b="1" i="1" dirty="0">
+                <a:solidFill>
+                  <a:srgbClr val="C00000"/>
+                </a:solidFill>
+                <a:latin typeface="Consolas" panose="020B0609020204030204" pitchFamily="49" charset="0"/>
+                <a:cs typeface="Consolas" panose="020B0609020204030204" pitchFamily="49" charset="0"/>
+              </a:rPr>
+              <a:t>&gt;&gt;&gt; fib(3)</a:t>
+            </a:r>
+          </a:p>
+          <a:p>
+            <a:pPr lvl="1"/>
+            <a:r>
+              <a:rPr lang="en-US" b="1" i="1" dirty="0">
+                <a:solidFill>
+                  <a:srgbClr val="C00000"/>
+                </a:solidFill>
+                <a:latin typeface="Consolas" panose="020B0609020204030204" pitchFamily="49" charset="0"/>
+                <a:cs typeface="Consolas" panose="020B0609020204030204" pitchFamily="49" charset="0"/>
+              </a:rPr>
+              <a:t>2</a:t>
+            </a:r>
+          </a:p>
+          <a:p>
+            <a:pPr lvl="1"/>
+            <a:r>
+              <a:rPr lang="en-US" b="1" i="1" dirty="0">
+                <a:solidFill>
+                  <a:srgbClr val="C00000"/>
+                </a:solidFill>
+                <a:latin typeface="Consolas" panose="020B0609020204030204" pitchFamily="49" charset="0"/>
+                <a:cs typeface="Consolas" panose="020B0609020204030204" pitchFamily="49" charset="0"/>
+              </a:rPr>
+              <a:t>&gt;&gt;&gt; fib(10)</a:t>
+            </a:r>
+          </a:p>
+          <a:p>
+            <a:pPr lvl="1"/>
+            <a:r>
+              <a:rPr lang="en-US" b="1" i="1" dirty="0">
+                <a:solidFill>
+                  <a:srgbClr val="C00000"/>
+                </a:solidFill>
+                <a:latin typeface="Consolas" panose="020B0609020204030204" pitchFamily="49" charset="0"/>
+                <a:cs typeface="Consolas" panose="020B0609020204030204" pitchFamily="49" charset="0"/>
+              </a:rPr>
+              <a:t>55</a:t>
+            </a:r>
+          </a:p>
+          <a:p>
+            <a:pPr lvl="1"/>
+            <a:r>
+              <a:rPr lang="en-US" i="1" dirty="0">
+                <a:solidFill>
+                  <a:srgbClr val="C00000"/>
+                </a:solidFill>
+                <a:latin typeface="Consolas" panose="020B0609020204030204" pitchFamily="49" charset="0"/>
+                <a:cs typeface="Consolas" panose="020B0609020204030204" pitchFamily="49" charset="0"/>
+              </a:rPr>
+              <a:t>"""</a:t>
+            </a:r>
+          </a:p>
+          <a:p>
+            <a:pPr lvl="1"/>
             <a:r>
               <a:rPr lang="en-US" dirty="0">
                 <a:solidFill>
@@ -3816,10 +5871,11 @@
                 <a:latin typeface="Consolas" panose="020B0609020204030204" pitchFamily="49" charset="0"/>
                 <a:cs typeface="Consolas" panose="020B0609020204030204" pitchFamily="49" charset="0"/>
               </a:rPr>
-              <a:t>"""</a:t>
-            </a:r>
-          </a:p>
-          <a:p>
+              <a:t>if n == 0:</a:t>
+            </a:r>
+          </a:p>
+          <a:p>
+            <a:pPr lvl="1"/>
             <a:r>
               <a:rPr lang="en-US" dirty="0">
                 <a:solidFill>
@@ -3830,159 +5886,11 @@
                 <a:latin typeface="Consolas" panose="020B0609020204030204" pitchFamily="49" charset="0"/>
                 <a:cs typeface="Consolas" panose="020B0609020204030204" pitchFamily="49" charset="0"/>
               </a:rPr>
-              <a:t>Return nth Fibonacci number</a:t>
-            </a:r>
-          </a:p>
-          <a:p>
-            <a:r>
-              <a:rPr lang="en-US" b="1" dirty="0">
-                <a:solidFill>
-                  <a:schemeClr val="tx2">
-                    <a:lumMod val="75000"/>
-                  </a:schemeClr>
-                </a:solidFill>
-                <a:latin typeface="Consolas" panose="020B0609020204030204" pitchFamily="49" charset="0"/>
-                <a:cs typeface="Consolas" panose="020B0609020204030204" pitchFamily="49" charset="0"/>
-              </a:rPr>
-              <a:t>&gt;&gt;&gt; fib(0)</a:t>
-            </a:r>
-          </a:p>
-          <a:p>
-            <a:r>
-              <a:rPr lang="en-US" b="1" dirty="0">
-                <a:solidFill>
-                  <a:schemeClr val="tx2">
-                    <a:lumMod val="75000"/>
-                  </a:schemeClr>
-                </a:solidFill>
-                <a:latin typeface="Consolas" panose="020B0609020204030204" pitchFamily="49" charset="0"/>
-                <a:cs typeface="Consolas" panose="020B0609020204030204" pitchFamily="49" charset="0"/>
-              </a:rPr>
-              <a:t>0</a:t>
-            </a:r>
-            <a:br>
-              <a:rPr lang="en-US" b="1" dirty="0">
-                <a:solidFill>
-                  <a:schemeClr val="tx2">
-                    <a:lumMod val="75000"/>
-                  </a:schemeClr>
-                </a:solidFill>
-                <a:latin typeface="Consolas" panose="020B0609020204030204" pitchFamily="49" charset="0"/>
-                <a:cs typeface="Consolas" panose="020B0609020204030204" pitchFamily="49" charset="0"/>
-              </a:rPr>
-            </a:br>
-            <a:r>
-              <a:rPr lang="en-US" b="1" dirty="0">
-                <a:solidFill>
-                  <a:schemeClr val="tx2">
-                    <a:lumMod val="75000"/>
-                  </a:schemeClr>
-                </a:solidFill>
-                <a:latin typeface="Consolas" panose="020B0609020204030204" pitchFamily="49" charset="0"/>
-                <a:cs typeface="Consolas" panose="020B0609020204030204" pitchFamily="49" charset="0"/>
-              </a:rPr>
-              <a:t>&gt;&gt;&gt; fib(1)</a:t>
-            </a:r>
-          </a:p>
-          <a:p>
-            <a:r>
-              <a:rPr lang="en-US" b="1" dirty="0">
-                <a:solidFill>
-                  <a:schemeClr val="tx2">
-                    <a:lumMod val="75000"/>
-                  </a:schemeClr>
-                </a:solidFill>
-                <a:latin typeface="Consolas" panose="020B0609020204030204" pitchFamily="49" charset="0"/>
-                <a:cs typeface="Consolas" panose="020B0609020204030204" pitchFamily="49" charset="0"/>
-              </a:rPr>
-              <a:t>1</a:t>
-            </a:r>
-          </a:p>
-          <a:p>
-            <a:r>
-              <a:rPr lang="en-US" b="1" dirty="0">
-                <a:solidFill>
-                  <a:schemeClr val="tx2">
-                    <a:lumMod val="75000"/>
-                  </a:schemeClr>
-                </a:solidFill>
-                <a:latin typeface="Consolas" panose="020B0609020204030204" pitchFamily="49" charset="0"/>
-                <a:cs typeface="Consolas" panose="020B0609020204030204" pitchFamily="49" charset="0"/>
-              </a:rPr>
-              <a:t>&gt;&gt;&gt; fib(2)</a:t>
-            </a:r>
-          </a:p>
-          <a:p>
-            <a:r>
-              <a:rPr lang="en-US" b="1" dirty="0">
-                <a:solidFill>
-                  <a:schemeClr val="tx2">
-                    <a:lumMod val="75000"/>
-                  </a:schemeClr>
-                </a:solidFill>
-                <a:latin typeface="Consolas" panose="020B0609020204030204" pitchFamily="49" charset="0"/>
-                <a:cs typeface="Consolas" panose="020B0609020204030204" pitchFamily="49" charset="0"/>
-              </a:rPr>
-              <a:t>1</a:t>
-            </a:r>
-          </a:p>
-          <a:p>
-            <a:r>
-              <a:rPr lang="en-US" b="1" dirty="0">
-                <a:solidFill>
-                  <a:schemeClr val="tx2">
-                    <a:lumMod val="75000"/>
-                  </a:schemeClr>
-                </a:solidFill>
-                <a:latin typeface="Consolas" panose="020B0609020204030204" pitchFamily="49" charset="0"/>
-                <a:cs typeface="Consolas" panose="020B0609020204030204" pitchFamily="49" charset="0"/>
-              </a:rPr>
-              <a:t>&gt;&gt;&gt; fib(3)</a:t>
-            </a:r>
-          </a:p>
-          <a:p>
-            <a:r>
-              <a:rPr lang="en-US" b="1" dirty="0">
-                <a:solidFill>
-                  <a:schemeClr val="tx2">
-                    <a:lumMod val="75000"/>
-                  </a:schemeClr>
-                </a:solidFill>
-                <a:latin typeface="Consolas" panose="020B0609020204030204" pitchFamily="49" charset="0"/>
-                <a:cs typeface="Consolas" panose="020B0609020204030204" pitchFamily="49" charset="0"/>
-              </a:rPr>
-              <a:t>2</a:t>
-            </a:r>
-          </a:p>
-          <a:p>
-            <a:r>
-              <a:rPr lang="en-US" b="1" dirty="0">
-                <a:solidFill>
-                  <a:schemeClr val="tx2">
-                    <a:lumMod val="75000"/>
-                  </a:schemeClr>
-                </a:solidFill>
-                <a:latin typeface="Consolas" panose="020B0609020204030204" pitchFamily="49" charset="0"/>
-                <a:cs typeface="Consolas" panose="020B0609020204030204" pitchFamily="49" charset="0"/>
-              </a:rPr>
-              <a:t>&gt;&gt;&gt; fib(10)</a:t>
-            </a:r>
-          </a:p>
-          <a:p>
-            <a:r>
-              <a:rPr lang="en-US" b="1" dirty="0">
-                <a:solidFill>
-                  <a:schemeClr val="tx2">
-                    <a:lumMod val="75000"/>
-                  </a:schemeClr>
-                </a:solidFill>
-                <a:latin typeface="Consolas" panose="020B0609020204030204" pitchFamily="49" charset="0"/>
-                <a:cs typeface="Consolas" panose="020B0609020204030204" pitchFamily="49" charset="0"/>
-              </a:rPr>
-              <a:t>55</a:t>
-            </a:r>
-          </a:p>
-          <a:p>
+              <a:t>  return 0</a:t>
+            </a:r>
+          </a:p>
+          <a:p>
+            <a:pPr lvl="1"/>
             <a:r>
               <a:rPr lang="en-US" dirty="0">
                 <a:solidFill>
@@ -3993,10 +5901,11 @@
                 <a:latin typeface="Consolas" panose="020B0609020204030204" pitchFamily="49" charset="0"/>
                 <a:cs typeface="Consolas" panose="020B0609020204030204" pitchFamily="49" charset="0"/>
               </a:rPr>
-              <a:t>"""</a:t>
-            </a:r>
-          </a:p>
-          <a:p>
+              <a:t>elif n == 1:</a:t>
+            </a:r>
+          </a:p>
+          <a:p>
+            <a:pPr lvl="1"/>
             <a:r>
               <a:rPr lang="en-US" dirty="0">
                 <a:solidFill>
@@ -4007,10 +5916,11 @@
                 <a:latin typeface="Consolas" panose="020B0609020204030204" pitchFamily="49" charset="0"/>
                 <a:cs typeface="Consolas" panose="020B0609020204030204" pitchFamily="49" charset="0"/>
               </a:rPr>
-              <a:t>if n == 0:</a:t>
-            </a:r>
-          </a:p>
-          <a:p>
+              <a:t>  return 1</a:t>
+            </a:r>
+          </a:p>
+          <a:p>
+            <a:pPr lvl="1"/>
             <a:r>
               <a:rPr lang="en-US" dirty="0">
                 <a:solidFill>
@@ -4021,10 +5931,11 @@
                 <a:latin typeface="Consolas" panose="020B0609020204030204" pitchFamily="49" charset="0"/>
                 <a:cs typeface="Consolas" panose="020B0609020204030204" pitchFamily="49" charset="0"/>
               </a:rPr>
-              <a:t>return 0</a:t>
-            </a:r>
-          </a:p>
-          <a:p>
+              <a:t>else:</a:t>
+            </a:r>
+          </a:p>
+          <a:p>
+            <a:pPr lvl="1"/>
             <a:r>
               <a:rPr lang="en-US" dirty="0">
                 <a:solidFill>
@@ -4035,49 +5946,7 @@
                 <a:latin typeface="Consolas" panose="020B0609020204030204" pitchFamily="49" charset="0"/>
                 <a:cs typeface="Consolas" panose="020B0609020204030204" pitchFamily="49" charset="0"/>
               </a:rPr>
-              <a:t>elif n == 1:</a:t>
-            </a:r>
-          </a:p>
-          <a:p>
-            <a:r>
-              <a:rPr lang="en-US" dirty="0">
-                <a:solidFill>
-                  <a:schemeClr val="tx2">
-                    <a:lumMod val="75000"/>
-                  </a:schemeClr>
-                </a:solidFill>
-                <a:latin typeface="Consolas" panose="020B0609020204030204" pitchFamily="49" charset="0"/>
-                <a:cs typeface="Consolas" panose="020B0609020204030204" pitchFamily="49" charset="0"/>
-              </a:rPr>
-              <a:t>return 1</a:t>
-            </a:r>
-          </a:p>
-          <a:p>
-            <a:r>
-              <a:rPr lang="en-US" dirty="0">
-                <a:solidFill>
-                  <a:schemeClr val="tx2">
-                    <a:lumMod val="75000"/>
-                  </a:schemeClr>
-                </a:solidFill>
-                <a:latin typeface="Consolas" panose="020B0609020204030204" pitchFamily="49" charset="0"/>
-                <a:cs typeface="Consolas" panose="020B0609020204030204" pitchFamily="49" charset="0"/>
-              </a:rPr>
-              <a:t>else:</a:t>
-            </a:r>
-          </a:p>
-          <a:p>
-            <a:r>
-              <a:rPr lang="en-US" dirty="0">
-                <a:solidFill>
-                  <a:schemeClr val="tx2">
-                    <a:lumMod val="75000"/>
-                  </a:schemeClr>
-                </a:solidFill>
-                <a:latin typeface="Consolas" panose="020B0609020204030204" pitchFamily="49" charset="0"/>
-                <a:cs typeface="Consolas" panose="020B0609020204030204" pitchFamily="49" charset="0"/>
-              </a:rPr>
-              <a:t>return fib(n - 1) + fib(n - 2)</a:t>
+              <a:t>  return fib(n - 1) + fib(n - 2)</a:t>
             </a:r>
           </a:p>
           <a:p>
@@ -4145,10 +6014,88 @@
   <p:clrMapOvr>
     <a:masterClrMapping/>
   </p:clrMapOvr>
+  <p:timing>
+    <p:tnLst>
+      <p:par>
+        <p:cTn id="1" dur="indefinite" restart="never" nodeType="tmRoot">
+          <p:childTnLst>
+            <p:seq concurrent="1" nextAc="seek">
+              <p:cTn id="2" dur="indefinite" nodeType="mainSeq">
+                <p:childTnLst>
+                  <p:par>
+                    <p:cTn id="3" fill="hold">
+                      <p:stCondLst>
+                        <p:cond delay="indefinite"/>
+                      </p:stCondLst>
+                      <p:childTnLst>
+                        <p:par>
+                          <p:cTn id="4" fill="hold">
+                            <p:stCondLst>
+                              <p:cond delay="0"/>
+                            </p:stCondLst>
+                            <p:childTnLst>
+                              <p:par>
+                                <p:cTn id="5" presetID="1" presetClass="entr" presetSubtype="0" fill="hold" grpId="0" nodeType="clickEffect">
+                                  <p:stCondLst>
+                                    <p:cond delay="0"/>
+                                  </p:stCondLst>
+                                  <p:childTnLst>
+                                    <p:set>
+                                      <p:cBhvr>
+                                        <p:cTn id="6" dur="1" fill="hold">
+                                          <p:stCondLst>
+                                            <p:cond delay="0"/>
+                                          </p:stCondLst>
+                                        </p:cTn>
+                                        <p:tgtEl>
+                                          <p:spTgt spid="4"/>
+                                        </p:tgtEl>
+                                        <p:attrNameLst>
+                                          <p:attrName>style.visibility</p:attrName>
+                                        </p:attrNameLst>
+                                      </p:cBhvr>
+                                      <p:to>
+                                        <p:strVal val="visible"/>
+                                      </p:to>
+                                    </p:set>
+                                  </p:childTnLst>
+                                </p:cTn>
+                              </p:par>
+                            </p:childTnLst>
+                          </p:cTn>
+                        </p:par>
+                      </p:childTnLst>
+                    </p:cTn>
+                  </p:par>
+                </p:childTnLst>
+              </p:cTn>
+              <p:prevCondLst>
+                <p:cond evt="onPrev" delay="0">
+                  <p:tgtEl>
+                    <p:sldTgt/>
+                  </p:tgtEl>
+                </p:cond>
+              </p:prevCondLst>
+              <p:nextCondLst>
+                <p:cond evt="onNext" delay="0">
+                  <p:tgtEl>
+                    <p:sldTgt/>
+                  </p:tgtEl>
+                </p:cond>
+              </p:nextCondLst>
+            </p:seq>
+          </p:childTnLst>
+        </p:cTn>
+      </p:par>
+    </p:tnLst>
+    <p:bldLst>
+      <p:bldP spid="4" grpId="0"/>
+    </p:bldLst>
+  </p:timing>
 </p:sld>
 </file>
 
-<file path=ppt/slides/slide13.xml><?xml version="1.0" encoding="utf-8"?>
+<file path=ppt/slides/slide16.xml><?xml version="1.0" encoding="utf-8"?>
 <p:sld xmlns:a="http://schemas.openxmlformats.org/drawingml/2006/main" xmlns:r="http://schemas.openxmlformats.org/officeDocument/2006/relationships" xmlns:p="http://schemas.openxmlformats.org/presentationml/2006/main">
   <p:cSld>
     <p:spTree>
@@ -4289,6 +6236,103 @@
           <p:cNvPr id="2" name="Title 1">
             <a:extLst>
               <a:ext uri="{FF2B5EF4-FFF2-40B4-BE49-F238E27FC236}">
+                <a16:creationId xmlns:a16="http://schemas.microsoft.com/office/drawing/2014/main" id="{4385F1C6-253B-C146-9B75-C22D8BC5023E}"/>
+              </a:ext>
+            </a:extLst>
+          </p:cNvPr>
+          <p:cNvSpPr>
+            <a:spLocks noGrp="1"/>
+          </p:cNvSpPr>
+          <p:nvPr>
+            <p:ph type="ctrTitle"/>
+          </p:nvPr>
+        </p:nvSpPr>
+        <p:spPr/>
+        <p:txBody>
+          <a:bodyPr/>
+          <a:lstStyle/>
+          <a:p>
+            <a:r>
+              <a:rPr lang="en-US" dirty="0"/>
+              <a:t>Introduction to programming  (Python)</a:t>
+            </a:r>
+          </a:p>
+        </p:txBody>
+      </p:sp>
+      <p:sp>
+        <p:nvSpPr>
+          <p:cNvPr id="3" name="Subtitle 2">
+            <a:extLst>
+              <a:ext uri="{FF2B5EF4-FFF2-40B4-BE49-F238E27FC236}">
+                <a16:creationId xmlns:a16="http://schemas.microsoft.com/office/drawing/2014/main" id="{C690AB81-2EE9-F94F-9D2A-1A4211A0AB07}"/>
+              </a:ext>
+            </a:extLst>
+          </p:cNvPr>
+          <p:cNvSpPr>
+            <a:spLocks noGrp="1"/>
+          </p:cNvSpPr>
+          <p:nvPr>
+            <p:ph type="subTitle" idx="1"/>
+          </p:nvPr>
+        </p:nvSpPr>
+        <p:spPr/>
+        <p:txBody>
+          <a:bodyPr/>
+          <a:lstStyle/>
+          <a:p>
+            <a:r>
+              <a:rPr lang="en-US" dirty="0"/>
+              <a:t>Session #9</a:t>
+            </a:r>
+          </a:p>
+          <a:p>
+            <a:r>
+              <a:rPr lang="en-US" dirty="0"/>
+              <a:t>Type conversions, File handling</a:t>
+            </a:r>
+            <a:r>
+              <a:rPr lang="en-US"/>
+              <a:t>, doctest</a:t>
+            </a:r>
+            <a:endParaRPr lang="en-US" dirty="0"/>
+          </a:p>
+        </p:txBody>
+      </p:sp>
+    </p:spTree>
+    <p:extLst>
+      <p:ext uri="{BB962C8B-B14F-4D97-AF65-F5344CB8AC3E}">
+        <p14:creationId xmlns:p14="http://schemas.microsoft.com/office/powerpoint/2010/main" val="3766557724"/>
+      </p:ext>
+    </p:extLst>
+  </p:cSld>
+  <p:clrMapOvr>
+    <a:masterClrMapping/>
+  </p:clrMapOvr>
+</p:sld>
+</file>
+
+<file path=ppt/slides/slide3.xml><?xml version="1.0" encoding="utf-8"?>
+<p:sld xmlns:a="http://schemas.openxmlformats.org/drawingml/2006/main" xmlns:r="http://schemas.openxmlformats.org/officeDocument/2006/relationships" xmlns:p="http://schemas.openxmlformats.org/presentationml/2006/main">
+  <p:cSld>
+    <p:spTree>
+      <p:nvGrpSpPr>
+        <p:cNvPr id="1" name=""/>
+        <p:cNvGrpSpPr/>
+        <p:nvPr/>
+      </p:nvGrpSpPr>
+      <p:grpSpPr>
+        <a:xfrm>
+          <a:off x="0" y="0"/>
+          <a:ext cx="0" cy="0"/>
+          <a:chOff x="0" y="0"/>
+          <a:chExt cx="0" cy="0"/>
+        </a:xfrm>
+      </p:grpSpPr>
+      <p:sp>
+        <p:nvSpPr>
+          <p:cNvPr id="2" name="Title 1">
+            <a:extLst>
+              <a:ext uri="{FF2B5EF4-FFF2-40B4-BE49-F238E27FC236}">
                 <a16:creationId xmlns:a16="http://schemas.microsoft.com/office/drawing/2014/main" id="{AAD732D2-0915-AB46-A17A-BFFA4C218152}"/>
               </a:ext>
             </a:extLst>
@@ -4461,7 +6505,7 @@
                 <a:latin typeface="Consolas" panose="020B0609020204030204" pitchFamily="49" charset="0"/>
                 <a:cs typeface="Consolas" panose="020B0609020204030204" pitchFamily="49" charset="0"/>
               </a:rPr>
-              <a:t>&gt;&gt;&gt; float('three point zero")</a:t>
+              <a:t>&gt;&gt;&gt; float("three point zero")</a:t>
             </a:r>
           </a:p>
           <a:p>
@@ -4553,10 +6597,1828 @@
   <p:clrMapOvr>
     <a:masterClrMapping/>
   </p:clrMapOvr>
+  <p:timing>
+    <p:tnLst>
+      <p:par>
+        <p:cTn id="1" dur="indefinite" restart="never" nodeType="tmRoot">
+          <p:childTnLst>
+            <p:seq concurrent="1" nextAc="seek">
+              <p:cTn id="2" dur="indefinite" nodeType="mainSeq">
+                <p:childTnLst>
+                  <p:par>
+                    <p:cTn id="3" fill="hold">
+                      <p:stCondLst>
+                        <p:cond delay="indefinite"/>
+                      </p:stCondLst>
+                      <p:childTnLst>
+                        <p:par>
+                          <p:cTn id="4" fill="hold">
+                            <p:stCondLst>
+                              <p:cond delay="0"/>
+                            </p:stCondLst>
+                            <p:childTnLst>
+                              <p:par>
+                                <p:cTn id="5" presetID="1" presetClass="entr" presetSubtype="0" fill="hold" grpId="0" nodeType="clickEffect">
+                                  <p:stCondLst>
+                                    <p:cond delay="0"/>
+                                  </p:stCondLst>
+                                  <p:childTnLst>
+                                    <p:set>
+                                      <p:cBhvr>
+                                        <p:cTn id="6" dur="1" fill="hold">
+                                          <p:stCondLst>
+                                            <p:cond delay="0"/>
+                                          </p:stCondLst>
+                                        </p:cTn>
+                                        <p:tgtEl>
+                                          <p:spTgt spid="3">
+                                            <p:txEl>
+                                              <p:pRg st="0" end="0"/>
+                                            </p:txEl>
+                                          </p:spTgt>
+                                        </p:tgtEl>
+                                        <p:attrNameLst>
+                                          <p:attrName>style.visibility</p:attrName>
+                                        </p:attrNameLst>
+                                      </p:cBhvr>
+                                      <p:to>
+                                        <p:strVal val="visible"/>
+                                      </p:to>
+                                    </p:set>
+                                  </p:childTnLst>
+                                </p:cTn>
+                              </p:par>
+                            </p:childTnLst>
+                          </p:cTn>
+                        </p:par>
+                      </p:childTnLst>
+                    </p:cTn>
+                  </p:par>
+                  <p:par>
+                    <p:cTn id="7" fill="hold">
+                      <p:stCondLst>
+                        <p:cond delay="indefinite"/>
+                      </p:stCondLst>
+                      <p:childTnLst>
+                        <p:par>
+                          <p:cTn id="8" fill="hold">
+                            <p:stCondLst>
+                              <p:cond delay="0"/>
+                            </p:stCondLst>
+                            <p:childTnLst>
+                              <p:par>
+                                <p:cTn id="9" presetID="1" presetClass="entr" presetSubtype="0" fill="hold" grpId="0" nodeType="clickEffect">
+                                  <p:stCondLst>
+                                    <p:cond delay="0"/>
+                                  </p:stCondLst>
+                                  <p:childTnLst>
+                                    <p:set>
+                                      <p:cBhvr>
+                                        <p:cTn id="10" dur="1" fill="hold">
+                                          <p:stCondLst>
+                                            <p:cond delay="0"/>
+                                          </p:stCondLst>
+                                        </p:cTn>
+                                        <p:tgtEl>
+                                          <p:spTgt spid="3">
+                                            <p:txEl>
+                                              <p:pRg st="2" end="2"/>
+                                            </p:txEl>
+                                          </p:spTgt>
+                                        </p:tgtEl>
+                                        <p:attrNameLst>
+                                          <p:attrName>style.visibility</p:attrName>
+                                        </p:attrNameLst>
+                                      </p:cBhvr>
+                                      <p:to>
+                                        <p:strVal val="visible"/>
+                                      </p:to>
+                                    </p:set>
+                                  </p:childTnLst>
+                                </p:cTn>
+                              </p:par>
+                            </p:childTnLst>
+                          </p:cTn>
+                        </p:par>
+                      </p:childTnLst>
+                    </p:cTn>
+                  </p:par>
+                  <p:par>
+                    <p:cTn id="11" fill="hold">
+                      <p:stCondLst>
+                        <p:cond delay="indefinite"/>
+                      </p:stCondLst>
+                      <p:childTnLst>
+                        <p:par>
+                          <p:cTn id="12" fill="hold">
+                            <p:stCondLst>
+                              <p:cond delay="0"/>
+                            </p:stCondLst>
+                            <p:childTnLst>
+                              <p:par>
+                                <p:cTn id="13" presetID="1" presetClass="entr" presetSubtype="0" fill="hold" grpId="0" nodeType="clickEffect">
+                                  <p:stCondLst>
+                                    <p:cond delay="0"/>
+                                  </p:stCondLst>
+                                  <p:childTnLst>
+                                    <p:set>
+                                      <p:cBhvr>
+                                        <p:cTn id="14" dur="1" fill="hold">
+                                          <p:stCondLst>
+                                            <p:cond delay="0"/>
+                                          </p:stCondLst>
+                                        </p:cTn>
+                                        <p:tgtEl>
+                                          <p:spTgt spid="3">
+                                            <p:txEl>
+                                              <p:pRg st="3" end="3"/>
+                                            </p:txEl>
+                                          </p:spTgt>
+                                        </p:tgtEl>
+                                        <p:attrNameLst>
+                                          <p:attrName>style.visibility</p:attrName>
+                                        </p:attrNameLst>
+                                      </p:cBhvr>
+                                      <p:to>
+                                        <p:strVal val="visible"/>
+                                      </p:to>
+                                    </p:set>
+                                  </p:childTnLst>
+                                </p:cTn>
+                              </p:par>
+                            </p:childTnLst>
+                          </p:cTn>
+                        </p:par>
+                      </p:childTnLst>
+                    </p:cTn>
+                  </p:par>
+                  <p:par>
+                    <p:cTn id="15" fill="hold">
+                      <p:stCondLst>
+                        <p:cond delay="indefinite"/>
+                      </p:stCondLst>
+                      <p:childTnLst>
+                        <p:par>
+                          <p:cTn id="16" fill="hold">
+                            <p:stCondLst>
+                              <p:cond delay="0"/>
+                            </p:stCondLst>
+                            <p:childTnLst>
+                              <p:par>
+                                <p:cTn id="17" presetID="1" presetClass="entr" presetSubtype="0" fill="hold" grpId="0" nodeType="clickEffect">
+                                  <p:stCondLst>
+                                    <p:cond delay="0"/>
+                                  </p:stCondLst>
+                                  <p:childTnLst>
+                                    <p:set>
+                                      <p:cBhvr>
+                                        <p:cTn id="18" dur="1" fill="hold">
+                                          <p:stCondLst>
+                                            <p:cond delay="0"/>
+                                          </p:stCondLst>
+                                        </p:cTn>
+                                        <p:tgtEl>
+                                          <p:spTgt spid="3">
+                                            <p:txEl>
+                                              <p:pRg st="4" end="4"/>
+                                            </p:txEl>
+                                          </p:spTgt>
+                                        </p:tgtEl>
+                                        <p:attrNameLst>
+                                          <p:attrName>style.visibility</p:attrName>
+                                        </p:attrNameLst>
+                                      </p:cBhvr>
+                                      <p:to>
+                                        <p:strVal val="visible"/>
+                                      </p:to>
+                                    </p:set>
+                                  </p:childTnLst>
+                                </p:cTn>
+                              </p:par>
+                            </p:childTnLst>
+                          </p:cTn>
+                        </p:par>
+                      </p:childTnLst>
+                    </p:cTn>
+                  </p:par>
+                  <p:par>
+                    <p:cTn id="19" fill="hold">
+                      <p:stCondLst>
+                        <p:cond delay="indefinite"/>
+                      </p:stCondLst>
+                      <p:childTnLst>
+                        <p:par>
+                          <p:cTn id="20" fill="hold">
+                            <p:stCondLst>
+                              <p:cond delay="0"/>
+                            </p:stCondLst>
+                            <p:childTnLst>
+                              <p:par>
+                                <p:cTn id="21" presetID="1" presetClass="entr" presetSubtype="0" fill="hold" grpId="0" nodeType="clickEffect">
+                                  <p:stCondLst>
+                                    <p:cond delay="0"/>
+                                  </p:stCondLst>
+                                  <p:childTnLst>
+                                    <p:set>
+                                      <p:cBhvr>
+                                        <p:cTn id="22" dur="1" fill="hold">
+                                          <p:stCondLst>
+                                            <p:cond delay="0"/>
+                                          </p:stCondLst>
+                                        </p:cTn>
+                                        <p:tgtEl>
+                                          <p:spTgt spid="3">
+                                            <p:txEl>
+                                              <p:pRg st="5" end="5"/>
+                                            </p:txEl>
+                                          </p:spTgt>
+                                        </p:tgtEl>
+                                        <p:attrNameLst>
+                                          <p:attrName>style.visibility</p:attrName>
+                                        </p:attrNameLst>
+                                      </p:cBhvr>
+                                      <p:to>
+                                        <p:strVal val="visible"/>
+                                      </p:to>
+                                    </p:set>
+                                  </p:childTnLst>
+                                </p:cTn>
+                              </p:par>
+                            </p:childTnLst>
+                          </p:cTn>
+                        </p:par>
+                      </p:childTnLst>
+                    </p:cTn>
+                  </p:par>
+                  <p:par>
+                    <p:cTn id="23" fill="hold">
+                      <p:stCondLst>
+                        <p:cond delay="indefinite"/>
+                      </p:stCondLst>
+                      <p:childTnLst>
+                        <p:par>
+                          <p:cTn id="24" fill="hold">
+                            <p:stCondLst>
+                              <p:cond delay="0"/>
+                            </p:stCondLst>
+                            <p:childTnLst>
+                              <p:par>
+                                <p:cTn id="25" presetID="1" presetClass="entr" presetSubtype="0" fill="hold" grpId="0" nodeType="clickEffect">
+                                  <p:stCondLst>
+                                    <p:cond delay="0"/>
+                                  </p:stCondLst>
+                                  <p:childTnLst>
+                                    <p:set>
+                                      <p:cBhvr>
+                                        <p:cTn id="26" dur="1" fill="hold">
+                                          <p:stCondLst>
+                                            <p:cond delay="0"/>
+                                          </p:stCondLst>
+                                        </p:cTn>
+                                        <p:tgtEl>
+                                          <p:spTgt spid="3">
+                                            <p:txEl>
+                                              <p:pRg st="6" end="6"/>
+                                            </p:txEl>
+                                          </p:spTgt>
+                                        </p:tgtEl>
+                                        <p:attrNameLst>
+                                          <p:attrName>style.visibility</p:attrName>
+                                        </p:attrNameLst>
+                                      </p:cBhvr>
+                                      <p:to>
+                                        <p:strVal val="visible"/>
+                                      </p:to>
+                                    </p:set>
+                                  </p:childTnLst>
+                                </p:cTn>
+                              </p:par>
+                            </p:childTnLst>
+                          </p:cTn>
+                        </p:par>
+                      </p:childTnLst>
+                    </p:cTn>
+                  </p:par>
+                  <p:par>
+                    <p:cTn id="27" fill="hold">
+                      <p:stCondLst>
+                        <p:cond delay="indefinite"/>
+                      </p:stCondLst>
+                      <p:childTnLst>
+                        <p:par>
+                          <p:cTn id="28" fill="hold">
+                            <p:stCondLst>
+                              <p:cond delay="0"/>
+                            </p:stCondLst>
+                            <p:childTnLst>
+                              <p:par>
+                                <p:cTn id="29" presetID="1" presetClass="entr" presetSubtype="0" fill="hold" grpId="0" nodeType="clickEffect">
+                                  <p:stCondLst>
+                                    <p:cond delay="0"/>
+                                  </p:stCondLst>
+                                  <p:childTnLst>
+                                    <p:set>
+                                      <p:cBhvr>
+                                        <p:cTn id="30" dur="1" fill="hold">
+                                          <p:stCondLst>
+                                            <p:cond delay="0"/>
+                                          </p:stCondLst>
+                                        </p:cTn>
+                                        <p:tgtEl>
+                                          <p:spTgt spid="3">
+                                            <p:txEl>
+                                              <p:pRg st="7" end="7"/>
+                                            </p:txEl>
+                                          </p:spTgt>
+                                        </p:tgtEl>
+                                        <p:attrNameLst>
+                                          <p:attrName>style.visibility</p:attrName>
+                                        </p:attrNameLst>
+                                      </p:cBhvr>
+                                      <p:to>
+                                        <p:strVal val="visible"/>
+                                      </p:to>
+                                    </p:set>
+                                  </p:childTnLst>
+                                </p:cTn>
+                              </p:par>
+                            </p:childTnLst>
+                          </p:cTn>
+                        </p:par>
+                      </p:childTnLst>
+                    </p:cTn>
+                  </p:par>
+                  <p:par>
+                    <p:cTn id="31" fill="hold">
+                      <p:stCondLst>
+                        <p:cond delay="indefinite"/>
+                      </p:stCondLst>
+                      <p:childTnLst>
+                        <p:par>
+                          <p:cTn id="32" fill="hold">
+                            <p:stCondLst>
+                              <p:cond delay="0"/>
+                            </p:stCondLst>
+                            <p:childTnLst>
+                              <p:par>
+                                <p:cTn id="33" presetID="1" presetClass="entr" presetSubtype="0" fill="hold" grpId="0" nodeType="clickEffect">
+                                  <p:stCondLst>
+                                    <p:cond delay="0"/>
+                                  </p:stCondLst>
+                                  <p:childTnLst>
+                                    <p:set>
+                                      <p:cBhvr>
+                                        <p:cTn id="34" dur="1" fill="hold">
+                                          <p:stCondLst>
+                                            <p:cond delay="0"/>
+                                          </p:stCondLst>
+                                        </p:cTn>
+                                        <p:tgtEl>
+                                          <p:spTgt spid="3">
+                                            <p:txEl>
+                                              <p:pRg st="8" end="8"/>
+                                            </p:txEl>
+                                          </p:spTgt>
+                                        </p:tgtEl>
+                                        <p:attrNameLst>
+                                          <p:attrName>style.visibility</p:attrName>
+                                        </p:attrNameLst>
+                                      </p:cBhvr>
+                                      <p:to>
+                                        <p:strVal val="visible"/>
+                                      </p:to>
+                                    </p:set>
+                                  </p:childTnLst>
+                                </p:cTn>
+                              </p:par>
+                            </p:childTnLst>
+                          </p:cTn>
+                        </p:par>
+                      </p:childTnLst>
+                    </p:cTn>
+                  </p:par>
+                  <p:par>
+                    <p:cTn id="35" fill="hold">
+                      <p:stCondLst>
+                        <p:cond delay="indefinite"/>
+                      </p:stCondLst>
+                      <p:childTnLst>
+                        <p:par>
+                          <p:cTn id="36" fill="hold">
+                            <p:stCondLst>
+                              <p:cond delay="0"/>
+                            </p:stCondLst>
+                            <p:childTnLst>
+                              <p:par>
+                                <p:cTn id="37" presetID="1" presetClass="entr" presetSubtype="0" fill="hold" grpId="0" nodeType="clickEffect">
+                                  <p:stCondLst>
+                                    <p:cond delay="0"/>
+                                  </p:stCondLst>
+                                  <p:childTnLst>
+                                    <p:set>
+                                      <p:cBhvr>
+                                        <p:cTn id="38" dur="1" fill="hold">
+                                          <p:stCondLst>
+                                            <p:cond delay="0"/>
+                                          </p:stCondLst>
+                                        </p:cTn>
+                                        <p:tgtEl>
+                                          <p:spTgt spid="3">
+                                            <p:txEl>
+                                              <p:pRg st="9" end="9"/>
+                                            </p:txEl>
+                                          </p:spTgt>
+                                        </p:tgtEl>
+                                        <p:attrNameLst>
+                                          <p:attrName>style.visibility</p:attrName>
+                                        </p:attrNameLst>
+                                      </p:cBhvr>
+                                      <p:to>
+                                        <p:strVal val="visible"/>
+                                      </p:to>
+                                    </p:set>
+                                  </p:childTnLst>
+                                </p:cTn>
+                              </p:par>
+                            </p:childTnLst>
+                          </p:cTn>
+                        </p:par>
+                      </p:childTnLst>
+                    </p:cTn>
+                  </p:par>
+                  <p:par>
+                    <p:cTn id="39" fill="hold">
+                      <p:stCondLst>
+                        <p:cond delay="indefinite"/>
+                      </p:stCondLst>
+                      <p:childTnLst>
+                        <p:par>
+                          <p:cTn id="40" fill="hold">
+                            <p:stCondLst>
+                              <p:cond delay="0"/>
+                            </p:stCondLst>
+                            <p:childTnLst>
+                              <p:par>
+                                <p:cTn id="41" presetID="1" presetClass="entr" presetSubtype="0" fill="hold" grpId="0" nodeType="clickEffect">
+                                  <p:stCondLst>
+                                    <p:cond delay="0"/>
+                                  </p:stCondLst>
+                                  <p:childTnLst>
+                                    <p:set>
+                                      <p:cBhvr>
+                                        <p:cTn id="42" dur="1" fill="hold">
+                                          <p:stCondLst>
+                                            <p:cond delay="0"/>
+                                          </p:stCondLst>
+                                        </p:cTn>
+                                        <p:tgtEl>
+                                          <p:spTgt spid="3">
+                                            <p:txEl>
+                                              <p:pRg st="10" end="10"/>
+                                            </p:txEl>
+                                          </p:spTgt>
+                                        </p:tgtEl>
+                                        <p:attrNameLst>
+                                          <p:attrName>style.visibility</p:attrName>
+                                        </p:attrNameLst>
+                                      </p:cBhvr>
+                                      <p:to>
+                                        <p:strVal val="visible"/>
+                                      </p:to>
+                                    </p:set>
+                                  </p:childTnLst>
+                                </p:cTn>
+                              </p:par>
+                            </p:childTnLst>
+                          </p:cTn>
+                        </p:par>
+                      </p:childTnLst>
+                    </p:cTn>
+                  </p:par>
+                  <p:par>
+                    <p:cTn id="43" fill="hold">
+                      <p:stCondLst>
+                        <p:cond delay="indefinite"/>
+                      </p:stCondLst>
+                      <p:childTnLst>
+                        <p:par>
+                          <p:cTn id="44" fill="hold">
+                            <p:stCondLst>
+                              <p:cond delay="0"/>
+                            </p:stCondLst>
+                            <p:childTnLst>
+                              <p:par>
+                                <p:cTn id="45" presetID="1" presetClass="entr" presetSubtype="0" fill="hold" grpId="0" nodeType="clickEffect">
+                                  <p:stCondLst>
+                                    <p:cond delay="0"/>
+                                  </p:stCondLst>
+                                  <p:childTnLst>
+                                    <p:set>
+                                      <p:cBhvr>
+                                        <p:cTn id="46" dur="1" fill="hold">
+                                          <p:stCondLst>
+                                            <p:cond delay="0"/>
+                                          </p:stCondLst>
+                                        </p:cTn>
+                                        <p:tgtEl>
+                                          <p:spTgt spid="3">
+                                            <p:txEl>
+                                              <p:pRg st="11" end="11"/>
+                                            </p:txEl>
+                                          </p:spTgt>
+                                        </p:tgtEl>
+                                        <p:attrNameLst>
+                                          <p:attrName>style.visibility</p:attrName>
+                                        </p:attrNameLst>
+                                      </p:cBhvr>
+                                      <p:to>
+                                        <p:strVal val="visible"/>
+                                      </p:to>
+                                    </p:set>
+                                  </p:childTnLst>
+                                </p:cTn>
+                              </p:par>
+                            </p:childTnLst>
+                          </p:cTn>
+                        </p:par>
+                      </p:childTnLst>
+                    </p:cTn>
+                  </p:par>
+                  <p:par>
+                    <p:cTn id="47" fill="hold">
+                      <p:stCondLst>
+                        <p:cond delay="indefinite"/>
+                      </p:stCondLst>
+                      <p:childTnLst>
+                        <p:par>
+                          <p:cTn id="48" fill="hold">
+                            <p:stCondLst>
+                              <p:cond delay="0"/>
+                            </p:stCondLst>
+                            <p:childTnLst>
+                              <p:par>
+                                <p:cTn id="49" presetID="1" presetClass="entr" presetSubtype="0" fill="hold" grpId="0" nodeType="clickEffect">
+                                  <p:stCondLst>
+                                    <p:cond delay="0"/>
+                                  </p:stCondLst>
+                                  <p:childTnLst>
+                                    <p:set>
+                                      <p:cBhvr>
+                                        <p:cTn id="50" dur="1" fill="hold">
+                                          <p:stCondLst>
+                                            <p:cond delay="0"/>
+                                          </p:stCondLst>
+                                        </p:cTn>
+                                        <p:tgtEl>
+                                          <p:spTgt spid="3">
+                                            <p:txEl>
+                                              <p:pRg st="12" end="12"/>
+                                            </p:txEl>
+                                          </p:spTgt>
+                                        </p:tgtEl>
+                                        <p:attrNameLst>
+                                          <p:attrName>style.visibility</p:attrName>
+                                        </p:attrNameLst>
+                                      </p:cBhvr>
+                                      <p:to>
+                                        <p:strVal val="visible"/>
+                                      </p:to>
+                                    </p:set>
+                                  </p:childTnLst>
+                                </p:cTn>
+                              </p:par>
+                            </p:childTnLst>
+                          </p:cTn>
+                        </p:par>
+                      </p:childTnLst>
+                    </p:cTn>
+                  </p:par>
+                  <p:par>
+                    <p:cTn id="51" fill="hold">
+                      <p:stCondLst>
+                        <p:cond delay="indefinite"/>
+                      </p:stCondLst>
+                      <p:childTnLst>
+                        <p:par>
+                          <p:cTn id="52" fill="hold">
+                            <p:stCondLst>
+                              <p:cond delay="0"/>
+                            </p:stCondLst>
+                            <p:childTnLst>
+                              <p:par>
+                                <p:cTn id="53" presetID="1" presetClass="entr" presetSubtype="0" fill="hold" grpId="0" nodeType="clickEffect">
+                                  <p:stCondLst>
+                                    <p:cond delay="0"/>
+                                  </p:stCondLst>
+                                  <p:childTnLst>
+                                    <p:set>
+                                      <p:cBhvr>
+                                        <p:cTn id="54" dur="1" fill="hold">
+                                          <p:stCondLst>
+                                            <p:cond delay="0"/>
+                                          </p:stCondLst>
+                                        </p:cTn>
+                                        <p:tgtEl>
+                                          <p:spTgt spid="3">
+                                            <p:txEl>
+                                              <p:pRg st="13" end="13"/>
+                                            </p:txEl>
+                                          </p:spTgt>
+                                        </p:tgtEl>
+                                        <p:attrNameLst>
+                                          <p:attrName>style.visibility</p:attrName>
+                                        </p:attrNameLst>
+                                      </p:cBhvr>
+                                      <p:to>
+                                        <p:strVal val="visible"/>
+                                      </p:to>
+                                    </p:set>
+                                  </p:childTnLst>
+                                </p:cTn>
+                              </p:par>
+                            </p:childTnLst>
+                          </p:cTn>
+                        </p:par>
+                      </p:childTnLst>
+                    </p:cTn>
+                  </p:par>
+                  <p:par>
+                    <p:cTn id="55" fill="hold">
+                      <p:stCondLst>
+                        <p:cond delay="indefinite"/>
+                      </p:stCondLst>
+                      <p:childTnLst>
+                        <p:par>
+                          <p:cTn id="56" fill="hold">
+                            <p:stCondLst>
+                              <p:cond delay="0"/>
+                            </p:stCondLst>
+                            <p:childTnLst>
+                              <p:par>
+                                <p:cTn id="57" presetID="1" presetClass="entr" presetSubtype="0" fill="hold" grpId="0" nodeType="clickEffect">
+                                  <p:stCondLst>
+                                    <p:cond delay="0"/>
+                                  </p:stCondLst>
+                                  <p:childTnLst>
+                                    <p:set>
+                                      <p:cBhvr>
+                                        <p:cTn id="58" dur="1" fill="hold">
+                                          <p:stCondLst>
+                                            <p:cond delay="0"/>
+                                          </p:stCondLst>
+                                        </p:cTn>
+                                        <p:tgtEl>
+                                          <p:spTgt spid="3">
+                                            <p:txEl>
+                                              <p:pRg st="14" end="14"/>
+                                            </p:txEl>
+                                          </p:spTgt>
+                                        </p:tgtEl>
+                                        <p:attrNameLst>
+                                          <p:attrName>style.visibility</p:attrName>
+                                        </p:attrNameLst>
+                                      </p:cBhvr>
+                                      <p:to>
+                                        <p:strVal val="visible"/>
+                                      </p:to>
+                                    </p:set>
+                                  </p:childTnLst>
+                                </p:cTn>
+                              </p:par>
+                            </p:childTnLst>
+                          </p:cTn>
+                        </p:par>
+                      </p:childTnLst>
+                    </p:cTn>
+                  </p:par>
+                </p:childTnLst>
+              </p:cTn>
+              <p:prevCondLst>
+                <p:cond evt="onPrev" delay="0">
+                  <p:tgtEl>
+                    <p:sldTgt/>
+                  </p:tgtEl>
+                </p:cond>
+              </p:prevCondLst>
+              <p:nextCondLst>
+                <p:cond evt="onNext" delay="0">
+                  <p:tgtEl>
+                    <p:sldTgt/>
+                  </p:tgtEl>
+                </p:cond>
+              </p:nextCondLst>
+            </p:seq>
+          </p:childTnLst>
+        </p:cTn>
+      </p:par>
+    </p:tnLst>
+    <p:bldLst>
+      <p:bldP spid="3" grpId="0" build="p"/>
+    </p:bldLst>
+  </p:timing>
 </p:sld>
 </file>
 
-<file path=ppt/slides/slide3.xml><?xml version="1.0" encoding="utf-8"?>
+<file path=ppt/slides/slide4.xml><?xml version="1.0" encoding="utf-8"?>
+<p:sld xmlns:a="http://schemas.openxmlformats.org/drawingml/2006/main" xmlns:r="http://schemas.openxmlformats.org/officeDocument/2006/relationships" xmlns:p="http://schemas.openxmlformats.org/presentationml/2006/main">
+  <p:cSld>
+    <p:spTree>
+      <p:nvGrpSpPr>
+        <p:cNvPr id="1" name=""/>
+        <p:cNvGrpSpPr/>
+        <p:nvPr/>
+      </p:nvGrpSpPr>
+      <p:grpSpPr>
+        <a:xfrm>
+          <a:off x="0" y="0"/>
+          <a:ext cx="0" cy="0"/>
+          <a:chOff x="0" y="0"/>
+          <a:chExt cx="0" cy="0"/>
+        </a:xfrm>
+      </p:grpSpPr>
+      <p:sp>
+        <p:nvSpPr>
+          <p:cNvPr id="3" name="Content Placeholder 2">
+            <a:extLst>
+              <a:ext uri="{FF2B5EF4-FFF2-40B4-BE49-F238E27FC236}">
+                <a16:creationId xmlns:a16="http://schemas.microsoft.com/office/drawing/2014/main" id="{A059709A-4F7E-B24A-B8D6-97CA57928F44}"/>
+              </a:ext>
+            </a:extLst>
+          </p:cNvPr>
+          <p:cNvSpPr>
+            <a:spLocks noGrp="1"/>
+          </p:cNvSpPr>
+          <p:nvPr>
+            <p:ph idx="1"/>
+          </p:nvPr>
+        </p:nvSpPr>
+        <p:spPr>
+          <a:xfrm>
+            <a:off x="719191" y="698643"/>
+            <a:ext cx="10634609" cy="5478320"/>
+          </a:xfrm>
+        </p:spPr>
+        <p:txBody>
+          <a:bodyPr>
+            <a:normAutofit lnSpcReduction="10000"/>
+          </a:bodyPr>
+          <a:lstStyle/>
+          <a:p>
+            <a:pPr marL="0" indent="0">
+              <a:buNone/>
+            </a:pPr>
+            <a:r>
+              <a:rPr lang="en-US" dirty="0">
+                <a:latin typeface="Consolas" panose="020B0609020204030204" pitchFamily="49" charset="0"/>
+                <a:cs typeface="Consolas" panose="020B0609020204030204" pitchFamily="49" charset="0"/>
+              </a:rPr>
+              <a:t>&gt;&gt;&gt; </a:t>
+            </a:r>
+            <a:r>
+              <a:rPr lang="en-US" dirty="0" err="1">
+                <a:latin typeface="Consolas" panose="020B0609020204030204" pitchFamily="49" charset="0"/>
+                <a:cs typeface="Consolas" panose="020B0609020204030204" pitchFamily="49" charset="0"/>
+              </a:rPr>
+              <a:t>rlist</a:t>
+            </a:r>
+            <a:r>
+              <a:rPr lang="en-US" dirty="0">
+                <a:latin typeface="Consolas" panose="020B0609020204030204" pitchFamily="49" charset="0"/>
+                <a:cs typeface="Consolas" panose="020B0609020204030204" pitchFamily="49" charset="0"/>
+              </a:rPr>
+              <a:t> = ["animal", "delimiter", ("ears", 2), "delimiter", </a:t>
+            </a:r>
+            <a:r>
+              <a:rPr lang="en-US" dirty="0" err="1">
+                <a:latin typeface="Consolas" panose="020B0609020204030204" pitchFamily="49" charset="0"/>
+                <a:cs typeface="Consolas" panose="020B0609020204030204" pitchFamily="49" charset="0"/>
+              </a:rPr>
+              <a:t>frozenset</a:t>
+            </a:r>
+            <a:r>
+              <a:rPr lang="en-US" dirty="0">
+                <a:latin typeface="Consolas" panose="020B0609020204030204" pitchFamily="49" charset="0"/>
+                <a:cs typeface="Consolas" panose="020B0609020204030204" pitchFamily="49" charset="0"/>
+              </a:rPr>
+              <a:t>({"pace", "high"}) ]</a:t>
+            </a:r>
+          </a:p>
+          <a:p>
+            <a:pPr marL="0" indent="0">
+              <a:buNone/>
+            </a:pPr>
+            <a:endParaRPr lang="en-US" dirty="0">
+              <a:latin typeface="Consolas" panose="020B0609020204030204" pitchFamily="49" charset="0"/>
+              <a:cs typeface="Consolas" panose="020B0609020204030204" pitchFamily="49" charset="0"/>
+            </a:endParaRPr>
+          </a:p>
+          <a:p>
+            <a:pPr marL="0" indent="0">
+              <a:buNone/>
+            </a:pPr>
+            <a:r>
+              <a:rPr lang="en-US" dirty="0">
+                <a:latin typeface="Consolas" panose="020B0609020204030204" pitchFamily="49" charset="0"/>
+                <a:cs typeface="Consolas" panose="020B0609020204030204" pitchFamily="49" charset="0"/>
+              </a:rPr>
+              <a:t>&gt;&gt;&gt; </a:t>
+            </a:r>
+            <a:r>
+              <a:rPr lang="en-US" dirty="0" err="1">
+                <a:latin typeface="Consolas" panose="020B0609020204030204" pitchFamily="49" charset="0"/>
+                <a:cs typeface="Consolas" panose="020B0609020204030204" pitchFamily="49" charset="0"/>
+              </a:rPr>
+              <a:t>rlist</a:t>
+            </a:r>
+            <a:endParaRPr lang="en-US" dirty="0">
+              <a:latin typeface="Consolas" panose="020B0609020204030204" pitchFamily="49" charset="0"/>
+              <a:cs typeface="Consolas" panose="020B0609020204030204" pitchFamily="49" charset="0"/>
+            </a:endParaRPr>
+          </a:p>
+          <a:p>
+            <a:pPr marL="0" indent="0">
+              <a:buNone/>
+            </a:pPr>
+            <a:r>
+              <a:rPr lang="en-US" dirty="0">
+                <a:latin typeface="Consolas" panose="020B0609020204030204" pitchFamily="49" charset="0"/>
+                <a:cs typeface="Consolas" panose="020B0609020204030204" pitchFamily="49" charset="0"/>
+              </a:rPr>
+              <a:t>['animal', 'delimiter', ('ears', 2), 'delimiter', </a:t>
+            </a:r>
+            <a:r>
+              <a:rPr lang="en-US" dirty="0" err="1">
+                <a:latin typeface="Consolas" panose="020B0609020204030204" pitchFamily="49" charset="0"/>
+                <a:cs typeface="Consolas" panose="020B0609020204030204" pitchFamily="49" charset="0"/>
+              </a:rPr>
+              <a:t>frozenset</a:t>
+            </a:r>
+            <a:r>
+              <a:rPr lang="en-US" dirty="0">
+                <a:latin typeface="Consolas" panose="020B0609020204030204" pitchFamily="49" charset="0"/>
+                <a:cs typeface="Consolas" panose="020B0609020204030204" pitchFamily="49" charset="0"/>
+              </a:rPr>
+              <a:t>({'high', 'pace'})]</a:t>
+            </a:r>
+          </a:p>
+          <a:p>
+            <a:pPr marL="0" indent="0">
+              <a:buNone/>
+            </a:pPr>
+            <a:endParaRPr lang="en-US" dirty="0">
+              <a:latin typeface="Consolas" panose="020B0609020204030204" pitchFamily="49" charset="0"/>
+              <a:cs typeface="Consolas" panose="020B0609020204030204" pitchFamily="49" charset="0"/>
+            </a:endParaRPr>
+          </a:p>
+          <a:p>
+            <a:pPr marL="0" indent="0">
+              <a:buNone/>
+            </a:pPr>
+            <a:r>
+              <a:rPr lang="en-US" dirty="0">
+                <a:latin typeface="Consolas" panose="020B0609020204030204" pitchFamily="49" charset="0"/>
+                <a:cs typeface="Consolas" panose="020B0609020204030204" pitchFamily="49" charset="0"/>
+              </a:rPr>
+              <a:t>&gt;&gt;&gt; </a:t>
+            </a:r>
+            <a:r>
+              <a:rPr lang="en-US" dirty="0" err="1">
+                <a:latin typeface="Consolas" panose="020B0609020204030204" pitchFamily="49" charset="0"/>
+                <a:cs typeface="Consolas" panose="020B0609020204030204" pitchFamily="49" charset="0"/>
+              </a:rPr>
+              <a:t>rset</a:t>
+            </a:r>
+            <a:r>
+              <a:rPr lang="en-US" dirty="0">
+                <a:latin typeface="Consolas" panose="020B0609020204030204" pitchFamily="49" charset="0"/>
+                <a:cs typeface="Consolas" panose="020B0609020204030204" pitchFamily="49" charset="0"/>
+              </a:rPr>
+              <a:t> = set(</a:t>
+            </a:r>
+            <a:r>
+              <a:rPr lang="en-US" dirty="0" err="1">
+                <a:latin typeface="Consolas" panose="020B0609020204030204" pitchFamily="49" charset="0"/>
+                <a:cs typeface="Consolas" panose="020B0609020204030204" pitchFamily="49" charset="0"/>
+              </a:rPr>
+              <a:t>rlist</a:t>
+            </a:r>
+            <a:r>
+              <a:rPr lang="en-US" dirty="0">
+                <a:latin typeface="Consolas" panose="020B0609020204030204" pitchFamily="49" charset="0"/>
+                <a:cs typeface="Consolas" panose="020B0609020204030204" pitchFamily="49" charset="0"/>
+              </a:rPr>
+              <a:t>)</a:t>
+            </a:r>
+          </a:p>
+          <a:p>
+            <a:pPr marL="0" indent="0">
+              <a:buNone/>
+            </a:pPr>
+            <a:endParaRPr lang="en-US" dirty="0">
+              <a:latin typeface="Consolas" panose="020B0609020204030204" pitchFamily="49" charset="0"/>
+              <a:cs typeface="Consolas" panose="020B0609020204030204" pitchFamily="49" charset="0"/>
+            </a:endParaRPr>
+          </a:p>
+          <a:p>
+            <a:pPr marL="0" indent="0">
+              <a:buNone/>
+            </a:pPr>
+            <a:r>
+              <a:rPr lang="en-US" dirty="0">
+                <a:latin typeface="Consolas" panose="020B0609020204030204" pitchFamily="49" charset="0"/>
+                <a:cs typeface="Consolas" panose="020B0609020204030204" pitchFamily="49" charset="0"/>
+              </a:rPr>
+              <a:t>&gt;&gt;&gt; </a:t>
+            </a:r>
+            <a:r>
+              <a:rPr lang="en-US" dirty="0" err="1">
+                <a:latin typeface="Consolas" panose="020B0609020204030204" pitchFamily="49" charset="0"/>
+                <a:cs typeface="Consolas" panose="020B0609020204030204" pitchFamily="49" charset="0"/>
+              </a:rPr>
+              <a:t>rset</a:t>
+            </a:r>
+            <a:endParaRPr lang="en-US" dirty="0">
+              <a:latin typeface="Consolas" panose="020B0609020204030204" pitchFamily="49" charset="0"/>
+              <a:cs typeface="Consolas" panose="020B0609020204030204" pitchFamily="49" charset="0"/>
+            </a:endParaRPr>
+          </a:p>
+          <a:p>
+            <a:pPr marL="0" indent="0">
+              <a:buNone/>
+            </a:pPr>
+            <a:r>
+              <a:rPr lang="en-US" dirty="0">
+                <a:latin typeface="Consolas" panose="020B0609020204030204" pitchFamily="49" charset="0"/>
+                <a:cs typeface="Consolas" panose="020B0609020204030204" pitchFamily="49" charset="0"/>
+              </a:rPr>
+              <a:t>{</a:t>
+            </a:r>
+            <a:r>
+              <a:rPr lang="en-US" dirty="0" err="1">
+                <a:latin typeface="Consolas" panose="020B0609020204030204" pitchFamily="49" charset="0"/>
+                <a:cs typeface="Consolas" panose="020B0609020204030204" pitchFamily="49" charset="0"/>
+              </a:rPr>
+              <a:t>frozenset</a:t>
+            </a:r>
+            <a:r>
+              <a:rPr lang="en-US" dirty="0">
+                <a:latin typeface="Consolas" panose="020B0609020204030204" pitchFamily="49" charset="0"/>
+                <a:cs typeface="Consolas" panose="020B0609020204030204" pitchFamily="49" charset="0"/>
+              </a:rPr>
+              <a:t>({'high', 'pace'}), ('ears', 2), 'animal', 'delimiter'}</a:t>
+            </a:r>
+          </a:p>
+        </p:txBody>
+      </p:sp>
+    </p:spTree>
+    <p:extLst>
+      <p:ext uri="{BB962C8B-B14F-4D97-AF65-F5344CB8AC3E}">
+        <p14:creationId xmlns:p14="http://schemas.microsoft.com/office/powerpoint/2010/main" val="978817652"/>
+      </p:ext>
+    </p:extLst>
+  </p:cSld>
+  <p:clrMapOvr>
+    <a:masterClrMapping/>
+  </p:clrMapOvr>
+  <p:timing>
+    <p:tnLst>
+      <p:par>
+        <p:cTn id="1" dur="indefinite" restart="never" nodeType="tmRoot">
+          <p:childTnLst>
+            <p:seq concurrent="1" nextAc="seek">
+              <p:cTn id="2" dur="indefinite" nodeType="mainSeq">
+                <p:childTnLst>
+                  <p:par>
+                    <p:cTn id="3" fill="hold">
+                      <p:stCondLst>
+                        <p:cond delay="indefinite"/>
+                      </p:stCondLst>
+                      <p:childTnLst>
+                        <p:par>
+                          <p:cTn id="4" fill="hold">
+                            <p:stCondLst>
+                              <p:cond delay="0"/>
+                            </p:stCondLst>
+                            <p:childTnLst>
+                              <p:par>
+                                <p:cTn id="5" presetID="1" presetClass="entr" presetSubtype="0" fill="hold" grpId="0" nodeType="clickEffect">
+                                  <p:stCondLst>
+                                    <p:cond delay="0"/>
+                                  </p:stCondLst>
+                                  <p:childTnLst>
+                                    <p:set>
+                                      <p:cBhvr>
+                                        <p:cTn id="6" dur="1" fill="hold">
+                                          <p:stCondLst>
+                                            <p:cond delay="0"/>
+                                          </p:stCondLst>
+                                        </p:cTn>
+                                        <p:tgtEl>
+                                          <p:spTgt spid="3">
+                                            <p:txEl>
+                                              <p:pRg st="0" end="0"/>
+                                            </p:txEl>
+                                          </p:spTgt>
+                                        </p:tgtEl>
+                                        <p:attrNameLst>
+                                          <p:attrName>style.visibility</p:attrName>
+                                        </p:attrNameLst>
+                                      </p:cBhvr>
+                                      <p:to>
+                                        <p:strVal val="visible"/>
+                                      </p:to>
+                                    </p:set>
+                                  </p:childTnLst>
+                                </p:cTn>
+                              </p:par>
+                            </p:childTnLst>
+                          </p:cTn>
+                        </p:par>
+                      </p:childTnLst>
+                    </p:cTn>
+                  </p:par>
+                  <p:par>
+                    <p:cTn id="7" fill="hold">
+                      <p:stCondLst>
+                        <p:cond delay="indefinite"/>
+                      </p:stCondLst>
+                      <p:childTnLst>
+                        <p:par>
+                          <p:cTn id="8" fill="hold">
+                            <p:stCondLst>
+                              <p:cond delay="0"/>
+                            </p:stCondLst>
+                            <p:childTnLst>
+                              <p:par>
+                                <p:cTn id="9" presetID="1" presetClass="entr" presetSubtype="0" fill="hold" grpId="0" nodeType="clickEffect">
+                                  <p:stCondLst>
+                                    <p:cond delay="0"/>
+                                  </p:stCondLst>
+                                  <p:childTnLst>
+                                    <p:set>
+                                      <p:cBhvr>
+                                        <p:cTn id="10" dur="1" fill="hold">
+                                          <p:stCondLst>
+                                            <p:cond delay="0"/>
+                                          </p:stCondLst>
+                                        </p:cTn>
+                                        <p:tgtEl>
+                                          <p:spTgt spid="3">
+                                            <p:txEl>
+                                              <p:pRg st="2" end="2"/>
+                                            </p:txEl>
+                                          </p:spTgt>
+                                        </p:tgtEl>
+                                        <p:attrNameLst>
+                                          <p:attrName>style.visibility</p:attrName>
+                                        </p:attrNameLst>
+                                      </p:cBhvr>
+                                      <p:to>
+                                        <p:strVal val="visible"/>
+                                      </p:to>
+                                    </p:set>
+                                  </p:childTnLst>
+                                </p:cTn>
+                              </p:par>
+                            </p:childTnLst>
+                          </p:cTn>
+                        </p:par>
+                      </p:childTnLst>
+                    </p:cTn>
+                  </p:par>
+                  <p:par>
+                    <p:cTn id="11" fill="hold">
+                      <p:stCondLst>
+                        <p:cond delay="indefinite"/>
+                      </p:stCondLst>
+                      <p:childTnLst>
+                        <p:par>
+                          <p:cTn id="12" fill="hold">
+                            <p:stCondLst>
+                              <p:cond delay="0"/>
+                            </p:stCondLst>
+                            <p:childTnLst>
+                              <p:par>
+                                <p:cTn id="13" presetID="1" presetClass="entr" presetSubtype="0" fill="hold" grpId="0" nodeType="clickEffect">
+                                  <p:stCondLst>
+                                    <p:cond delay="0"/>
+                                  </p:stCondLst>
+                                  <p:childTnLst>
+                                    <p:set>
+                                      <p:cBhvr>
+                                        <p:cTn id="14" dur="1" fill="hold">
+                                          <p:stCondLst>
+                                            <p:cond delay="0"/>
+                                          </p:stCondLst>
+                                        </p:cTn>
+                                        <p:tgtEl>
+                                          <p:spTgt spid="3">
+                                            <p:txEl>
+                                              <p:pRg st="3" end="3"/>
+                                            </p:txEl>
+                                          </p:spTgt>
+                                        </p:tgtEl>
+                                        <p:attrNameLst>
+                                          <p:attrName>style.visibility</p:attrName>
+                                        </p:attrNameLst>
+                                      </p:cBhvr>
+                                      <p:to>
+                                        <p:strVal val="visible"/>
+                                      </p:to>
+                                    </p:set>
+                                  </p:childTnLst>
+                                </p:cTn>
+                              </p:par>
+                            </p:childTnLst>
+                          </p:cTn>
+                        </p:par>
+                      </p:childTnLst>
+                    </p:cTn>
+                  </p:par>
+                  <p:par>
+                    <p:cTn id="15" fill="hold">
+                      <p:stCondLst>
+                        <p:cond delay="indefinite"/>
+                      </p:stCondLst>
+                      <p:childTnLst>
+                        <p:par>
+                          <p:cTn id="16" fill="hold">
+                            <p:stCondLst>
+                              <p:cond delay="0"/>
+                            </p:stCondLst>
+                            <p:childTnLst>
+                              <p:par>
+                                <p:cTn id="17" presetID="1" presetClass="entr" presetSubtype="0" fill="hold" grpId="0" nodeType="clickEffect">
+                                  <p:stCondLst>
+                                    <p:cond delay="0"/>
+                                  </p:stCondLst>
+                                  <p:childTnLst>
+                                    <p:set>
+                                      <p:cBhvr>
+                                        <p:cTn id="18" dur="1" fill="hold">
+                                          <p:stCondLst>
+                                            <p:cond delay="0"/>
+                                          </p:stCondLst>
+                                        </p:cTn>
+                                        <p:tgtEl>
+                                          <p:spTgt spid="3">
+                                            <p:txEl>
+                                              <p:pRg st="5" end="5"/>
+                                            </p:txEl>
+                                          </p:spTgt>
+                                        </p:tgtEl>
+                                        <p:attrNameLst>
+                                          <p:attrName>style.visibility</p:attrName>
+                                        </p:attrNameLst>
+                                      </p:cBhvr>
+                                      <p:to>
+                                        <p:strVal val="visible"/>
+                                      </p:to>
+                                    </p:set>
+                                  </p:childTnLst>
+                                </p:cTn>
+                              </p:par>
+                            </p:childTnLst>
+                          </p:cTn>
+                        </p:par>
+                      </p:childTnLst>
+                    </p:cTn>
+                  </p:par>
+                  <p:par>
+                    <p:cTn id="19" fill="hold">
+                      <p:stCondLst>
+                        <p:cond delay="indefinite"/>
+                      </p:stCondLst>
+                      <p:childTnLst>
+                        <p:par>
+                          <p:cTn id="20" fill="hold">
+                            <p:stCondLst>
+                              <p:cond delay="0"/>
+                            </p:stCondLst>
+                            <p:childTnLst>
+                              <p:par>
+                                <p:cTn id="21" presetID="1" presetClass="entr" presetSubtype="0" fill="hold" grpId="0" nodeType="clickEffect">
+                                  <p:stCondLst>
+                                    <p:cond delay="0"/>
+                                  </p:stCondLst>
+                                  <p:childTnLst>
+                                    <p:set>
+                                      <p:cBhvr>
+                                        <p:cTn id="22" dur="1" fill="hold">
+                                          <p:stCondLst>
+                                            <p:cond delay="0"/>
+                                          </p:stCondLst>
+                                        </p:cTn>
+                                        <p:tgtEl>
+                                          <p:spTgt spid="3">
+                                            <p:txEl>
+                                              <p:pRg st="7" end="7"/>
+                                            </p:txEl>
+                                          </p:spTgt>
+                                        </p:tgtEl>
+                                        <p:attrNameLst>
+                                          <p:attrName>style.visibility</p:attrName>
+                                        </p:attrNameLst>
+                                      </p:cBhvr>
+                                      <p:to>
+                                        <p:strVal val="visible"/>
+                                      </p:to>
+                                    </p:set>
+                                  </p:childTnLst>
+                                </p:cTn>
+                              </p:par>
+                            </p:childTnLst>
+                          </p:cTn>
+                        </p:par>
+                      </p:childTnLst>
+                    </p:cTn>
+                  </p:par>
+                  <p:par>
+                    <p:cTn id="23" fill="hold">
+                      <p:stCondLst>
+                        <p:cond delay="indefinite"/>
+                      </p:stCondLst>
+                      <p:childTnLst>
+                        <p:par>
+                          <p:cTn id="24" fill="hold">
+                            <p:stCondLst>
+                              <p:cond delay="0"/>
+                            </p:stCondLst>
+                            <p:childTnLst>
+                              <p:par>
+                                <p:cTn id="25" presetID="1" presetClass="entr" presetSubtype="0" fill="hold" grpId="0" nodeType="clickEffect">
+                                  <p:stCondLst>
+                                    <p:cond delay="0"/>
+                                  </p:stCondLst>
+                                  <p:childTnLst>
+                                    <p:set>
+                                      <p:cBhvr>
+                                        <p:cTn id="26" dur="1" fill="hold">
+                                          <p:stCondLst>
+                                            <p:cond delay="0"/>
+                                          </p:stCondLst>
+                                        </p:cTn>
+                                        <p:tgtEl>
+                                          <p:spTgt spid="3">
+                                            <p:txEl>
+                                              <p:pRg st="8" end="8"/>
+                                            </p:txEl>
+                                          </p:spTgt>
+                                        </p:tgtEl>
+                                        <p:attrNameLst>
+                                          <p:attrName>style.visibility</p:attrName>
+                                        </p:attrNameLst>
+                                      </p:cBhvr>
+                                      <p:to>
+                                        <p:strVal val="visible"/>
+                                      </p:to>
+                                    </p:set>
+                                  </p:childTnLst>
+                                </p:cTn>
+                              </p:par>
+                            </p:childTnLst>
+                          </p:cTn>
+                        </p:par>
+                      </p:childTnLst>
+                    </p:cTn>
+                  </p:par>
+                </p:childTnLst>
+              </p:cTn>
+              <p:prevCondLst>
+                <p:cond evt="onPrev" delay="0">
+                  <p:tgtEl>
+                    <p:sldTgt/>
+                  </p:tgtEl>
+                </p:cond>
+              </p:prevCondLst>
+              <p:nextCondLst>
+                <p:cond evt="onNext" delay="0">
+                  <p:tgtEl>
+                    <p:sldTgt/>
+                  </p:tgtEl>
+                </p:cond>
+              </p:nextCondLst>
+            </p:seq>
+          </p:childTnLst>
+        </p:cTn>
+      </p:par>
+    </p:tnLst>
+    <p:bldLst>
+      <p:bldP spid="3" grpId="0" build="p"/>
+    </p:bldLst>
+  </p:timing>
+</p:sld>
+</file>
+
+<file path=ppt/slides/slide5.xml><?xml version="1.0" encoding="utf-8"?>
+<p:sld xmlns:a="http://schemas.openxmlformats.org/drawingml/2006/main" xmlns:r="http://schemas.openxmlformats.org/officeDocument/2006/relationships" xmlns:p="http://schemas.openxmlformats.org/presentationml/2006/main">
+  <p:cSld>
+    <p:spTree>
+      <p:nvGrpSpPr>
+        <p:cNvPr id="1" name=""/>
+        <p:cNvGrpSpPr/>
+        <p:nvPr/>
+      </p:nvGrpSpPr>
+      <p:grpSpPr>
+        <a:xfrm>
+          <a:off x="0" y="0"/>
+          <a:ext cx="0" cy="0"/>
+          <a:chOff x="0" y="0"/>
+          <a:chExt cx="0" cy="0"/>
+        </a:xfrm>
+      </p:grpSpPr>
+      <p:sp>
+        <p:nvSpPr>
+          <p:cNvPr id="3" name="Content Placeholder 2">
+            <a:extLst>
+              <a:ext uri="{FF2B5EF4-FFF2-40B4-BE49-F238E27FC236}">
+                <a16:creationId xmlns:a16="http://schemas.microsoft.com/office/drawing/2014/main" id="{97728E4A-F803-A442-BDB4-E32C3085152F}"/>
+              </a:ext>
+            </a:extLst>
+          </p:cNvPr>
+          <p:cNvSpPr>
+            <a:spLocks noGrp="1"/>
+          </p:cNvSpPr>
+          <p:nvPr>
+            <p:ph idx="1"/>
+          </p:nvPr>
+        </p:nvSpPr>
+        <p:spPr>
+          <a:xfrm>
+            <a:off x="821933" y="791110"/>
+            <a:ext cx="10531867" cy="5385853"/>
+          </a:xfrm>
+        </p:spPr>
+        <p:txBody>
+          <a:bodyPr/>
+          <a:lstStyle/>
+          <a:p>
+            <a:pPr marL="0" indent="0">
+              <a:buNone/>
+            </a:pPr>
+            <a:r>
+              <a:rPr lang="en-US" dirty="0">
+                <a:latin typeface="Consolas" panose="020B0609020204030204" pitchFamily="49" charset="0"/>
+                <a:cs typeface="Consolas" panose="020B0609020204030204" pitchFamily="49" charset="0"/>
+              </a:rPr>
+              <a:t>&gt;&gt;&gt; addict = {"weight": "kg", "height": "ft"}</a:t>
+            </a:r>
+          </a:p>
+          <a:p>
+            <a:pPr marL="0" indent="0">
+              <a:buNone/>
+            </a:pPr>
+            <a:endParaRPr lang="en-US" dirty="0">
+              <a:latin typeface="Consolas" panose="020B0609020204030204" pitchFamily="49" charset="0"/>
+              <a:cs typeface="Consolas" panose="020B0609020204030204" pitchFamily="49" charset="0"/>
+            </a:endParaRPr>
+          </a:p>
+          <a:p>
+            <a:pPr marL="0" indent="0">
+              <a:buNone/>
+            </a:pPr>
+            <a:r>
+              <a:rPr lang="en-US" dirty="0">
+                <a:latin typeface="Consolas" panose="020B0609020204030204" pitchFamily="49" charset="0"/>
+                <a:cs typeface="Consolas" panose="020B0609020204030204" pitchFamily="49" charset="0"/>
+              </a:rPr>
+              <a:t>&gt;&gt;&gt; addict</a:t>
+            </a:r>
+          </a:p>
+          <a:p>
+            <a:pPr marL="0" indent="0">
+              <a:buNone/>
+            </a:pPr>
+            <a:r>
+              <a:rPr lang="en-US" dirty="0">
+                <a:latin typeface="Consolas" panose="020B0609020204030204" pitchFamily="49" charset="0"/>
+                <a:cs typeface="Consolas" panose="020B0609020204030204" pitchFamily="49" charset="0"/>
+              </a:rPr>
+              <a:t>{'weight': 'kg', 'height': 'ft’}</a:t>
+            </a:r>
+          </a:p>
+          <a:p>
+            <a:pPr marL="0" indent="0">
+              <a:buNone/>
+            </a:pPr>
+            <a:endParaRPr lang="en-US" dirty="0">
+              <a:latin typeface="Consolas" panose="020B0609020204030204" pitchFamily="49" charset="0"/>
+              <a:cs typeface="Consolas" panose="020B0609020204030204" pitchFamily="49" charset="0"/>
+            </a:endParaRPr>
+          </a:p>
+          <a:p>
+            <a:pPr marL="0" indent="0">
+              <a:buNone/>
+            </a:pPr>
+            <a:r>
+              <a:rPr lang="en-US" dirty="0">
+                <a:latin typeface="Consolas" panose="020B0609020204030204" pitchFamily="49" charset="0"/>
+                <a:cs typeface="Consolas" panose="020B0609020204030204" pitchFamily="49" charset="0"/>
+              </a:rPr>
+              <a:t>&gt;&gt;&gt; </a:t>
+            </a:r>
+            <a:r>
+              <a:rPr lang="en-US" dirty="0" err="1">
+                <a:latin typeface="Consolas" panose="020B0609020204030204" pitchFamily="49" charset="0"/>
+                <a:cs typeface="Consolas" panose="020B0609020204030204" pitchFamily="49" charset="0"/>
+              </a:rPr>
+              <a:t>alist</a:t>
+            </a:r>
+            <a:r>
+              <a:rPr lang="en-US" dirty="0">
+                <a:latin typeface="Consolas" panose="020B0609020204030204" pitchFamily="49" charset="0"/>
+                <a:cs typeface="Consolas" panose="020B0609020204030204" pitchFamily="49" charset="0"/>
+              </a:rPr>
+              <a:t> = list(addict)</a:t>
+            </a:r>
+          </a:p>
+          <a:p>
+            <a:pPr marL="0" indent="0">
+              <a:buNone/>
+            </a:pPr>
+            <a:endParaRPr lang="en-US" dirty="0">
+              <a:latin typeface="Consolas" panose="020B0609020204030204" pitchFamily="49" charset="0"/>
+              <a:cs typeface="Consolas" panose="020B0609020204030204" pitchFamily="49" charset="0"/>
+            </a:endParaRPr>
+          </a:p>
+          <a:p>
+            <a:pPr marL="0" indent="0">
+              <a:buNone/>
+            </a:pPr>
+            <a:r>
+              <a:rPr lang="en-US" dirty="0">
+                <a:latin typeface="Consolas" panose="020B0609020204030204" pitchFamily="49" charset="0"/>
+                <a:cs typeface="Consolas" panose="020B0609020204030204" pitchFamily="49" charset="0"/>
+              </a:rPr>
+              <a:t>&gt;&gt;&gt; </a:t>
+            </a:r>
+            <a:r>
+              <a:rPr lang="en-US" dirty="0" err="1">
+                <a:latin typeface="Consolas" panose="020B0609020204030204" pitchFamily="49" charset="0"/>
+                <a:cs typeface="Consolas" panose="020B0609020204030204" pitchFamily="49" charset="0"/>
+              </a:rPr>
+              <a:t>alist</a:t>
+            </a:r>
+            <a:endParaRPr lang="en-US" dirty="0">
+              <a:latin typeface="Consolas" panose="020B0609020204030204" pitchFamily="49" charset="0"/>
+              <a:cs typeface="Consolas" panose="020B0609020204030204" pitchFamily="49" charset="0"/>
+            </a:endParaRPr>
+          </a:p>
+          <a:p>
+            <a:pPr marL="0" indent="0">
+              <a:buNone/>
+            </a:pPr>
+            <a:r>
+              <a:rPr lang="en-US" dirty="0">
+                <a:latin typeface="Consolas" panose="020B0609020204030204" pitchFamily="49" charset="0"/>
+                <a:cs typeface="Consolas" panose="020B0609020204030204" pitchFamily="49" charset="0"/>
+              </a:rPr>
+              <a:t>['weight', 'height']</a:t>
+            </a:r>
+          </a:p>
+        </p:txBody>
+      </p:sp>
+    </p:spTree>
+    <p:extLst>
+      <p:ext uri="{BB962C8B-B14F-4D97-AF65-F5344CB8AC3E}">
+        <p14:creationId xmlns:p14="http://schemas.microsoft.com/office/powerpoint/2010/main" val="4195681456"/>
+      </p:ext>
+    </p:extLst>
+  </p:cSld>
+  <p:clrMapOvr>
+    <a:masterClrMapping/>
+  </p:clrMapOvr>
+  <p:timing>
+    <p:tnLst>
+      <p:par>
+        <p:cTn id="1" dur="indefinite" restart="never" nodeType="tmRoot">
+          <p:childTnLst>
+            <p:seq concurrent="1" nextAc="seek">
+              <p:cTn id="2" dur="indefinite" nodeType="mainSeq">
+                <p:childTnLst>
+                  <p:par>
+                    <p:cTn id="3" fill="hold">
+                      <p:stCondLst>
+                        <p:cond delay="indefinite"/>
+                      </p:stCondLst>
+                      <p:childTnLst>
+                        <p:par>
+                          <p:cTn id="4" fill="hold">
+                            <p:stCondLst>
+                              <p:cond delay="0"/>
+                            </p:stCondLst>
+                            <p:childTnLst>
+                              <p:par>
+                                <p:cTn id="5" presetID="1" presetClass="entr" presetSubtype="0" fill="hold" grpId="0" nodeType="clickEffect">
+                                  <p:stCondLst>
+                                    <p:cond delay="0"/>
+                                  </p:stCondLst>
+                                  <p:childTnLst>
+                                    <p:set>
+                                      <p:cBhvr>
+                                        <p:cTn id="6" dur="1" fill="hold">
+                                          <p:stCondLst>
+                                            <p:cond delay="0"/>
+                                          </p:stCondLst>
+                                        </p:cTn>
+                                        <p:tgtEl>
+                                          <p:spTgt spid="3">
+                                            <p:txEl>
+                                              <p:pRg st="0" end="0"/>
+                                            </p:txEl>
+                                          </p:spTgt>
+                                        </p:tgtEl>
+                                        <p:attrNameLst>
+                                          <p:attrName>style.visibility</p:attrName>
+                                        </p:attrNameLst>
+                                      </p:cBhvr>
+                                      <p:to>
+                                        <p:strVal val="visible"/>
+                                      </p:to>
+                                    </p:set>
+                                  </p:childTnLst>
+                                </p:cTn>
+                              </p:par>
+                            </p:childTnLst>
+                          </p:cTn>
+                        </p:par>
+                      </p:childTnLst>
+                    </p:cTn>
+                  </p:par>
+                  <p:par>
+                    <p:cTn id="7" fill="hold">
+                      <p:stCondLst>
+                        <p:cond delay="indefinite"/>
+                      </p:stCondLst>
+                      <p:childTnLst>
+                        <p:par>
+                          <p:cTn id="8" fill="hold">
+                            <p:stCondLst>
+                              <p:cond delay="0"/>
+                            </p:stCondLst>
+                            <p:childTnLst>
+                              <p:par>
+                                <p:cTn id="9" presetID="1" presetClass="entr" presetSubtype="0" fill="hold" grpId="0" nodeType="clickEffect">
+                                  <p:stCondLst>
+                                    <p:cond delay="0"/>
+                                  </p:stCondLst>
+                                  <p:childTnLst>
+                                    <p:set>
+                                      <p:cBhvr>
+                                        <p:cTn id="10" dur="1" fill="hold">
+                                          <p:stCondLst>
+                                            <p:cond delay="0"/>
+                                          </p:stCondLst>
+                                        </p:cTn>
+                                        <p:tgtEl>
+                                          <p:spTgt spid="3">
+                                            <p:txEl>
+                                              <p:pRg st="2" end="2"/>
+                                            </p:txEl>
+                                          </p:spTgt>
+                                        </p:tgtEl>
+                                        <p:attrNameLst>
+                                          <p:attrName>style.visibility</p:attrName>
+                                        </p:attrNameLst>
+                                      </p:cBhvr>
+                                      <p:to>
+                                        <p:strVal val="visible"/>
+                                      </p:to>
+                                    </p:set>
+                                  </p:childTnLst>
+                                </p:cTn>
+                              </p:par>
+                            </p:childTnLst>
+                          </p:cTn>
+                        </p:par>
+                      </p:childTnLst>
+                    </p:cTn>
+                  </p:par>
+                  <p:par>
+                    <p:cTn id="11" fill="hold">
+                      <p:stCondLst>
+                        <p:cond delay="indefinite"/>
+                      </p:stCondLst>
+                      <p:childTnLst>
+                        <p:par>
+                          <p:cTn id="12" fill="hold">
+                            <p:stCondLst>
+                              <p:cond delay="0"/>
+                            </p:stCondLst>
+                            <p:childTnLst>
+                              <p:par>
+                                <p:cTn id="13" presetID="1" presetClass="entr" presetSubtype="0" fill="hold" grpId="0" nodeType="clickEffect">
+                                  <p:stCondLst>
+                                    <p:cond delay="0"/>
+                                  </p:stCondLst>
+                                  <p:childTnLst>
+                                    <p:set>
+                                      <p:cBhvr>
+                                        <p:cTn id="14" dur="1" fill="hold">
+                                          <p:stCondLst>
+                                            <p:cond delay="0"/>
+                                          </p:stCondLst>
+                                        </p:cTn>
+                                        <p:tgtEl>
+                                          <p:spTgt spid="3">
+                                            <p:txEl>
+                                              <p:pRg st="3" end="3"/>
+                                            </p:txEl>
+                                          </p:spTgt>
+                                        </p:tgtEl>
+                                        <p:attrNameLst>
+                                          <p:attrName>style.visibility</p:attrName>
+                                        </p:attrNameLst>
+                                      </p:cBhvr>
+                                      <p:to>
+                                        <p:strVal val="visible"/>
+                                      </p:to>
+                                    </p:set>
+                                  </p:childTnLst>
+                                </p:cTn>
+                              </p:par>
+                            </p:childTnLst>
+                          </p:cTn>
+                        </p:par>
+                      </p:childTnLst>
+                    </p:cTn>
+                  </p:par>
+                  <p:par>
+                    <p:cTn id="15" fill="hold">
+                      <p:stCondLst>
+                        <p:cond delay="indefinite"/>
+                      </p:stCondLst>
+                      <p:childTnLst>
+                        <p:par>
+                          <p:cTn id="16" fill="hold">
+                            <p:stCondLst>
+                              <p:cond delay="0"/>
+                            </p:stCondLst>
+                            <p:childTnLst>
+                              <p:par>
+                                <p:cTn id="17" presetID="1" presetClass="entr" presetSubtype="0" fill="hold" grpId="0" nodeType="clickEffect">
+                                  <p:stCondLst>
+                                    <p:cond delay="0"/>
+                                  </p:stCondLst>
+                                  <p:childTnLst>
+                                    <p:set>
+                                      <p:cBhvr>
+                                        <p:cTn id="18" dur="1" fill="hold">
+                                          <p:stCondLst>
+                                            <p:cond delay="0"/>
+                                          </p:stCondLst>
+                                        </p:cTn>
+                                        <p:tgtEl>
+                                          <p:spTgt spid="3">
+                                            <p:txEl>
+                                              <p:pRg st="5" end="5"/>
+                                            </p:txEl>
+                                          </p:spTgt>
+                                        </p:tgtEl>
+                                        <p:attrNameLst>
+                                          <p:attrName>style.visibility</p:attrName>
+                                        </p:attrNameLst>
+                                      </p:cBhvr>
+                                      <p:to>
+                                        <p:strVal val="visible"/>
+                                      </p:to>
+                                    </p:set>
+                                  </p:childTnLst>
+                                </p:cTn>
+                              </p:par>
+                            </p:childTnLst>
+                          </p:cTn>
+                        </p:par>
+                      </p:childTnLst>
+                    </p:cTn>
+                  </p:par>
+                  <p:par>
+                    <p:cTn id="19" fill="hold">
+                      <p:stCondLst>
+                        <p:cond delay="indefinite"/>
+                      </p:stCondLst>
+                      <p:childTnLst>
+                        <p:par>
+                          <p:cTn id="20" fill="hold">
+                            <p:stCondLst>
+                              <p:cond delay="0"/>
+                            </p:stCondLst>
+                            <p:childTnLst>
+                              <p:par>
+                                <p:cTn id="21" presetID="1" presetClass="entr" presetSubtype="0" fill="hold" grpId="0" nodeType="clickEffect">
+                                  <p:stCondLst>
+                                    <p:cond delay="0"/>
+                                  </p:stCondLst>
+                                  <p:childTnLst>
+                                    <p:set>
+                                      <p:cBhvr>
+                                        <p:cTn id="22" dur="1" fill="hold">
+                                          <p:stCondLst>
+                                            <p:cond delay="0"/>
+                                          </p:stCondLst>
+                                        </p:cTn>
+                                        <p:tgtEl>
+                                          <p:spTgt spid="3">
+                                            <p:txEl>
+                                              <p:pRg st="7" end="7"/>
+                                            </p:txEl>
+                                          </p:spTgt>
+                                        </p:tgtEl>
+                                        <p:attrNameLst>
+                                          <p:attrName>style.visibility</p:attrName>
+                                        </p:attrNameLst>
+                                      </p:cBhvr>
+                                      <p:to>
+                                        <p:strVal val="visible"/>
+                                      </p:to>
+                                    </p:set>
+                                  </p:childTnLst>
+                                </p:cTn>
+                              </p:par>
+                            </p:childTnLst>
+                          </p:cTn>
+                        </p:par>
+                      </p:childTnLst>
+                    </p:cTn>
+                  </p:par>
+                  <p:par>
+                    <p:cTn id="23" fill="hold">
+                      <p:stCondLst>
+                        <p:cond delay="indefinite"/>
+                      </p:stCondLst>
+                      <p:childTnLst>
+                        <p:par>
+                          <p:cTn id="24" fill="hold">
+                            <p:stCondLst>
+                              <p:cond delay="0"/>
+                            </p:stCondLst>
+                            <p:childTnLst>
+                              <p:par>
+                                <p:cTn id="25" presetID="1" presetClass="entr" presetSubtype="0" fill="hold" grpId="0" nodeType="clickEffect">
+                                  <p:stCondLst>
+                                    <p:cond delay="0"/>
+                                  </p:stCondLst>
+                                  <p:childTnLst>
+                                    <p:set>
+                                      <p:cBhvr>
+                                        <p:cTn id="26" dur="1" fill="hold">
+                                          <p:stCondLst>
+                                            <p:cond delay="0"/>
+                                          </p:stCondLst>
+                                        </p:cTn>
+                                        <p:tgtEl>
+                                          <p:spTgt spid="3">
+                                            <p:txEl>
+                                              <p:pRg st="8" end="8"/>
+                                            </p:txEl>
+                                          </p:spTgt>
+                                        </p:tgtEl>
+                                        <p:attrNameLst>
+                                          <p:attrName>style.visibility</p:attrName>
+                                        </p:attrNameLst>
+                                      </p:cBhvr>
+                                      <p:to>
+                                        <p:strVal val="visible"/>
+                                      </p:to>
+                                    </p:set>
+                                  </p:childTnLst>
+                                </p:cTn>
+                              </p:par>
+                            </p:childTnLst>
+                          </p:cTn>
+                        </p:par>
+                      </p:childTnLst>
+                    </p:cTn>
+                  </p:par>
+                </p:childTnLst>
+              </p:cTn>
+              <p:prevCondLst>
+                <p:cond evt="onPrev" delay="0">
+                  <p:tgtEl>
+                    <p:sldTgt/>
+                  </p:tgtEl>
+                </p:cond>
+              </p:prevCondLst>
+              <p:nextCondLst>
+                <p:cond evt="onNext" delay="0">
+                  <p:tgtEl>
+                    <p:sldTgt/>
+                  </p:tgtEl>
+                </p:cond>
+              </p:nextCondLst>
+            </p:seq>
+          </p:childTnLst>
+        </p:cTn>
+      </p:par>
+    </p:tnLst>
+    <p:bldLst>
+      <p:bldP spid="3" grpId="0" build="p"/>
+    </p:bldLst>
+  </p:timing>
+</p:sld>
+</file>
+
+<file path=ppt/slides/slide6.xml><?xml version="1.0" encoding="utf-8"?>
 <p:sld xmlns:a="http://schemas.openxmlformats.org/drawingml/2006/main" xmlns:r="http://schemas.openxmlformats.org/officeDocument/2006/relationships" xmlns:p="http://schemas.openxmlformats.org/presentationml/2006/main">
   <p:cSld>
     <p:spTree>
@@ -4693,10 +8555,234 @@
   <p:clrMapOvr>
     <a:masterClrMapping/>
   </p:clrMapOvr>
+  <p:timing>
+    <p:tnLst>
+      <p:par>
+        <p:cTn id="1" dur="indefinite" restart="never" nodeType="tmRoot">
+          <p:childTnLst>
+            <p:seq concurrent="1" nextAc="seek">
+              <p:cTn id="2" dur="indefinite" nodeType="mainSeq">
+                <p:childTnLst>
+                  <p:par>
+                    <p:cTn id="3" fill="hold">
+                      <p:stCondLst>
+                        <p:cond delay="indefinite"/>
+                      </p:stCondLst>
+                      <p:childTnLst>
+                        <p:par>
+                          <p:cTn id="4" fill="hold">
+                            <p:stCondLst>
+                              <p:cond delay="0"/>
+                            </p:stCondLst>
+                            <p:childTnLst>
+                              <p:par>
+                                <p:cTn id="5" presetID="1" presetClass="entr" presetSubtype="0" fill="hold" grpId="0" nodeType="clickEffect">
+                                  <p:stCondLst>
+                                    <p:cond delay="0"/>
+                                  </p:stCondLst>
+                                  <p:childTnLst>
+                                    <p:set>
+                                      <p:cBhvr>
+                                        <p:cTn id="6" dur="1" fill="hold">
+                                          <p:stCondLst>
+                                            <p:cond delay="0"/>
+                                          </p:stCondLst>
+                                        </p:cTn>
+                                        <p:tgtEl>
+                                          <p:spTgt spid="3">
+                                            <p:txEl>
+                                              <p:pRg st="0" end="0"/>
+                                            </p:txEl>
+                                          </p:spTgt>
+                                        </p:tgtEl>
+                                        <p:attrNameLst>
+                                          <p:attrName>style.visibility</p:attrName>
+                                        </p:attrNameLst>
+                                      </p:cBhvr>
+                                      <p:to>
+                                        <p:strVal val="visible"/>
+                                      </p:to>
+                                    </p:set>
+                                  </p:childTnLst>
+                                </p:cTn>
+                              </p:par>
+                              <p:par>
+                                <p:cTn id="7" presetID="1" presetClass="entr" presetSubtype="0" fill="hold" grpId="0" nodeType="withEffect">
+                                  <p:stCondLst>
+                                    <p:cond delay="0"/>
+                                  </p:stCondLst>
+                                  <p:childTnLst>
+                                    <p:set>
+                                      <p:cBhvr>
+                                        <p:cTn id="8" dur="1" fill="hold">
+                                          <p:stCondLst>
+                                            <p:cond delay="0"/>
+                                          </p:stCondLst>
+                                        </p:cTn>
+                                        <p:tgtEl>
+                                          <p:spTgt spid="3">
+                                            <p:txEl>
+                                              <p:pRg st="1" end="1"/>
+                                            </p:txEl>
+                                          </p:spTgt>
+                                        </p:tgtEl>
+                                        <p:attrNameLst>
+                                          <p:attrName>style.visibility</p:attrName>
+                                        </p:attrNameLst>
+                                      </p:cBhvr>
+                                      <p:to>
+                                        <p:strVal val="visible"/>
+                                      </p:to>
+                                    </p:set>
+                                  </p:childTnLst>
+                                </p:cTn>
+                              </p:par>
+                              <p:par>
+                                <p:cTn id="9" presetID="1" presetClass="entr" presetSubtype="0" fill="hold" grpId="0" nodeType="withEffect">
+                                  <p:stCondLst>
+                                    <p:cond delay="0"/>
+                                  </p:stCondLst>
+                                  <p:childTnLst>
+                                    <p:set>
+                                      <p:cBhvr>
+                                        <p:cTn id="10" dur="1" fill="hold">
+                                          <p:stCondLst>
+                                            <p:cond delay="0"/>
+                                          </p:stCondLst>
+                                        </p:cTn>
+                                        <p:tgtEl>
+                                          <p:spTgt spid="3">
+                                            <p:txEl>
+                                              <p:pRg st="2" end="2"/>
+                                            </p:txEl>
+                                          </p:spTgt>
+                                        </p:tgtEl>
+                                        <p:attrNameLst>
+                                          <p:attrName>style.visibility</p:attrName>
+                                        </p:attrNameLst>
+                                      </p:cBhvr>
+                                      <p:to>
+                                        <p:strVal val="visible"/>
+                                      </p:to>
+                                    </p:set>
+                                  </p:childTnLst>
+                                </p:cTn>
+                              </p:par>
+                            </p:childTnLst>
+                          </p:cTn>
+                        </p:par>
+                      </p:childTnLst>
+                    </p:cTn>
+                  </p:par>
+                  <p:par>
+                    <p:cTn id="11" fill="hold">
+                      <p:stCondLst>
+                        <p:cond delay="indefinite"/>
+                      </p:stCondLst>
+                      <p:childTnLst>
+                        <p:par>
+                          <p:cTn id="12" fill="hold">
+                            <p:stCondLst>
+                              <p:cond delay="0"/>
+                            </p:stCondLst>
+                            <p:childTnLst>
+                              <p:par>
+                                <p:cTn id="13" presetID="1" presetClass="entr" presetSubtype="0" fill="hold" grpId="0" nodeType="clickEffect">
+                                  <p:stCondLst>
+                                    <p:cond delay="0"/>
+                                  </p:stCondLst>
+                                  <p:childTnLst>
+                                    <p:set>
+                                      <p:cBhvr>
+                                        <p:cTn id="14" dur="1" fill="hold">
+                                          <p:stCondLst>
+                                            <p:cond delay="0"/>
+                                          </p:stCondLst>
+                                        </p:cTn>
+                                        <p:tgtEl>
+                                          <p:spTgt spid="3">
+                                            <p:txEl>
+                                              <p:pRg st="4" end="4"/>
+                                            </p:txEl>
+                                          </p:spTgt>
+                                        </p:tgtEl>
+                                        <p:attrNameLst>
+                                          <p:attrName>style.visibility</p:attrName>
+                                        </p:attrNameLst>
+                                      </p:cBhvr>
+                                      <p:to>
+                                        <p:strVal val="visible"/>
+                                      </p:to>
+                                    </p:set>
+                                  </p:childTnLst>
+                                </p:cTn>
+                              </p:par>
+                              <p:par>
+                                <p:cTn id="15" presetID="1" presetClass="entr" presetSubtype="0" fill="hold" grpId="0" nodeType="withEffect">
+                                  <p:stCondLst>
+                                    <p:cond delay="0"/>
+                                  </p:stCondLst>
+                                  <p:childTnLst>
+                                    <p:set>
+                                      <p:cBhvr>
+                                        <p:cTn id="16" dur="1" fill="hold">
+                                          <p:stCondLst>
+                                            <p:cond delay="0"/>
+                                          </p:stCondLst>
+                                        </p:cTn>
+                                        <p:tgtEl>
+                                          <p:spTgt spid="3">
+                                            <p:txEl>
+                                              <p:pRg st="5" end="5"/>
+                                            </p:txEl>
+                                          </p:spTgt>
+                                        </p:tgtEl>
+                                        <p:attrNameLst>
+                                          <p:attrName>style.visibility</p:attrName>
+                                        </p:attrNameLst>
+                                      </p:cBhvr>
+                                      <p:to>
+                                        <p:strVal val="visible"/>
+                                      </p:to>
+                                    </p:set>
+                                  </p:childTnLst>
+                                </p:cTn>
+                              </p:par>
+                            </p:childTnLst>
+                          </p:cTn>
+                        </p:par>
+                      </p:childTnLst>
+                    </p:cTn>
+                  </p:par>
+                </p:childTnLst>
+              </p:cTn>
+              <p:prevCondLst>
+                <p:cond evt="onPrev" delay="0">
+                  <p:tgtEl>
+                    <p:sldTgt/>
+                  </p:tgtEl>
+                </p:cond>
+              </p:prevCondLst>
+              <p:nextCondLst>
+                <p:cond evt="onNext" delay="0">
+                  <p:tgtEl>
+                    <p:sldTgt/>
+                  </p:tgtEl>
+                </p:cond>
+              </p:nextCondLst>
+            </p:seq>
+          </p:childTnLst>
+        </p:cTn>
+      </p:par>
+    </p:tnLst>
+    <p:bldLst>
+      <p:bldP spid="3" grpId="0" uiExpand="1" build="p"/>
+    </p:bldLst>
+  </p:timing>
 </p:sld>
 </file>
 
-<file path=ppt/slides/slide4.xml><?xml version="1.0" encoding="utf-8"?>
+<file path=ppt/slides/slide7.xml><?xml version="1.0" encoding="utf-8"?>
 <p:sld xmlns:a="http://schemas.openxmlformats.org/drawingml/2006/main" xmlns:r="http://schemas.openxmlformats.org/officeDocument/2006/relationships" xmlns:p="http://schemas.openxmlformats.org/presentationml/2006/main">
   <p:cSld>
     <p:spTree>
@@ -4843,10 +8929,236 @@
   <p:clrMapOvr>
     <a:masterClrMapping/>
   </p:clrMapOvr>
+  <p:timing>
+    <p:tnLst>
+      <p:par>
+        <p:cTn id="1" dur="indefinite" restart="never" nodeType="tmRoot">
+          <p:childTnLst>
+            <p:seq concurrent="1" nextAc="seek">
+              <p:cTn id="2" dur="indefinite" nodeType="mainSeq">
+                <p:childTnLst>
+                  <p:par>
+                    <p:cTn id="3" fill="hold">
+                      <p:stCondLst>
+                        <p:cond delay="indefinite"/>
+                      </p:stCondLst>
+                      <p:childTnLst>
+                        <p:par>
+                          <p:cTn id="4" fill="hold">
+                            <p:stCondLst>
+                              <p:cond delay="0"/>
+                            </p:stCondLst>
+                            <p:childTnLst>
+                              <p:par>
+                                <p:cTn id="5" presetID="1" presetClass="entr" presetSubtype="0" fill="hold" grpId="0" nodeType="clickEffect">
+                                  <p:stCondLst>
+                                    <p:cond delay="0"/>
+                                  </p:stCondLst>
+                                  <p:childTnLst>
+                                    <p:set>
+                                      <p:cBhvr>
+                                        <p:cTn id="6" dur="1" fill="hold">
+                                          <p:stCondLst>
+                                            <p:cond delay="0"/>
+                                          </p:stCondLst>
+                                        </p:cTn>
+                                        <p:tgtEl>
+                                          <p:spTgt spid="3">
+                                            <p:txEl>
+                                              <p:pRg st="0" end="0"/>
+                                            </p:txEl>
+                                          </p:spTgt>
+                                        </p:tgtEl>
+                                        <p:attrNameLst>
+                                          <p:attrName>style.visibility</p:attrName>
+                                        </p:attrNameLst>
+                                      </p:cBhvr>
+                                      <p:to>
+                                        <p:strVal val="visible"/>
+                                      </p:to>
+                                    </p:set>
+                                  </p:childTnLst>
+                                </p:cTn>
+                              </p:par>
+                            </p:childTnLst>
+                          </p:cTn>
+                        </p:par>
+                      </p:childTnLst>
+                    </p:cTn>
+                  </p:par>
+                  <p:par>
+                    <p:cTn id="7" fill="hold">
+                      <p:stCondLst>
+                        <p:cond delay="indefinite"/>
+                      </p:stCondLst>
+                      <p:childTnLst>
+                        <p:par>
+                          <p:cTn id="8" fill="hold">
+                            <p:stCondLst>
+                              <p:cond delay="0"/>
+                            </p:stCondLst>
+                            <p:childTnLst>
+                              <p:par>
+                                <p:cTn id="9" presetID="1" presetClass="entr" presetSubtype="0" fill="hold" grpId="0" nodeType="clickEffect">
+                                  <p:stCondLst>
+                                    <p:cond delay="0"/>
+                                  </p:stCondLst>
+                                  <p:childTnLst>
+                                    <p:set>
+                                      <p:cBhvr>
+                                        <p:cTn id="10" dur="1" fill="hold">
+                                          <p:stCondLst>
+                                            <p:cond delay="0"/>
+                                          </p:stCondLst>
+                                        </p:cTn>
+                                        <p:tgtEl>
+                                          <p:spTgt spid="3">
+                                            <p:txEl>
+                                              <p:pRg st="1" end="1"/>
+                                            </p:txEl>
+                                          </p:spTgt>
+                                        </p:tgtEl>
+                                        <p:attrNameLst>
+                                          <p:attrName>style.visibility</p:attrName>
+                                        </p:attrNameLst>
+                                      </p:cBhvr>
+                                      <p:to>
+                                        <p:strVal val="visible"/>
+                                      </p:to>
+                                    </p:set>
+                                  </p:childTnLst>
+                                </p:cTn>
+                              </p:par>
+                            </p:childTnLst>
+                          </p:cTn>
+                        </p:par>
+                      </p:childTnLst>
+                    </p:cTn>
+                  </p:par>
+                  <p:par>
+                    <p:cTn id="11" fill="hold">
+                      <p:stCondLst>
+                        <p:cond delay="indefinite"/>
+                      </p:stCondLst>
+                      <p:childTnLst>
+                        <p:par>
+                          <p:cTn id="12" fill="hold">
+                            <p:stCondLst>
+                              <p:cond delay="0"/>
+                            </p:stCondLst>
+                            <p:childTnLst>
+                              <p:par>
+                                <p:cTn id="13" presetID="1" presetClass="entr" presetSubtype="0" fill="hold" grpId="0" nodeType="clickEffect">
+                                  <p:stCondLst>
+                                    <p:cond delay="0"/>
+                                  </p:stCondLst>
+                                  <p:childTnLst>
+                                    <p:set>
+                                      <p:cBhvr>
+                                        <p:cTn id="14" dur="1" fill="hold">
+                                          <p:stCondLst>
+                                            <p:cond delay="0"/>
+                                          </p:stCondLst>
+                                        </p:cTn>
+                                        <p:tgtEl>
+                                          <p:spTgt spid="3">
+                                            <p:txEl>
+                                              <p:pRg st="2" end="2"/>
+                                            </p:txEl>
+                                          </p:spTgt>
+                                        </p:tgtEl>
+                                        <p:attrNameLst>
+                                          <p:attrName>style.visibility</p:attrName>
+                                        </p:attrNameLst>
+                                      </p:cBhvr>
+                                      <p:to>
+                                        <p:strVal val="visible"/>
+                                      </p:to>
+                                    </p:set>
+                                  </p:childTnLst>
+                                </p:cTn>
+                              </p:par>
+                            </p:childTnLst>
+                          </p:cTn>
+                        </p:par>
+                      </p:childTnLst>
+                    </p:cTn>
+                  </p:par>
+                  <p:par>
+                    <p:cTn id="15" fill="hold">
+                      <p:stCondLst>
+                        <p:cond delay="indefinite"/>
+                      </p:stCondLst>
+                      <p:childTnLst>
+                        <p:par>
+                          <p:cTn id="16" fill="hold">
+                            <p:stCondLst>
+                              <p:cond delay="0"/>
+                            </p:stCondLst>
+                            <p:childTnLst>
+                              <p:par>
+                                <p:cTn id="17" presetID="1" presetClass="entr" presetSubtype="0" fill="hold" grpId="0" nodeType="clickEffect">
+                                  <p:stCondLst>
+                                    <p:cond delay="0"/>
+                                  </p:stCondLst>
+                                  <p:childTnLst>
+                                    <p:set>
+                                      <p:cBhvr>
+                                        <p:cTn id="18" dur="1" fill="hold">
+                                          <p:stCondLst>
+                                            <p:cond delay="0"/>
+                                          </p:stCondLst>
+                                        </p:cTn>
+                                        <p:tgtEl>
+                                          <p:spTgt spid="4"/>
+                                        </p:tgtEl>
+                                        <p:attrNameLst>
+                                          <p:attrName>style.visibility</p:attrName>
+                                        </p:attrNameLst>
+                                      </p:cBhvr>
+                                      <p:to>
+                                        <p:strVal val="visible"/>
+                                      </p:to>
+                                    </p:set>
+                                  </p:childTnLst>
+                                </p:cTn>
+                              </p:par>
+                            </p:childTnLst>
+                          </p:cTn>
+                        </p:par>
+                      </p:childTnLst>
+                    </p:cTn>
+                  </p:par>
+                </p:childTnLst>
+              </p:cTn>
+              <p:prevCondLst>
+                <p:cond evt="onPrev" delay="0">
+                  <p:tgtEl>
+                    <p:sldTgt/>
+                  </p:tgtEl>
+                </p:cond>
+              </p:prevCondLst>
+              <p:nextCondLst>
+                <p:cond evt="onNext" delay="0">
+                  <p:tgtEl>
+                    <p:sldTgt/>
+                  </p:tgtEl>
+                </p:cond>
+              </p:nextCondLst>
+            </p:seq>
+          </p:childTnLst>
+        </p:cTn>
+      </p:par>
+    </p:tnLst>
+    <p:bldLst>
+      <p:bldP spid="3" grpId="0" build="p"/>
+      <p:bldP spid="4" grpId="0" animBg="1"/>
+    </p:bldLst>
+  </p:timing>
 </p:sld>
 </file>
 
-<file path=ppt/slides/slide5.xml><?xml version="1.0" encoding="utf-8"?>
+<file path=ppt/slides/slide8.xml><?xml version="1.0" encoding="utf-8"?>
 <p:sld xmlns:a="http://schemas.openxmlformats.org/drawingml/2006/main" xmlns:r="http://schemas.openxmlformats.org/officeDocument/2006/relationships" xmlns:p="http://schemas.openxmlformats.org/presentationml/2006/main">
   <p:cSld>
     <p:spTree>
@@ -5030,11 +9342,11 @@
               <a:t>	# File is guaranteed to close even when there is an </a:t>
             </a:r>
             <a:r>
-              <a:rPr lang="en-US" b="1" dirty="0" err="1">
+              <a:rPr lang="en-US" b="1" dirty="0">
                 <a:latin typeface="Consolas" panose="020B0609020204030204" pitchFamily="49" charset="0"/>
                 <a:cs typeface="Consolas" panose="020B0609020204030204" pitchFamily="49" charset="0"/>
               </a:rPr>
-              <a:t>Excpetion</a:t>
+              <a:t>Exception</a:t>
             </a:r>
             <a:endParaRPr lang="en-US" dirty="0">
               <a:latin typeface="Consolas" panose="020B0609020204030204" pitchFamily="49" charset="0"/>
@@ -5101,10 +9413,533 @@
   <p:clrMapOvr>
     <a:masterClrMapping/>
   </p:clrMapOvr>
+  <p:timing>
+    <p:tnLst>
+      <p:par>
+        <p:cTn id="1" dur="indefinite" restart="never" nodeType="tmRoot">
+          <p:childTnLst>
+            <p:seq concurrent="1" nextAc="seek">
+              <p:cTn id="2" dur="indefinite" nodeType="mainSeq">
+                <p:childTnLst>
+                  <p:par>
+                    <p:cTn id="3" fill="hold">
+                      <p:stCondLst>
+                        <p:cond delay="indefinite"/>
+                      </p:stCondLst>
+                      <p:childTnLst>
+                        <p:par>
+                          <p:cTn id="4" fill="hold">
+                            <p:stCondLst>
+                              <p:cond delay="0"/>
+                            </p:stCondLst>
+                            <p:childTnLst>
+                              <p:par>
+                                <p:cTn id="5" presetID="1" presetClass="entr" presetSubtype="0" fill="hold" grpId="0" nodeType="clickEffect">
+                                  <p:stCondLst>
+                                    <p:cond delay="0"/>
+                                  </p:stCondLst>
+                                  <p:childTnLst>
+                                    <p:set>
+                                      <p:cBhvr>
+                                        <p:cTn id="6" dur="1" fill="hold">
+                                          <p:stCondLst>
+                                            <p:cond delay="0"/>
+                                          </p:stCondLst>
+                                        </p:cTn>
+                                        <p:tgtEl>
+                                          <p:spTgt spid="3">
+                                            <p:txEl>
+                                              <p:pRg st="0" end="0"/>
+                                            </p:txEl>
+                                          </p:spTgt>
+                                        </p:tgtEl>
+                                        <p:attrNameLst>
+                                          <p:attrName>style.visibility</p:attrName>
+                                        </p:attrNameLst>
+                                      </p:cBhvr>
+                                      <p:to>
+                                        <p:strVal val="visible"/>
+                                      </p:to>
+                                    </p:set>
+                                  </p:childTnLst>
+                                </p:cTn>
+                              </p:par>
+                            </p:childTnLst>
+                          </p:cTn>
+                        </p:par>
+                      </p:childTnLst>
+                    </p:cTn>
+                  </p:par>
+                  <p:par>
+                    <p:cTn id="7" fill="hold">
+                      <p:stCondLst>
+                        <p:cond delay="indefinite"/>
+                      </p:stCondLst>
+                      <p:childTnLst>
+                        <p:par>
+                          <p:cTn id="8" fill="hold">
+                            <p:stCondLst>
+                              <p:cond delay="0"/>
+                            </p:stCondLst>
+                            <p:childTnLst>
+                              <p:par>
+                                <p:cTn id="9" presetID="1" presetClass="entr" presetSubtype="0" fill="hold" grpId="0" nodeType="clickEffect">
+                                  <p:stCondLst>
+                                    <p:cond delay="0"/>
+                                  </p:stCondLst>
+                                  <p:childTnLst>
+                                    <p:set>
+                                      <p:cBhvr>
+                                        <p:cTn id="10" dur="1" fill="hold">
+                                          <p:stCondLst>
+                                            <p:cond delay="0"/>
+                                          </p:stCondLst>
+                                        </p:cTn>
+                                        <p:tgtEl>
+                                          <p:spTgt spid="3">
+                                            <p:txEl>
+                                              <p:pRg st="1" end="1"/>
+                                            </p:txEl>
+                                          </p:spTgt>
+                                        </p:tgtEl>
+                                        <p:attrNameLst>
+                                          <p:attrName>style.visibility</p:attrName>
+                                        </p:attrNameLst>
+                                      </p:cBhvr>
+                                      <p:to>
+                                        <p:strVal val="visible"/>
+                                      </p:to>
+                                    </p:set>
+                                  </p:childTnLst>
+                                </p:cTn>
+                              </p:par>
+                            </p:childTnLst>
+                          </p:cTn>
+                        </p:par>
+                      </p:childTnLst>
+                    </p:cTn>
+                  </p:par>
+                  <p:par>
+                    <p:cTn id="11" fill="hold">
+                      <p:stCondLst>
+                        <p:cond delay="indefinite"/>
+                      </p:stCondLst>
+                      <p:childTnLst>
+                        <p:par>
+                          <p:cTn id="12" fill="hold">
+                            <p:stCondLst>
+                              <p:cond delay="0"/>
+                            </p:stCondLst>
+                            <p:childTnLst>
+                              <p:par>
+                                <p:cTn id="13" presetID="1" presetClass="entr" presetSubtype="0" fill="hold" grpId="0" nodeType="clickEffect">
+                                  <p:stCondLst>
+                                    <p:cond delay="0"/>
+                                  </p:stCondLst>
+                                  <p:childTnLst>
+                                    <p:set>
+                                      <p:cBhvr>
+                                        <p:cTn id="14" dur="1" fill="hold">
+                                          <p:stCondLst>
+                                            <p:cond delay="0"/>
+                                          </p:stCondLst>
+                                        </p:cTn>
+                                        <p:tgtEl>
+                                          <p:spTgt spid="3">
+                                            <p:txEl>
+                                              <p:pRg st="2" end="2"/>
+                                            </p:txEl>
+                                          </p:spTgt>
+                                        </p:tgtEl>
+                                        <p:attrNameLst>
+                                          <p:attrName>style.visibility</p:attrName>
+                                        </p:attrNameLst>
+                                      </p:cBhvr>
+                                      <p:to>
+                                        <p:strVal val="visible"/>
+                                      </p:to>
+                                    </p:set>
+                                  </p:childTnLst>
+                                </p:cTn>
+                              </p:par>
+                            </p:childTnLst>
+                          </p:cTn>
+                        </p:par>
+                      </p:childTnLst>
+                    </p:cTn>
+                  </p:par>
+                  <p:par>
+                    <p:cTn id="15" fill="hold">
+                      <p:stCondLst>
+                        <p:cond delay="indefinite"/>
+                      </p:stCondLst>
+                      <p:childTnLst>
+                        <p:par>
+                          <p:cTn id="16" fill="hold">
+                            <p:stCondLst>
+                              <p:cond delay="0"/>
+                            </p:stCondLst>
+                            <p:childTnLst>
+                              <p:par>
+                                <p:cTn id="17" presetID="1" presetClass="entr" presetSubtype="0" fill="hold" grpId="0" nodeType="clickEffect">
+                                  <p:stCondLst>
+                                    <p:cond delay="0"/>
+                                  </p:stCondLst>
+                                  <p:childTnLst>
+                                    <p:set>
+                                      <p:cBhvr>
+                                        <p:cTn id="18" dur="1" fill="hold">
+                                          <p:stCondLst>
+                                            <p:cond delay="0"/>
+                                          </p:stCondLst>
+                                        </p:cTn>
+                                        <p:tgtEl>
+                                          <p:spTgt spid="3">
+                                            <p:txEl>
+                                              <p:pRg st="3" end="3"/>
+                                            </p:txEl>
+                                          </p:spTgt>
+                                        </p:tgtEl>
+                                        <p:attrNameLst>
+                                          <p:attrName>style.visibility</p:attrName>
+                                        </p:attrNameLst>
+                                      </p:cBhvr>
+                                      <p:to>
+                                        <p:strVal val="visible"/>
+                                      </p:to>
+                                    </p:set>
+                                  </p:childTnLst>
+                                </p:cTn>
+                              </p:par>
+                            </p:childTnLst>
+                          </p:cTn>
+                        </p:par>
+                      </p:childTnLst>
+                    </p:cTn>
+                  </p:par>
+                  <p:par>
+                    <p:cTn id="19" fill="hold">
+                      <p:stCondLst>
+                        <p:cond delay="indefinite"/>
+                      </p:stCondLst>
+                      <p:childTnLst>
+                        <p:par>
+                          <p:cTn id="20" fill="hold">
+                            <p:stCondLst>
+                              <p:cond delay="0"/>
+                            </p:stCondLst>
+                            <p:childTnLst>
+                              <p:par>
+                                <p:cTn id="21" presetID="1" presetClass="entr" presetSubtype="0" fill="hold" grpId="0" nodeType="clickEffect">
+                                  <p:stCondLst>
+                                    <p:cond delay="0"/>
+                                  </p:stCondLst>
+                                  <p:childTnLst>
+                                    <p:set>
+                                      <p:cBhvr>
+                                        <p:cTn id="22" dur="1" fill="hold">
+                                          <p:stCondLst>
+                                            <p:cond delay="0"/>
+                                          </p:stCondLst>
+                                        </p:cTn>
+                                        <p:tgtEl>
+                                          <p:spTgt spid="3">
+                                            <p:txEl>
+                                              <p:pRg st="5" end="5"/>
+                                            </p:txEl>
+                                          </p:spTgt>
+                                        </p:tgtEl>
+                                        <p:attrNameLst>
+                                          <p:attrName>style.visibility</p:attrName>
+                                        </p:attrNameLst>
+                                      </p:cBhvr>
+                                      <p:to>
+                                        <p:strVal val="visible"/>
+                                      </p:to>
+                                    </p:set>
+                                  </p:childTnLst>
+                                </p:cTn>
+                              </p:par>
+                            </p:childTnLst>
+                          </p:cTn>
+                        </p:par>
+                      </p:childTnLst>
+                    </p:cTn>
+                  </p:par>
+                  <p:par>
+                    <p:cTn id="23" fill="hold">
+                      <p:stCondLst>
+                        <p:cond delay="indefinite"/>
+                      </p:stCondLst>
+                      <p:childTnLst>
+                        <p:par>
+                          <p:cTn id="24" fill="hold">
+                            <p:stCondLst>
+                              <p:cond delay="0"/>
+                            </p:stCondLst>
+                            <p:childTnLst>
+                              <p:par>
+                                <p:cTn id="25" presetID="1" presetClass="entr" presetSubtype="0" fill="hold" grpId="0" nodeType="clickEffect">
+                                  <p:stCondLst>
+                                    <p:cond delay="0"/>
+                                  </p:stCondLst>
+                                  <p:childTnLst>
+                                    <p:set>
+                                      <p:cBhvr>
+                                        <p:cTn id="26" dur="1" fill="hold">
+                                          <p:stCondLst>
+                                            <p:cond delay="0"/>
+                                          </p:stCondLst>
+                                        </p:cTn>
+                                        <p:tgtEl>
+                                          <p:spTgt spid="3">
+                                            <p:txEl>
+                                              <p:pRg st="6" end="6"/>
+                                            </p:txEl>
+                                          </p:spTgt>
+                                        </p:tgtEl>
+                                        <p:attrNameLst>
+                                          <p:attrName>style.visibility</p:attrName>
+                                        </p:attrNameLst>
+                                      </p:cBhvr>
+                                      <p:to>
+                                        <p:strVal val="visible"/>
+                                      </p:to>
+                                    </p:set>
+                                  </p:childTnLst>
+                                </p:cTn>
+                              </p:par>
+                            </p:childTnLst>
+                          </p:cTn>
+                        </p:par>
+                      </p:childTnLst>
+                    </p:cTn>
+                  </p:par>
+                  <p:par>
+                    <p:cTn id="27" fill="hold">
+                      <p:stCondLst>
+                        <p:cond delay="indefinite"/>
+                      </p:stCondLst>
+                      <p:childTnLst>
+                        <p:par>
+                          <p:cTn id="28" fill="hold">
+                            <p:stCondLst>
+                              <p:cond delay="0"/>
+                            </p:stCondLst>
+                            <p:childTnLst>
+                              <p:par>
+                                <p:cTn id="29" presetID="1" presetClass="entr" presetSubtype="0" fill="hold" grpId="0" nodeType="clickEffect">
+                                  <p:stCondLst>
+                                    <p:cond delay="0"/>
+                                  </p:stCondLst>
+                                  <p:childTnLst>
+                                    <p:set>
+                                      <p:cBhvr>
+                                        <p:cTn id="30" dur="1" fill="hold">
+                                          <p:stCondLst>
+                                            <p:cond delay="0"/>
+                                          </p:stCondLst>
+                                        </p:cTn>
+                                        <p:tgtEl>
+                                          <p:spTgt spid="3">
+                                            <p:txEl>
+                                              <p:pRg st="7" end="7"/>
+                                            </p:txEl>
+                                          </p:spTgt>
+                                        </p:tgtEl>
+                                        <p:attrNameLst>
+                                          <p:attrName>style.visibility</p:attrName>
+                                        </p:attrNameLst>
+                                      </p:cBhvr>
+                                      <p:to>
+                                        <p:strVal val="visible"/>
+                                      </p:to>
+                                    </p:set>
+                                  </p:childTnLst>
+                                </p:cTn>
+                              </p:par>
+                            </p:childTnLst>
+                          </p:cTn>
+                        </p:par>
+                      </p:childTnLst>
+                    </p:cTn>
+                  </p:par>
+                  <p:par>
+                    <p:cTn id="31" fill="hold">
+                      <p:stCondLst>
+                        <p:cond delay="indefinite"/>
+                      </p:stCondLst>
+                      <p:childTnLst>
+                        <p:par>
+                          <p:cTn id="32" fill="hold">
+                            <p:stCondLst>
+                              <p:cond delay="0"/>
+                            </p:stCondLst>
+                            <p:childTnLst>
+                              <p:par>
+                                <p:cTn id="33" presetID="1" presetClass="entr" presetSubtype="0" fill="hold" grpId="0" nodeType="clickEffect">
+                                  <p:stCondLst>
+                                    <p:cond delay="0"/>
+                                  </p:stCondLst>
+                                  <p:childTnLst>
+                                    <p:set>
+                                      <p:cBhvr>
+                                        <p:cTn id="34" dur="1" fill="hold">
+                                          <p:stCondLst>
+                                            <p:cond delay="0"/>
+                                          </p:stCondLst>
+                                        </p:cTn>
+                                        <p:tgtEl>
+                                          <p:spTgt spid="3">
+                                            <p:txEl>
+                                              <p:pRg st="8" end="8"/>
+                                            </p:txEl>
+                                          </p:spTgt>
+                                        </p:tgtEl>
+                                        <p:attrNameLst>
+                                          <p:attrName>style.visibility</p:attrName>
+                                        </p:attrNameLst>
+                                      </p:cBhvr>
+                                      <p:to>
+                                        <p:strVal val="visible"/>
+                                      </p:to>
+                                    </p:set>
+                                  </p:childTnLst>
+                                </p:cTn>
+                              </p:par>
+                            </p:childTnLst>
+                          </p:cTn>
+                        </p:par>
+                      </p:childTnLst>
+                    </p:cTn>
+                  </p:par>
+                  <p:par>
+                    <p:cTn id="35" fill="hold">
+                      <p:stCondLst>
+                        <p:cond delay="indefinite"/>
+                      </p:stCondLst>
+                      <p:childTnLst>
+                        <p:par>
+                          <p:cTn id="36" fill="hold">
+                            <p:stCondLst>
+                              <p:cond delay="0"/>
+                            </p:stCondLst>
+                            <p:childTnLst>
+                              <p:par>
+                                <p:cTn id="37" presetID="1" presetClass="entr" presetSubtype="0" fill="hold" grpId="0" nodeType="clickEffect">
+                                  <p:stCondLst>
+                                    <p:cond delay="0"/>
+                                  </p:stCondLst>
+                                  <p:childTnLst>
+                                    <p:set>
+                                      <p:cBhvr>
+                                        <p:cTn id="38" dur="1" fill="hold">
+                                          <p:stCondLst>
+                                            <p:cond delay="0"/>
+                                          </p:stCondLst>
+                                        </p:cTn>
+                                        <p:tgtEl>
+                                          <p:spTgt spid="3">
+                                            <p:txEl>
+                                              <p:pRg st="9" end="9"/>
+                                            </p:txEl>
+                                          </p:spTgt>
+                                        </p:tgtEl>
+                                        <p:attrNameLst>
+                                          <p:attrName>style.visibility</p:attrName>
+                                        </p:attrNameLst>
+                                      </p:cBhvr>
+                                      <p:to>
+                                        <p:strVal val="visible"/>
+                                      </p:to>
+                                    </p:set>
+                                  </p:childTnLst>
+                                </p:cTn>
+                              </p:par>
+                            </p:childTnLst>
+                          </p:cTn>
+                        </p:par>
+                      </p:childTnLst>
+                    </p:cTn>
+                  </p:par>
+                  <p:par>
+                    <p:cTn id="39" fill="hold">
+                      <p:stCondLst>
+                        <p:cond delay="indefinite"/>
+                      </p:stCondLst>
+                      <p:childTnLst>
+                        <p:par>
+                          <p:cTn id="40" fill="hold">
+                            <p:stCondLst>
+                              <p:cond delay="0"/>
+                            </p:stCondLst>
+                            <p:childTnLst>
+                              <p:par>
+                                <p:cTn id="41" presetID="1" presetClass="entr" presetSubtype="0" fill="hold" grpId="0" nodeType="clickEffect">
+                                  <p:stCondLst>
+                                    <p:cond delay="0"/>
+                                  </p:stCondLst>
+                                  <p:childTnLst>
+                                    <p:set>
+                                      <p:cBhvr>
+                                        <p:cTn id="42" dur="1" fill="hold">
+                                          <p:stCondLst>
+                                            <p:cond delay="0"/>
+                                          </p:stCondLst>
+                                        </p:cTn>
+                                        <p:tgtEl>
+                                          <p:spTgt spid="3">
+                                            <p:txEl>
+                                              <p:pRg st="12" end="12"/>
+                                            </p:txEl>
+                                          </p:spTgt>
+                                        </p:tgtEl>
+                                        <p:attrNameLst>
+                                          <p:attrName>style.visibility</p:attrName>
+                                        </p:attrNameLst>
+                                      </p:cBhvr>
+                                      <p:to>
+                                        <p:strVal val="visible"/>
+                                      </p:to>
+                                    </p:set>
+                                  </p:childTnLst>
+                                </p:cTn>
+                              </p:par>
+                            </p:childTnLst>
+                          </p:cTn>
+                        </p:par>
+                      </p:childTnLst>
+                    </p:cTn>
+                  </p:par>
+                </p:childTnLst>
+              </p:cTn>
+              <p:prevCondLst>
+                <p:cond evt="onPrev" delay="0">
+                  <p:tgtEl>
+                    <p:sldTgt/>
+                  </p:tgtEl>
+                </p:cond>
+              </p:prevCondLst>
+              <p:nextCondLst>
+                <p:cond evt="onNext" delay="0">
+                  <p:tgtEl>
+                    <p:sldTgt/>
+                  </p:tgtEl>
+                </p:cond>
+              </p:nextCondLst>
+            </p:seq>
+          </p:childTnLst>
+        </p:cTn>
+      </p:par>
+    </p:tnLst>
+    <p:bldLst>
+      <p:bldP spid="3" grpId="0" build="p"/>
+    </p:bldLst>
+  </p:timing>
 </p:sld>
 </file>
 
-<file path=ppt/slides/slide6.xml><?xml version="1.0" encoding="utf-8"?>
+<file path=ppt/slides/slide9.xml><?xml version="1.0" encoding="utf-8"?>
 <p:sld xmlns:a="http://schemas.openxmlformats.org/drawingml/2006/main" xmlns:r="http://schemas.openxmlformats.org/officeDocument/2006/relationships" xmlns:p="http://schemas.openxmlformats.org/presentationml/2006/main">
   <p:cSld>
     <p:spTree>
@@ -5364,546 +10199,325 @@
   <p:clrMapOvr>
     <a:masterClrMapping/>
   </p:clrMapOvr>
-</p:sld>
-</file>
-
-<file path=ppt/slides/slide7.xml><?xml version="1.0" encoding="utf-8"?>
-<p:sld xmlns:a="http://schemas.openxmlformats.org/drawingml/2006/main" xmlns:r="http://schemas.openxmlformats.org/officeDocument/2006/relationships" xmlns:p="http://schemas.openxmlformats.org/presentationml/2006/main">
-  <p:cSld>
-    <p:spTree>
-      <p:nvGrpSpPr>
-        <p:cNvPr id="1" name=""/>
-        <p:cNvGrpSpPr/>
-        <p:nvPr/>
-      </p:nvGrpSpPr>
-      <p:grpSpPr>
-        <a:xfrm>
-          <a:off x="0" y="0"/>
-          <a:ext cx="0" cy="0"/>
-          <a:chOff x="0" y="0"/>
-          <a:chExt cx="0" cy="0"/>
-        </a:xfrm>
-      </p:grpSpPr>
-      <p:sp>
-        <p:nvSpPr>
-          <p:cNvPr id="2" name="Title 1">
-            <a:extLst>
-              <a:ext uri="{FF2B5EF4-FFF2-40B4-BE49-F238E27FC236}">
-                <a16:creationId xmlns:a16="http://schemas.microsoft.com/office/drawing/2014/main" id="{CB5CD084-3BA3-EC4E-89AA-286454879AD9}"/>
-              </a:ext>
-            </a:extLst>
-          </p:cNvPr>
-          <p:cNvSpPr>
-            <a:spLocks noGrp="1"/>
-          </p:cNvSpPr>
-          <p:nvPr>
-            <p:ph type="title"/>
-          </p:nvPr>
-        </p:nvSpPr>
-        <p:spPr/>
-        <p:txBody>
-          <a:bodyPr/>
-          <a:lstStyle/>
-          <a:p>
-            <a:r>
-              <a:rPr lang="en-US" dirty="0"/>
-              <a:t>Read data from file</a:t>
-            </a:r>
-          </a:p>
-        </p:txBody>
-      </p:sp>
-      <p:sp>
-        <p:nvSpPr>
-          <p:cNvPr id="3" name="Content Placeholder 2">
-            <a:extLst>
-              <a:ext uri="{FF2B5EF4-FFF2-40B4-BE49-F238E27FC236}">
-                <a16:creationId xmlns:a16="http://schemas.microsoft.com/office/drawing/2014/main" id="{D9EACBE7-67FC-CB42-B244-0EA7E1087D7B}"/>
-              </a:ext>
-            </a:extLst>
-          </p:cNvPr>
-          <p:cNvSpPr>
-            <a:spLocks noGrp="1"/>
-          </p:cNvSpPr>
-          <p:nvPr>
-            <p:ph idx="1"/>
-          </p:nvPr>
-        </p:nvSpPr>
-        <p:spPr/>
-        <p:txBody>
-          <a:bodyPr>
-            <a:normAutofit fontScale="92500" lnSpcReduction="10000"/>
-          </a:bodyPr>
-          <a:lstStyle/>
-          <a:p>
-            <a:pPr marL="0" indent="0">
-              <a:buNone/>
-            </a:pPr>
-            <a:r>
-              <a:rPr lang="en-US" sz="3200" dirty="0">
-                <a:latin typeface="Consolas" panose="020B0609020204030204" pitchFamily="49" charset="0"/>
-                <a:cs typeface="Consolas" panose="020B0609020204030204" pitchFamily="49" charset="0"/>
-              </a:rPr>
-              <a:t>data = </a:t>
-            </a:r>
-            <a:r>
-              <a:rPr lang="en-US" sz="3200" dirty="0" err="1">
-                <a:latin typeface="Consolas" panose="020B0609020204030204" pitchFamily="49" charset="0"/>
-                <a:cs typeface="Consolas" panose="020B0609020204030204" pitchFamily="49" charset="0"/>
-              </a:rPr>
-              <a:t>fd.read</a:t>
-            </a:r>
-            <a:r>
-              <a:rPr lang="en-US" sz="3200" dirty="0">
-                <a:latin typeface="Consolas" panose="020B0609020204030204" pitchFamily="49" charset="0"/>
-                <a:cs typeface="Consolas" panose="020B0609020204030204" pitchFamily="49" charset="0"/>
-              </a:rPr>
-              <a:t>()</a:t>
-            </a:r>
-          </a:p>
-          <a:p>
-            <a:r>
-              <a:rPr lang="en-US" dirty="0"/>
-              <a:t>Read entire file as a string</a:t>
-            </a:r>
-          </a:p>
-          <a:p>
-            <a:r>
-              <a:rPr lang="en-US" dirty="0"/>
-              <a:t>Careful when you handle </a:t>
-            </a:r>
-            <a:r>
-              <a:rPr lang="en-US" i="1" dirty="0"/>
-              <a:t>large</a:t>
-            </a:r>
-            <a:r>
-              <a:rPr lang="en-US" dirty="0"/>
-              <a:t> files</a:t>
-            </a:r>
-          </a:p>
-          <a:p>
-            <a:endParaRPr lang="en-US" dirty="0"/>
-          </a:p>
-          <a:p>
-            <a:pPr marL="0" indent="0">
-              <a:buNone/>
-            </a:pPr>
-            <a:r>
-              <a:rPr lang="en-US" sz="3500" dirty="0">
-                <a:latin typeface="Consolas" panose="020B0609020204030204" pitchFamily="49" charset="0"/>
-                <a:cs typeface="Consolas" panose="020B0609020204030204" pitchFamily="49" charset="0"/>
-              </a:rPr>
-              <a:t>data = </a:t>
-            </a:r>
-            <a:r>
-              <a:rPr lang="en-US" sz="3500" dirty="0" err="1">
-                <a:latin typeface="Consolas" panose="020B0609020204030204" pitchFamily="49" charset="0"/>
-                <a:cs typeface="Consolas" panose="020B0609020204030204" pitchFamily="49" charset="0"/>
-              </a:rPr>
-              <a:t>fd.readline</a:t>
-            </a:r>
-            <a:r>
-              <a:rPr lang="en-US" sz="3500" dirty="0">
-                <a:latin typeface="Consolas" panose="020B0609020204030204" pitchFamily="49" charset="0"/>
-                <a:cs typeface="Consolas" panose="020B0609020204030204" pitchFamily="49" charset="0"/>
-              </a:rPr>
-              <a:t>()</a:t>
-            </a:r>
-          </a:p>
-          <a:p>
-            <a:r>
-              <a:rPr lang="en-US" dirty="0"/>
-              <a:t>Read one line of file as a string</a:t>
-            </a:r>
-            <a:endParaRPr lang="en-US" dirty="0">
-              <a:latin typeface="Consolas" panose="020B0609020204030204" pitchFamily="49" charset="0"/>
-              <a:cs typeface="Consolas" panose="020B0609020204030204" pitchFamily="49" charset="0"/>
-            </a:endParaRPr>
-          </a:p>
-          <a:p>
-            <a:pPr marL="0" indent="0">
-              <a:buNone/>
-            </a:pPr>
-            <a:endParaRPr lang="en-US" dirty="0"/>
-          </a:p>
-          <a:p>
-            <a:pPr marL="0" indent="0">
-              <a:buNone/>
-            </a:pPr>
-            <a:r>
-              <a:rPr lang="en-US" sz="3500" dirty="0">
-                <a:latin typeface="Consolas" panose="020B0609020204030204" pitchFamily="49" charset="0"/>
-                <a:cs typeface="Consolas" panose="020B0609020204030204" pitchFamily="49" charset="0"/>
-              </a:rPr>
-              <a:t>data = </a:t>
-            </a:r>
-            <a:r>
-              <a:rPr lang="en-US" sz="3500" dirty="0" err="1">
-                <a:latin typeface="Consolas" panose="020B0609020204030204" pitchFamily="49" charset="0"/>
-                <a:cs typeface="Consolas" panose="020B0609020204030204" pitchFamily="49" charset="0"/>
-              </a:rPr>
-              <a:t>fd.readlines</a:t>
-            </a:r>
-            <a:r>
-              <a:rPr lang="en-US" sz="3500" dirty="0">
-                <a:latin typeface="Consolas" panose="020B0609020204030204" pitchFamily="49" charset="0"/>
-                <a:cs typeface="Consolas" panose="020B0609020204030204" pitchFamily="49" charset="0"/>
-              </a:rPr>
-              <a:t>()</a:t>
-            </a:r>
-          </a:p>
-          <a:p>
-            <a:r>
-              <a:rPr lang="en-US" dirty="0"/>
-              <a:t>Read entire file as a list of lines of string</a:t>
-            </a:r>
-            <a:endParaRPr lang="en-US" dirty="0">
-              <a:latin typeface="Consolas" panose="020B0609020204030204" pitchFamily="49" charset="0"/>
-              <a:cs typeface="Consolas" panose="020B0609020204030204" pitchFamily="49" charset="0"/>
-            </a:endParaRPr>
-          </a:p>
-          <a:p>
-            <a:endParaRPr lang="en-US" dirty="0"/>
-          </a:p>
-        </p:txBody>
-      </p:sp>
-    </p:spTree>
-    <p:extLst>
-      <p:ext uri="{BB962C8B-B14F-4D97-AF65-F5344CB8AC3E}">
-        <p14:creationId xmlns:p14="http://schemas.microsoft.com/office/powerpoint/2010/main" val="2323235036"/>
-      </p:ext>
-    </p:extLst>
-  </p:cSld>
-  <p:clrMapOvr>
-    <a:masterClrMapping/>
-  </p:clrMapOvr>
-</p:sld>
-</file>
-
-<file path=ppt/slides/slide8.xml><?xml version="1.0" encoding="utf-8"?>
-<p:sld xmlns:a="http://schemas.openxmlformats.org/drawingml/2006/main" xmlns:r="http://schemas.openxmlformats.org/officeDocument/2006/relationships" xmlns:p="http://schemas.openxmlformats.org/presentationml/2006/main">
-  <p:cSld>
-    <p:spTree>
-      <p:nvGrpSpPr>
-        <p:cNvPr id="1" name=""/>
-        <p:cNvGrpSpPr/>
-        <p:nvPr/>
-      </p:nvGrpSpPr>
-      <p:grpSpPr>
-        <a:xfrm>
-          <a:off x="0" y="0"/>
-          <a:ext cx="0" cy="0"/>
-          <a:chOff x="0" y="0"/>
-          <a:chExt cx="0" cy="0"/>
-        </a:xfrm>
-      </p:grpSpPr>
-      <p:sp>
-        <p:nvSpPr>
-          <p:cNvPr id="2" name="Title 1">
-            <a:extLst>
-              <a:ext uri="{FF2B5EF4-FFF2-40B4-BE49-F238E27FC236}">
-                <a16:creationId xmlns:a16="http://schemas.microsoft.com/office/drawing/2014/main" id="{D33D86DE-A25C-2047-BF56-AC628A74273D}"/>
-              </a:ext>
-            </a:extLst>
-          </p:cNvPr>
-          <p:cNvSpPr>
-            <a:spLocks noGrp="1"/>
-          </p:cNvSpPr>
-          <p:nvPr>
-            <p:ph type="title"/>
-          </p:nvPr>
-        </p:nvSpPr>
-        <p:spPr/>
-        <p:txBody>
-          <a:bodyPr/>
-          <a:lstStyle/>
-          <a:p>
-            <a:r>
-              <a:rPr lang="en-US" dirty="0"/>
-              <a:t>Write data to file</a:t>
-            </a:r>
-          </a:p>
-        </p:txBody>
-      </p:sp>
-      <p:sp>
-        <p:nvSpPr>
-          <p:cNvPr id="3" name="Content Placeholder 2">
-            <a:extLst>
-              <a:ext uri="{FF2B5EF4-FFF2-40B4-BE49-F238E27FC236}">
-                <a16:creationId xmlns:a16="http://schemas.microsoft.com/office/drawing/2014/main" id="{ADC41A74-280A-5542-85B1-7B51A51E2AD1}"/>
-              </a:ext>
-            </a:extLst>
-          </p:cNvPr>
-          <p:cNvSpPr>
-            <a:spLocks noGrp="1"/>
-          </p:cNvSpPr>
-          <p:nvPr>
-            <p:ph idx="1"/>
-          </p:nvPr>
-        </p:nvSpPr>
-        <p:spPr/>
-        <p:txBody>
-          <a:bodyPr>
-            <a:normAutofit/>
-          </a:bodyPr>
-          <a:lstStyle/>
-          <a:p>
-            <a:pPr marL="0" indent="0">
-              <a:buNone/>
-            </a:pPr>
-            <a:endParaRPr lang="en-US" sz="3600" dirty="0">
-              <a:latin typeface="Consolas" panose="020B0609020204030204" pitchFamily="49" charset="0"/>
-              <a:cs typeface="Consolas" panose="020B0609020204030204" pitchFamily="49" charset="0"/>
-            </a:endParaRPr>
-          </a:p>
-          <a:p>
-            <a:pPr marL="0" indent="0">
-              <a:buNone/>
-            </a:pPr>
-            <a:endParaRPr lang="en-US" sz="3600" dirty="0">
-              <a:latin typeface="Consolas" panose="020B0609020204030204" pitchFamily="49" charset="0"/>
-              <a:cs typeface="Consolas" panose="020B0609020204030204" pitchFamily="49" charset="0"/>
-            </a:endParaRPr>
-          </a:p>
-          <a:p>
-            <a:pPr marL="0" indent="0">
-              <a:buNone/>
-            </a:pPr>
-            <a:r>
-              <a:rPr lang="en-US" sz="3200" dirty="0">
-                <a:latin typeface="Consolas" panose="020B0609020204030204" pitchFamily="49" charset="0"/>
-                <a:cs typeface="Consolas" panose="020B0609020204030204" pitchFamily="49" charset="0"/>
-              </a:rPr>
-              <a:t>bytes = </a:t>
-            </a:r>
-            <a:r>
-              <a:rPr lang="en-US" sz="3200" dirty="0" err="1">
-                <a:latin typeface="Consolas" panose="020B0609020204030204" pitchFamily="49" charset="0"/>
-                <a:cs typeface="Consolas" panose="020B0609020204030204" pitchFamily="49" charset="0"/>
-              </a:rPr>
-              <a:t>fd.write</a:t>
-            </a:r>
-            <a:r>
-              <a:rPr lang="en-US" sz="3200" dirty="0">
-                <a:latin typeface="Consolas" panose="020B0609020204030204" pitchFamily="49" charset="0"/>
-                <a:cs typeface="Consolas" panose="020B0609020204030204" pitchFamily="49" charset="0"/>
-              </a:rPr>
-              <a:t>(</a:t>
-            </a:r>
-            <a:r>
-              <a:rPr lang="en-US" sz="3200" dirty="0" err="1">
-                <a:latin typeface="Consolas" panose="020B0609020204030204" pitchFamily="49" charset="0"/>
-                <a:cs typeface="Consolas" panose="020B0609020204030204" pitchFamily="49" charset="0"/>
-              </a:rPr>
-              <a:t>data_as_string</a:t>
-            </a:r>
-            <a:r>
-              <a:rPr lang="en-US" sz="3200" dirty="0">
-                <a:latin typeface="Consolas" panose="020B0609020204030204" pitchFamily="49" charset="0"/>
-                <a:cs typeface="Consolas" panose="020B0609020204030204" pitchFamily="49" charset="0"/>
-              </a:rPr>
-              <a:t>)</a:t>
-            </a:r>
-          </a:p>
-          <a:p>
-            <a:r>
-              <a:rPr lang="en-US" dirty="0">
-                <a:latin typeface="Consolas" panose="020B0609020204030204" pitchFamily="49" charset="0"/>
-                <a:cs typeface="Consolas" panose="020B0609020204030204" pitchFamily="49" charset="0"/>
-              </a:rPr>
-              <a:t>Writes at current position</a:t>
-            </a:r>
-          </a:p>
-          <a:p>
-            <a:r>
-              <a:rPr lang="en-US" dirty="0">
-                <a:latin typeface="Consolas" panose="020B0609020204030204" pitchFamily="49" charset="0"/>
-                <a:cs typeface="Consolas" panose="020B0609020204030204" pitchFamily="49" charset="0"/>
-              </a:rPr>
-              <a:t>Returns the number of bytes successfully written</a:t>
-            </a:r>
-          </a:p>
-        </p:txBody>
-      </p:sp>
-    </p:spTree>
-    <p:extLst>
-      <p:ext uri="{BB962C8B-B14F-4D97-AF65-F5344CB8AC3E}">
-        <p14:creationId xmlns:p14="http://schemas.microsoft.com/office/powerpoint/2010/main" val="1978263679"/>
-      </p:ext>
-    </p:extLst>
-  </p:cSld>
-  <p:clrMapOvr>
-    <a:masterClrMapping/>
-  </p:clrMapOvr>
-</p:sld>
-</file>
-
-<file path=ppt/slides/slide9.xml><?xml version="1.0" encoding="utf-8"?>
-<p:sld xmlns:a="http://schemas.openxmlformats.org/drawingml/2006/main" xmlns:r="http://schemas.openxmlformats.org/officeDocument/2006/relationships" xmlns:p="http://schemas.openxmlformats.org/presentationml/2006/main">
-  <p:cSld>
-    <p:spTree>
-      <p:nvGrpSpPr>
-        <p:cNvPr id="1" name=""/>
-        <p:cNvGrpSpPr/>
-        <p:nvPr/>
-      </p:nvGrpSpPr>
-      <p:grpSpPr>
-        <a:xfrm>
-          <a:off x="0" y="0"/>
-          <a:ext cx="0" cy="0"/>
-          <a:chOff x="0" y="0"/>
-          <a:chExt cx="0" cy="0"/>
-        </a:xfrm>
-      </p:grpSpPr>
-      <p:sp>
-        <p:nvSpPr>
-          <p:cNvPr id="2" name="Title 1">
-            <a:extLst>
-              <a:ext uri="{FF2B5EF4-FFF2-40B4-BE49-F238E27FC236}">
-                <a16:creationId xmlns:a16="http://schemas.microsoft.com/office/drawing/2014/main" id="{9C5F584E-3BD4-F24F-857D-744C1E3A3509}"/>
-              </a:ext>
-            </a:extLst>
-          </p:cNvPr>
-          <p:cNvSpPr>
-            <a:spLocks noGrp="1"/>
-          </p:cNvSpPr>
-          <p:nvPr>
-            <p:ph type="title"/>
-          </p:nvPr>
-        </p:nvSpPr>
-        <p:spPr/>
-        <p:txBody>
-          <a:bodyPr/>
-          <a:lstStyle/>
-          <a:p>
-            <a:r>
-              <a:rPr lang="en-US" dirty="0"/>
-              <a:t>Position</a:t>
-            </a:r>
-          </a:p>
-        </p:txBody>
-      </p:sp>
-      <p:sp>
-        <p:nvSpPr>
-          <p:cNvPr id="3" name="Content Placeholder 2">
-            <a:extLst>
-              <a:ext uri="{FF2B5EF4-FFF2-40B4-BE49-F238E27FC236}">
-                <a16:creationId xmlns:a16="http://schemas.microsoft.com/office/drawing/2014/main" id="{12F1143A-1452-1240-8FBA-EDBFA481A391}"/>
-              </a:ext>
-            </a:extLst>
-          </p:cNvPr>
-          <p:cNvSpPr>
-            <a:spLocks noGrp="1"/>
-          </p:cNvSpPr>
-          <p:nvPr>
-            <p:ph idx="1"/>
-          </p:nvPr>
-        </p:nvSpPr>
-        <p:spPr/>
-        <p:txBody>
-          <a:bodyPr/>
-          <a:lstStyle/>
-          <a:p>
-            <a:pPr marL="0" indent="0">
-              <a:buNone/>
-            </a:pPr>
-            <a:r>
-              <a:rPr lang="en-US" sz="3200" dirty="0" err="1">
-                <a:latin typeface="Consolas" panose="020B0609020204030204" pitchFamily="49" charset="0"/>
-                <a:cs typeface="Consolas" panose="020B0609020204030204" pitchFamily="49" charset="0"/>
-              </a:rPr>
-              <a:t>current_position</a:t>
-            </a:r>
-            <a:r>
-              <a:rPr lang="en-US" sz="3200" dirty="0">
-                <a:latin typeface="Consolas" panose="020B0609020204030204" pitchFamily="49" charset="0"/>
-                <a:cs typeface="Consolas" panose="020B0609020204030204" pitchFamily="49" charset="0"/>
-              </a:rPr>
-              <a:t> = </a:t>
-            </a:r>
-            <a:r>
-              <a:rPr lang="en-US" sz="3200" dirty="0" err="1">
-                <a:latin typeface="Consolas" panose="020B0609020204030204" pitchFamily="49" charset="0"/>
-                <a:cs typeface="Consolas" panose="020B0609020204030204" pitchFamily="49" charset="0"/>
-              </a:rPr>
-              <a:t>fd.tell</a:t>
-            </a:r>
-            <a:r>
-              <a:rPr lang="en-US" sz="3200" dirty="0">
-                <a:latin typeface="Consolas" panose="020B0609020204030204" pitchFamily="49" charset="0"/>
-                <a:cs typeface="Consolas" panose="020B0609020204030204" pitchFamily="49" charset="0"/>
-              </a:rPr>
-              <a:t>()</a:t>
-            </a:r>
-          </a:p>
-          <a:p>
-            <a:pPr marL="0" indent="0">
-              <a:buNone/>
-            </a:pPr>
-            <a:endParaRPr lang="en-US" dirty="0"/>
-          </a:p>
-          <a:p>
-            <a:pPr marL="0" indent="0">
-              <a:buNone/>
-            </a:pPr>
-            <a:endParaRPr lang="en-US" dirty="0"/>
-          </a:p>
-          <a:p>
-            <a:pPr marL="0" indent="0">
-              <a:buNone/>
-            </a:pPr>
-            <a:r>
-              <a:rPr lang="en-US" sz="3200" dirty="0" err="1">
-                <a:latin typeface="Consolas" panose="020B0609020204030204" pitchFamily="49" charset="0"/>
-                <a:cs typeface="Consolas" panose="020B0609020204030204" pitchFamily="49" charset="0"/>
-              </a:rPr>
-              <a:t>fd.seek</a:t>
-            </a:r>
-            <a:r>
-              <a:rPr lang="en-US" sz="3200" dirty="0">
-                <a:latin typeface="Consolas" panose="020B0609020204030204" pitchFamily="49" charset="0"/>
-                <a:cs typeface="Consolas" panose="020B0609020204030204" pitchFamily="49" charset="0"/>
-              </a:rPr>
-              <a:t>(offset: int, position: int)</a:t>
-            </a:r>
-          </a:p>
-          <a:p>
-            <a:r>
-              <a:rPr lang="en-US" dirty="0">
-                <a:latin typeface="Consolas" panose="020B0609020204030204" pitchFamily="49" charset="0"/>
-                <a:cs typeface="Consolas" panose="020B0609020204030204" pitchFamily="49" charset="0"/>
-              </a:rPr>
-              <a:t>position</a:t>
-            </a:r>
-            <a:r>
-              <a:rPr lang="en-US" dirty="0"/>
-              <a:t> can be 0 (Begin), 1 (Current), 2 (End)</a:t>
-            </a:r>
-          </a:p>
-          <a:p>
-            <a:r>
-              <a:rPr lang="en-US" dirty="0"/>
-              <a:t>Next read or write will happen from </a:t>
-            </a:r>
-            <a:r>
-              <a:rPr lang="en-US" dirty="0">
-                <a:latin typeface="Consolas" panose="020B0609020204030204" pitchFamily="49" charset="0"/>
-                <a:cs typeface="Consolas" panose="020B0609020204030204" pitchFamily="49" charset="0"/>
-              </a:rPr>
-              <a:t>position + offset</a:t>
-            </a:r>
-          </a:p>
-        </p:txBody>
-      </p:sp>
-    </p:spTree>
-    <p:extLst>
-      <p:ext uri="{BB962C8B-B14F-4D97-AF65-F5344CB8AC3E}">
-        <p14:creationId xmlns:p14="http://schemas.microsoft.com/office/powerpoint/2010/main" val="3591412184"/>
-      </p:ext>
-    </p:extLst>
-  </p:cSld>
-  <p:clrMapOvr>
-    <a:masterClrMapping/>
-  </p:clrMapOvr>
+  <p:timing>
+    <p:tnLst>
+      <p:par>
+        <p:cTn id="1" dur="indefinite" restart="never" nodeType="tmRoot">
+          <p:childTnLst>
+            <p:seq concurrent="1" nextAc="seek">
+              <p:cTn id="2" dur="indefinite" nodeType="mainSeq">
+                <p:childTnLst>
+                  <p:par>
+                    <p:cTn id="3" fill="hold">
+                      <p:stCondLst>
+                        <p:cond delay="indefinite"/>
+                      </p:stCondLst>
+                      <p:childTnLst>
+                        <p:par>
+                          <p:cTn id="4" fill="hold">
+                            <p:stCondLst>
+                              <p:cond delay="0"/>
+                            </p:stCondLst>
+                            <p:childTnLst>
+                              <p:par>
+                                <p:cTn id="5" presetID="1" presetClass="entr" presetSubtype="0" fill="hold" grpId="0" nodeType="clickEffect">
+                                  <p:stCondLst>
+                                    <p:cond delay="0"/>
+                                  </p:stCondLst>
+                                  <p:childTnLst>
+                                    <p:set>
+                                      <p:cBhvr>
+                                        <p:cTn id="6" dur="1" fill="hold">
+                                          <p:stCondLst>
+                                            <p:cond delay="0"/>
+                                          </p:stCondLst>
+                                        </p:cTn>
+                                        <p:tgtEl>
+                                          <p:spTgt spid="3">
+                                            <p:txEl>
+                                              <p:pRg st="0" end="0"/>
+                                            </p:txEl>
+                                          </p:spTgt>
+                                        </p:tgtEl>
+                                        <p:attrNameLst>
+                                          <p:attrName>style.visibility</p:attrName>
+                                        </p:attrNameLst>
+                                      </p:cBhvr>
+                                      <p:to>
+                                        <p:strVal val="visible"/>
+                                      </p:to>
+                                    </p:set>
+                                  </p:childTnLst>
+                                </p:cTn>
+                              </p:par>
+                            </p:childTnLst>
+                          </p:cTn>
+                        </p:par>
+                      </p:childTnLst>
+                    </p:cTn>
+                  </p:par>
+                  <p:par>
+                    <p:cTn id="7" fill="hold">
+                      <p:stCondLst>
+                        <p:cond delay="indefinite"/>
+                      </p:stCondLst>
+                      <p:childTnLst>
+                        <p:par>
+                          <p:cTn id="8" fill="hold">
+                            <p:stCondLst>
+                              <p:cond delay="0"/>
+                            </p:stCondLst>
+                            <p:childTnLst>
+                              <p:par>
+                                <p:cTn id="9" presetID="1" presetClass="entr" presetSubtype="0" fill="hold" grpId="0" nodeType="clickEffect">
+                                  <p:stCondLst>
+                                    <p:cond delay="0"/>
+                                  </p:stCondLst>
+                                  <p:childTnLst>
+                                    <p:set>
+                                      <p:cBhvr>
+                                        <p:cTn id="10" dur="1" fill="hold">
+                                          <p:stCondLst>
+                                            <p:cond delay="0"/>
+                                          </p:stCondLst>
+                                        </p:cTn>
+                                        <p:tgtEl>
+                                          <p:spTgt spid="3">
+                                            <p:txEl>
+                                              <p:pRg st="1" end="1"/>
+                                            </p:txEl>
+                                          </p:spTgt>
+                                        </p:tgtEl>
+                                        <p:attrNameLst>
+                                          <p:attrName>style.visibility</p:attrName>
+                                        </p:attrNameLst>
+                                      </p:cBhvr>
+                                      <p:to>
+                                        <p:strVal val="visible"/>
+                                      </p:to>
+                                    </p:set>
+                                  </p:childTnLst>
+                                </p:cTn>
+                              </p:par>
+                            </p:childTnLst>
+                          </p:cTn>
+                        </p:par>
+                      </p:childTnLst>
+                    </p:cTn>
+                  </p:par>
+                  <p:par>
+                    <p:cTn id="11" fill="hold">
+                      <p:stCondLst>
+                        <p:cond delay="indefinite"/>
+                      </p:stCondLst>
+                      <p:childTnLst>
+                        <p:par>
+                          <p:cTn id="12" fill="hold">
+                            <p:stCondLst>
+                              <p:cond delay="0"/>
+                            </p:stCondLst>
+                            <p:childTnLst>
+                              <p:par>
+                                <p:cTn id="13" presetID="1" presetClass="entr" presetSubtype="0" fill="hold" grpId="0" nodeType="clickEffect">
+                                  <p:stCondLst>
+                                    <p:cond delay="0"/>
+                                  </p:stCondLst>
+                                  <p:childTnLst>
+                                    <p:set>
+                                      <p:cBhvr>
+                                        <p:cTn id="14" dur="1" fill="hold">
+                                          <p:stCondLst>
+                                            <p:cond delay="0"/>
+                                          </p:stCondLst>
+                                        </p:cTn>
+                                        <p:tgtEl>
+                                          <p:spTgt spid="3">
+                                            <p:txEl>
+                                              <p:pRg st="2" end="2"/>
+                                            </p:txEl>
+                                          </p:spTgt>
+                                        </p:tgtEl>
+                                        <p:attrNameLst>
+                                          <p:attrName>style.visibility</p:attrName>
+                                        </p:attrNameLst>
+                                      </p:cBhvr>
+                                      <p:to>
+                                        <p:strVal val="visible"/>
+                                      </p:to>
+                                    </p:set>
+                                  </p:childTnLst>
+                                </p:cTn>
+                              </p:par>
+                              <p:par>
+                                <p:cTn id="15" presetID="1" presetClass="entr" presetSubtype="0" fill="hold" grpId="0" nodeType="withEffect">
+                                  <p:stCondLst>
+                                    <p:cond delay="0"/>
+                                  </p:stCondLst>
+                                  <p:childTnLst>
+                                    <p:set>
+                                      <p:cBhvr>
+                                        <p:cTn id="16" dur="1" fill="hold">
+                                          <p:stCondLst>
+                                            <p:cond delay="0"/>
+                                          </p:stCondLst>
+                                        </p:cTn>
+                                        <p:tgtEl>
+                                          <p:spTgt spid="3">
+                                            <p:txEl>
+                                              <p:pRg st="3" end="3"/>
+                                            </p:txEl>
+                                          </p:spTgt>
+                                        </p:tgtEl>
+                                        <p:attrNameLst>
+                                          <p:attrName>style.visibility</p:attrName>
+                                        </p:attrNameLst>
+                                      </p:cBhvr>
+                                      <p:to>
+                                        <p:strVal val="visible"/>
+                                      </p:to>
+                                    </p:set>
+                                  </p:childTnLst>
+                                </p:cTn>
+                              </p:par>
+                              <p:par>
+                                <p:cTn id="17" presetID="1" presetClass="entr" presetSubtype="0" fill="hold" grpId="0" nodeType="withEffect">
+                                  <p:stCondLst>
+                                    <p:cond delay="0"/>
+                                  </p:stCondLst>
+                                  <p:childTnLst>
+                                    <p:set>
+                                      <p:cBhvr>
+                                        <p:cTn id="18" dur="1" fill="hold">
+                                          <p:stCondLst>
+                                            <p:cond delay="0"/>
+                                          </p:stCondLst>
+                                        </p:cTn>
+                                        <p:tgtEl>
+                                          <p:spTgt spid="3">
+                                            <p:txEl>
+                                              <p:pRg st="4" end="4"/>
+                                            </p:txEl>
+                                          </p:spTgt>
+                                        </p:tgtEl>
+                                        <p:attrNameLst>
+                                          <p:attrName>style.visibility</p:attrName>
+                                        </p:attrNameLst>
+                                      </p:cBhvr>
+                                      <p:to>
+                                        <p:strVal val="visible"/>
+                                      </p:to>
+                                    </p:set>
+                                  </p:childTnLst>
+                                </p:cTn>
+                              </p:par>
+                              <p:par>
+                                <p:cTn id="19" presetID="1" presetClass="entr" presetSubtype="0" fill="hold" grpId="0" nodeType="withEffect">
+                                  <p:stCondLst>
+                                    <p:cond delay="0"/>
+                                  </p:stCondLst>
+                                  <p:childTnLst>
+                                    <p:set>
+                                      <p:cBhvr>
+                                        <p:cTn id="20" dur="1" fill="hold">
+                                          <p:stCondLst>
+                                            <p:cond delay="0"/>
+                                          </p:stCondLst>
+                                        </p:cTn>
+                                        <p:tgtEl>
+                                          <p:spTgt spid="3">
+                                            <p:txEl>
+                                              <p:pRg st="5" end="5"/>
+                                            </p:txEl>
+                                          </p:spTgt>
+                                        </p:tgtEl>
+                                        <p:attrNameLst>
+                                          <p:attrName>style.visibility</p:attrName>
+                                        </p:attrNameLst>
+                                      </p:cBhvr>
+                                      <p:to>
+                                        <p:strVal val="visible"/>
+                                      </p:to>
+                                    </p:set>
+                                  </p:childTnLst>
+                                </p:cTn>
+                              </p:par>
+                            </p:childTnLst>
+                          </p:cTn>
+                        </p:par>
+                      </p:childTnLst>
+                    </p:cTn>
+                  </p:par>
+                  <p:par>
+                    <p:cTn id="21" fill="hold">
+                      <p:stCondLst>
+                        <p:cond delay="indefinite"/>
+                      </p:stCondLst>
+                      <p:childTnLst>
+                        <p:par>
+                          <p:cTn id="22" fill="hold">
+                            <p:stCondLst>
+                              <p:cond delay="0"/>
+                            </p:stCondLst>
+                            <p:childTnLst>
+                              <p:par>
+                                <p:cTn id="23" presetID="1" presetClass="entr" presetSubtype="0" fill="hold" grpId="0" nodeType="clickEffect">
+                                  <p:stCondLst>
+                                    <p:cond delay="0"/>
+                                  </p:stCondLst>
+                                  <p:childTnLst>
+                                    <p:set>
+                                      <p:cBhvr>
+                                        <p:cTn id="24" dur="1" fill="hold">
+                                          <p:stCondLst>
+                                            <p:cond delay="0"/>
+                                          </p:stCondLst>
+                                        </p:cTn>
+                                        <p:tgtEl>
+                                          <p:spTgt spid="5"/>
+                                        </p:tgtEl>
+                                        <p:attrNameLst>
+                                          <p:attrName>style.visibility</p:attrName>
+                                        </p:attrNameLst>
+                                      </p:cBhvr>
+                                      <p:to>
+                                        <p:strVal val="visible"/>
+                                      </p:to>
+                                    </p:set>
+                                  </p:childTnLst>
+                                </p:cTn>
+                              </p:par>
+                            </p:childTnLst>
+                          </p:cTn>
+                        </p:par>
+                      </p:childTnLst>
+                    </p:cTn>
+                  </p:par>
+                </p:childTnLst>
+              </p:cTn>
+              <p:prevCondLst>
+                <p:cond evt="onPrev" delay="0">
+                  <p:tgtEl>
+                    <p:sldTgt/>
+                  </p:tgtEl>
+                </p:cond>
+              </p:prevCondLst>
+              <p:nextCondLst>
+                <p:cond evt="onNext" delay="0">
+                  <p:tgtEl>
+                    <p:sldTgt/>
+                  </p:tgtEl>
+                </p:cond>
+              </p:nextCondLst>
+            </p:seq>
+          </p:childTnLst>
+        </p:cTn>
+      </p:par>
+    </p:tnLst>
+    <p:bldLst>
+      <p:bldP spid="3" grpId="0" build="p"/>
+      <p:bldP spid="5" grpId="0" animBg="1"/>
+    </p:bldLst>
+  </p:timing>
 </p:sld>
 </file>
 

--- a/fundamentals/9-Type conversion, Files, doctest.pptx
+++ b/fundamentals/9-Type conversion, Files, doctest.pptx
@@ -17,10 +17,13 @@
     <p:sldId id="260" r:id="rId11"/>
     <p:sldId id="261" r:id="rId12"/>
     <p:sldId id="263" r:id="rId13"/>
-    <p:sldId id="266" r:id="rId14"/>
-    <p:sldId id="267" r:id="rId15"/>
-    <p:sldId id="268" r:id="rId16"/>
-    <p:sldId id="264" r:id="rId17"/>
+    <p:sldId id="296" r:id="rId14"/>
+    <p:sldId id="297" r:id="rId15"/>
+    <p:sldId id="298" r:id="rId16"/>
+    <p:sldId id="266" r:id="rId17"/>
+    <p:sldId id="267" r:id="rId18"/>
+    <p:sldId id="268" r:id="rId19"/>
+    <p:sldId id="264" r:id="rId20"/>
   </p:sldIdLst>
   <p:sldSz cx="12192000" cy="6858000"/>
   <p:notesSz cx="6858000" cy="9144000"/>
@@ -276,7 +279,7 @@
           <a:p>
             <a:fld id="{B302FF2A-D2B5-8B4F-BDBF-6F9493847AEA}" type="datetimeFigureOut">
               <a:rPr lang="en-US" smtClean="0"/>
-              <a:t>8/31/20</a:t>
+              <a:t>9/9/20</a:t>
             </a:fld>
             <a:endParaRPr lang="en-US"/>
           </a:p>
@@ -476,7 +479,7 @@
           <a:p>
             <a:fld id="{B302FF2A-D2B5-8B4F-BDBF-6F9493847AEA}" type="datetimeFigureOut">
               <a:rPr lang="en-US" smtClean="0"/>
-              <a:t>8/31/20</a:t>
+              <a:t>9/9/20</a:t>
             </a:fld>
             <a:endParaRPr lang="en-US"/>
           </a:p>
@@ -686,7 +689,7 @@
           <a:p>
             <a:fld id="{B302FF2A-D2B5-8B4F-BDBF-6F9493847AEA}" type="datetimeFigureOut">
               <a:rPr lang="en-US" smtClean="0"/>
-              <a:t>8/31/20</a:t>
+              <a:t>9/9/20</a:t>
             </a:fld>
             <a:endParaRPr lang="en-US"/>
           </a:p>
@@ -886,7 +889,7 @@
           <a:p>
             <a:fld id="{B302FF2A-D2B5-8B4F-BDBF-6F9493847AEA}" type="datetimeFigureOut">
               <a:rPr lang="en-US" smtClean="0"/>
-              <a:t>8/31/20</a:t>
+              <a:t>9/9/20</a:t>
             </a:fld>
             <a:endParaRPr lang="en-US"/>
           </a:p>
@@ -1162,7 +1165,7 @@
           <a:p>
             <a:fld id="{B302FF2A-D2B5-8B4F-BDBF-6F9493847AEA}" type="datetimeFigureOut">
               <a:rPr lang="en-US" smtClean="0"/>
-              <a:t>8/31/20</a:t>
+              <a:t>9/9/20</a:t>
             </a:fld>
             <a:endParaRPr lang="en-US"/>
           </a:p>
@@ -1430,7 +1433,7 @@
           <a:p>
             <a:fld id="{B302FF2A-D2B5-8B4F-BDBF-6F9493847AEA}" type="datetimeFigureOut">
               <a:rPr lang="en-US" smtClean="0"/>
-              <a:t>8/31/20</a:t>
+              <a:t>9/9/20</a:t>
             </a:fld>
             <a:endParaRPr lang="en-US"/>
           </a:p>
@@ -1845,7 +1848,7 @@
           <a:p>
             <a:fld id="{B302FF2A-D2B5-8B4F-BDBF-6F9493847AEA}" type="datetimeFigureOut">
               <a:rPr lang="en-US" smtClean="0"/>
-              <a:t>8/31/20</a:t>
+              <a:t>9/9/20</a:t>
             </a:fld>
             <a:endParaRPr lang="en-US"/>
           </a:p>
@@ -1987,7 +1990,7 @@
           <a:p>
             <a:fld id="{B302FF2A-D2B5-8B4F-BDBF-6F9493847AEA}" type="datetimeFigureOut">
               <a:rPr lang="en-US" smtClean="0"/>
-              <a:t>8/31/20</a:t>
+              <a:t>9/9/20</a:t>
             </a:fld>
             <a:endParaRPr lang="en-US"/>
           </a:p>
@@ -2100,7 +2103,7 @@
           <a:p>
             <a:fld id="{B302FF2A-D2B5-8B4F-BDBF-6F9493847AEA}" type="datetimeFigureOut">
               <a:rPr lang="en-US" smtClean="0"/>
-              <a:t>8/31/20</a:t>
+              <a:t>9/9/20</a:t>
             </a:fld>
             <a:endParaRPr lang="en-US"/>
           </a:p>
@@ -2413,7 +2416,7 @@
           <a:p>
             <a:fld id="{B302FF2A-D2B5-8B4F-BDBF-6F9493847AEA}" type="datetimeFigureOut">
               <a:rPr lang="en-US" smtClean="0"/>
-              <a:t>8/31/20</a:t>
+              <a:t>9/9/20</a:t>
             </a:fld>
             <a:endParaRPr lang="en-US"/>
           </a:p>
@@ -2702,7 +2705,7 @@
           <a:p>
             <a:fld id="{B302FF2A-D2B5-8B4F-BDBF-6F9493847AEA}" type="datetimeFigureOut">
               <a:rPr lang="en-US" smtClean="0"/>
-              <a:t>8/31/20</a:t>
+              <a:t>9/9/20</a:t>
             </a:fld>
             <a:endParaRPr lang="en-US"/>
           </a:p>
@@ -2945,7 +2948,7 @@
           <a:p>
             <a:fld id="{B302FF2A-D2B5-8B4F-BDBF-6F9493847AEA}" type="datetimeFigureOut">
               <a:rPr lang="en-US" smtClean="0"/>
-              <a:t>8/31/20</a:t>
+              <a:t>9/9/20</a:t>
             </a:fld>
             <a:endParaRPr lang="en-US"/>
           </a:p>
@@ -4813,6 +4816,1538 @@
 </file>
 
 <file path=ppt/slides/slide13.xml><?xml version="1.0" encoding="utf-8"?>
+<p:sld xmlns:a="http://schemas.openxmlformats.org/drawingml/2006/main" xmlns:r="http://schemas.openxmlformats.org/officeDocument/2006/relationships" xmlns:p="http://schemas.openxmlformats.org/presentationml/2006/main">
+  <p:cSld>
+    <p:spTree>
+      <p:nvGrpSpPr>
+        <p:cNvPr id="1" name=""/>
+        <p:cNvGrpSpPr/>
+        <p:nvPr/>
+      </p:nvGrpSpPr>
+      <p:grpSpPr>
+        <a:xfrm>
+          <a:off x="0" y="0"/>
+          <a:ext cx="0" cy="0"/>
+          <a:chOff x="0" y="0"/>
+          <a:chExt cx="0" cy="0"/>
+        </a:xfrm>
+      </p:grpSpPr>
+      <p:sp>
+        <p:nvSpPr>
+          <p:cNvPr id="2" name="Title 1">
+            <a:extLst>
+              <a:ext uri="{FF2B5EF4-FFF2-40B4-BE49-F238E27FC236}">
+                <a16:creationId xmlns:a16="http://schemas.microsoft.com/office/drawing/2014/main" id="{32ACAF41-63B1-7041-BB7C-51C6BC594005}"/>
+              </a:ext>
+            </a:extLst>
+          </p:cNvPr>
+          <p:cNvSpPr>
+            <a:spLocks noGrp="1"/>
+          </p:cNvSpPr>
+          <p:nvPr>
+            <p:ph type="title"/>
+          </p:nvPr>
+        </p:nvSpPr>
+        <p:spPr/>
+        <p:txBody>
+          <a:bodyPr/>
+          <a:lstStyle/>
+          <a:p>
+            <a:r>
+              <a:rPr lang="en-US" dirty="0"/>
+              <a:t>Error handling</a:t>
+            </a:r>
+          </a:p>
+        </p:txBody>
+      </p:sp>
+      <p:sp>
+        <p:nvSpPr>
+          <p:cNvPr id="3" name="Content Placeholder 2">
+            <a:extLst>
+              <a:ext uri="{FF2B5EF4-FFF2-40B4-BE49-F238E27FC236}">
+                <a16:creationId xmlns:a16="http://schemas.microsoft.com/office/drawing/2014/main" id="{B9D94924-1F84-CD42-851E-D55781B09A79}"/>
+              </a:ext>
+            </a:extLst>
+          </p:cNvPr>
+          <p:cNvSpPr>
+            <a:spLocks noGrp="1"/>
+          </p:cNvSpPr>
+          <p:nvPr>
+            <p:ph idx="1"/>
+          </p:nvPr>
+        </p:nvSpPr>
+        <p:spPr/>
+        <p:txBody>
+          <a:bodyPr/>
+          <a:lstStyle/>
+          <a:p>
+            <a:r>
+              <a:rPr lang="en-US" dirty="0"/>
+              <a:t>How many </a:t>
+            </a:r>
+            <a:r>
+              <a:rPr lang="en-US" i="1" dirty="0"/>
+              <a:t>kinds</a:t>
+            </a:r>
+            <a:r>
+              <a:rPr lang="en-US" dirty="0"/>
+              <a:t> of errors can you hit ?</a:t>
+            </a:r>
+          </a:p>
+          <a:p>
+            <a:endParaRPr lang="en-US" dirty="0"/>
+          </a:p>
+          <a:p>
+            <a:r>
+              <a:rPr lang="en-US" dirty="0"/>
+              <a:t>Syntax error</a:t>
+            </a:r>
+          </a:p>
+          <a:p>
+            <a:endParaRPr lang="en-US" dirty="0"/>
+          </a:p>
+          <a:p>
+            <a:r>
+              <a:rPr lang="en-US" dirty="0"/>
+              <a:t>Run-time error</a:t>
+            </a:r>
+          </a:p>
+          <a:p>
+            <a:pPr lvl="1"/>
+            <a:r>
+              <a:rPr lang="en-US" dirty="0"/>
+              <a:t>Called </a:t>
+            </a:r>
+            <a:r>
+              <a:rPr lang="en-US" i="1" dirty="0"/>
+              <a:t>Exception</a:t>
+            </a:r>
+            <a:endParaRPr lang="en-US" dirty="0"/>
+          </a:p>
+        </p:txBody>
+      </p:sp>
+    </p:spTree>
+    <p:extLst>
+      <p:ext uri="{BB962C8B-B14F-4D97-AF65-F5344CB8AC3E}">
+        <p14:creationId xmlns:p14="http://schemas.microsoft.com/office/powerpoint/2010/main" val="4288745605"/>
+      </p:ext>
+    </p:extLst>
+  </p:cSld>
+  <p:clrMapOvr>
+    <a:masterClrMapping/>
+  </p:clrMapOvr>
+  <p:timing>
+    <p:tnLst>
+      <p:par>
+        <p:cTn id="1" dur="indefinite" restart="never" nodeType="tmRoot">
+          <p:childTnLst>
+            <p:seq concurrent="1" nextAc="seek">
+              <p:cTn id="2" dur="indefinite" nodeType="mainSeq">
+                <p:childTnLst>
+                  <p:par>
+                    <p:cTn id="3" fill="hold">
+                      <p:stCondLst>
+                        <p:cond delay="indefinite"/>
+                      </p:stCondLst>
+                      <p:childTnLst>
+                        <p:par>
+                          <p:cTn id="4" fill="hold">
+                            <p:stCondLst>
+                              <p:cond delay="0"/>
+                            </p:stCondLst>
+                            <p:childTnLst>
+                              <p:par>
+                                <p:cTn id="5" presetID="1" presetClass="entr" presetSubtype="0" fill="hold" grpId="0" nodeType="clickEffect">
+                                  <p:stCondLst>
+                                    <p:cond delay="0"/>
+                                  </p:stCondLst>
+                                  <p:childTnLst>
+                                    <p:set>
+                                      <p:cBhvr>
+                                        <p:cTn id="6" dur="1" fill="hold">
+                                          <p:stCondLst>
+                                            <p:cond delay="0"/>
+                                          </p:stCondLst>
+                                        </p:cTn>
+                                        <p:tgtEl>
+                                          <p:spTgt spid="3">
+                                            <p:txEl>
+                                              <p:pRg st="0" end="0"/>
+                                            </p:txEl>
+                                          </p:spTgt>
+                                        </p:tgtEl>
+                                        <p:attrNameLst>
+                                          <p:attrName>style.visibility</p:attrName>
+                                        </p:attrNameLst>
+                                      </p:cBhvr>
+                                      <p:to>
+                                        <p:strVal val="visible"/>
+                                      </p:to>
+                                    </p:set>
+                                  </p:childTnLst>
+                                </p:cTn>
+                              </p:par>
+                            </p:childTnLst>
+                          </p:cTn>
+                        </p:par>
+                      </p:childTnLst>
+                    </p:cTn>
+                  </p:par>
+                  <p:par>
+                    <p:cTn id="7" fill="hold">
+                      <p:stCondLst>
+                        <p:cond delay="indefinite"/>
+                      </p:stCondLst>
+                      <p:childTnLst>
+                        <p:par>
+                          <p:cTn id="8" fill="hold">
+                            <p:stCondLst>
+                              <p:cond delay="0"/>
+                            </p:stCondLst>
+                            <p:childTnLst>
+                              <p:par>
+                                <p:cTn id="9" presetID="1" presetClass="entr" presetSubtype="0" fill="hold" grpId="0" nodeType="clickEffect">
+                                  <p:stCondLst>
+                                    <p:cond delay="0"/>
+                                  </p:stCondLst>
+                                  <p:childTnLst>
+                                    <p:set>
+                                      <p:cBhvr>
+                                        <p:cTn id="10" dur="1" fill="hold">
+                                          <p:stCondLst>
+                                            <p:cond delay="0"/>
+                                          </p:stCondLst>
+                                        </p:cTn>
+                                        <p:tgtEl>
+                                          <p:spTgt spid="3">
+                                            <p:txEl>
+                                              <p:pRg st="2" end="2"/>
+                                            </p:txEl>
+                                          </p:spTgt>
+                                        </p:tgtEl>
+                                        <p:attrNameLst>
+                                          <p:attrName>style.visibility</p:attrName>
+                                        </p:attrNameLst>
+                                      </p:cBhvr>
+                                      <p:to>
+                                        <p:strVal val="visible"/>
+                                      </p:to>
+                                    </p:set>
+                                  </p:childTnLst>
+                                </p:cTn>
+                              </p:par>
+                            </p:childTnLst>
+                          </p:cTn>
+                        </p:par>
+                      </p:childTnLst>
+                    </p:cTn>
+                  </p:par>
+                  <p:par>
+                    <p:cTn id="11" fill="hold">
+                      <p:stCondLst>
+                        <p:cond delay="indefinite"/>
+                      </p:stCondLst>
+                      <p:childTnLst>
+                        <p:par>
+                          <p:cTn id="12" fill="hold">
+                            <p:stCondLst>
+                              <p:cond delay="0"/>
+                            </p:stCondLst>
+                            <p:childTnLst>
+                              <p:par>
+                                <p:cTn id="13" presetID="1" presetClass="entr" presetSubtype="0" fill="hold" grpId="0" nodeType="clickEffect">
+                                  <p:stCondLst>
+                                    <p:cond delay="0"/>
+                                  </p:stCondLst>
+                                  <p:childTnLst>
+                                    <p:set>
+                                      <p:cBhvr>
+                                        <p:cTn id="14" dur="1" fill="hold">
+                                          <p:stCondLst>
+                                            <p:cond delay="0"/>
+                                          </p:stCondLst>
+                                        </p:cTn>
+                                        <p:tgtEl>
+                                          <p:spTgt spid="3">
+                                            <p:txEl>
+                                              <p:pRg st="4" end="4"/>
+                                            </p:txEl>
+                                          </p:spTgt>
+                                        </p:tgtEl>
+                                        <p:attrNameLst>
+                                          <p:attrName>style.visibility</p:attrName>
+                                        </p:attrNameLst>
+                                      </p:cBhvr>
+                                      <p:to>
+                                        <p:strVal val="visible"/>
+                                      </p:to>
+                                    </p:set>
+                                  </p:childTnLst>
+                                </p:cTn>
+                              </p:par>
+                              <p:par>
+                                <p:cTn id="15" presetID="1" presetClass="entr" presetSubtype="0" fill="hold" grpId="0" nodeType="withEffect">
+                                  <p:stCondLst>
+                                    <p:cond delay="0"/>
+                                  </p:stCondLst>
+                                  <p:childTnLst>
+                                    <p:set>
+                                      <p:cBhvr>
+                                        <p:cTn id="16" dur="1" fill="hold">
+                                          <p:stCondLst>
+                                            <p:cond delay="0"/>
+                                          </p:stCondLst>
+                                        </p:cTn>
+                                        <p:tgtEl>
+                                          <p:spTgt spid="3">
+                                            <p:txEl>
+                                              <p:pRg st="5" end="5"/>
+                                            </p:txEl>
+                                          </p:spTgt>
+                                        </p:tgtEl>
+                                        <p:attrNameLst>
+                                          <p:attrName>style.visibility</p:attrName>
+                                        </p:attrNameLst>
+                                      </p:cBhvr>
+                                      <p:to>
+                                        <p:strVal val="visible"/>
+                                      </p:to>
+                                    </p:set>
+                                  </p:childTnLst>
+                                </p:cTn>
+                              </p:par>
+                            </p:childTnLst>
+                          </p:cTn>
+                        </p:par>
+                      </p:childTnLst>
+                    </p:cTn>
+                  </p:par>
+                  <p:par>
+                    <p:cTn id="17" fill="hold">
+                      <p:stCondLst>
+                        <p:cond delay="indefinite"/>
+                      </p:stCondLst>
+                      <p:childTnLst>
+                        <p:par>
+                          <p:cTn id="18" fill="hold">
+                            <p:stCondLst>
+                              <p:cond delay="0"/>
+                            </p:stCondLst>
+                            <p:childTnLst>
+                              <p:par>
+                                <p:cTn id="19" presetID="1" presetClass="entr" presetSubtype="0" fill="hold" nodeType="clickEffect">
+                                  <p:stCondLst>
+                                    <p:cond delay="0"/>
+                                  </p:stCondLst>
+                                  <p:childTnLst>
+                                    <p:set>
+                                      <p:cBhvr>
+                                        <p:cTn id="20" dur="1" fill="hold">
+                                          <p:stCondLst>
+                                            <p:cond delay="0"/>
+                                          </p:stCondLst>
+                                        </p:cTn>
+                                        <p:tgtEl>
+                                          <p:spTgt spid="3">
+                                            <p:txEl>
+                                              <p:pRg st="5" end="5"/>
+                                            </p:txEl>
+                                          </p:spTgt>
+                                        </p:tgtEl>
+                                        <p:attrNameLst>
+                                          <p:attrName>style.visibility</p:attrName>
+                                        </p:attrNameLst>
+                                      </p:cBhvr>
+                                      <p:to>
+                                        <p:strVal val="visible"/>
+                                      </p:to>
+                                    </p:set>
+                                  </p:childTnLst>
+                                </p:cTn>
+                              </p:par>
+                            </p:childTnLst>
+                          </p:cTn>
+                        </p:par>
+                      </p:childTnLst>
+                    </p:cTn>
+                  </p:par>
+                </p:childTnLst>
+              </p:cTn>
+              <p:prevCondLst>
+                <p:cond evt="onPrev" delay="0">
+                  <p:tgtEl>
+                    <p:sldTgt/>
+                  </p:tgtEl>
+                </p:cond>
+              </p:prevCondLst>
+              <p:nextCondLst>
+                <p:cond evt="onNext" delay="0">
+                  <p:tgtEl>
+                    <p:sldTgt/>
+                  </p:tgtEl>
+                </p:cond>
+              </p:nextCondLst>
+            </p:seq>
+          </p:childTnLst>
+        </p:cTn>
+      </p:par>
+    </p:tnLst>
+    <p:bldLst>
+      <p:bldP spid="3" grpId="0" build="p"/>
+    </p:bldLst>
+  </p:timing>
+</p:sld>
+</file>
+
+<file path=ppt/slides/slide14.xml><?xml version="1.0" encoding="utf-8"?>
+<p:sld xmlns:a="http://schemas.openxmlformats.org/drawingml/2006/main" xmlns:r="http://schemas.openxmlformats.org/officeDocument/2006/relationships" xmlns:p="http://schemas.openxmlformats.org/presentationml/2006/main">
+  <p:cSld>
+    <p:spTree>
+      <p:nvGrpSpPr>
+        <p:cNvPr id="1" name=""/>
+        <p:cNvGrpSpPr/>
+        <p:nvPr/>
+      </p:nvGrpSpPr>
+      <p:grpSpPr>
+        <a:xfrm>
+          <a:off x="0" y="0"/>
+          <a:ext cx="0" cy="0"/>
+          <a:chOff x="0" y="0"/>
+          <a:chExt cx="0" cy="0"/>
+        </a:xfrm>
+      </p:grpSpPr>
+      <p:sp>
+        <p:nvSpPr>
+          <p:cNvPr id="2" name="Title 1">
+            <a:extLst>
+              <a:ext uri="{FF2B5EF4-FFF2-40B4-BE49-F238E27FC236}">
+                <a16:creationId xmlns:a16="http://schemas.microsoft.com/office/drawing/2014/main" id="{3174B68C-0328-1A49-B795-E3B2AD196C38}"/>
+              </a:ext>
+            </a:extLst>
+          </p:cNvPr>
+          <p:cNvSpPr>
+            <a:spLocks noGrp="1"/>
+          </p:cNvSpPr>
+          <p:nvPr>
+            <p:ph type="title"/>
+          </p:nvPr>
+        </p:nvSpPr>
+        <p:spPr/>
+        <p:txBody>
+          <a:bodyPr/>
+          <a:lstStyle/>
+          <a:p>
+            <a:r>
+              <a:rPr lang="en-US" dirty="0"/>
+              <a:t>Exceptions</a:t>
+            </a:r>
+          </a:p>
+        </p:txBody>
+      </p:sp>
+      <p:sp>
+        <p:nvSpPr>
+          <p:cNvPr id="3" name="Content Placeholder 2">
+            <a:extLst>
+              <a:ext uri="{FF2B5EF4-FFF2-40B4-BE49-F238E27FC236}">
+                <a16:creationId xmlns:a16="http://schemas.microsoft.com/office/drawing/2014/main" id="{1BB207B3-AC34-0745-BE59-115EFBED6536}"/>
+              </a:ext>
+            </a:extLst>
+          </p:cNvPr>
+          <p:cNvSpPr>
+            <a:spLocks noGrp="1"/>
+          </p:cNvSpPr>
+          <p:nvPr>
+            <p:ph idx="1"/>
+          </p:nvPr>
+        </p:nvSpPr>
+        <p:spPr/>
+        <p:txBody>
+          <a:bodyPr>
+            <a:normAutofit fontScale="92500" lnSpcReduction="20000"/>
+          </a:bodyPr>
+          <a:lstStyle/>
+          <a:p>
+            <a:pPr marL="0" indent="0">
+              <a:buNone/>
+            </a:pPr>
+            <a:r>
+              <a:rPr lang="en-GB" dirty="0"/>
+              <a:t>&gt;&gt;&gt; 1 / 0 </a:t>
+            </a:r>
+          </a:p>
+          <a:p>
+            <a:pPr marL="0" indent="0">
+              <a:buNone/>
+            </a:pPr>
+            <a:r>
+              <a:rPr lang="en-GB" dirty="0"/>
+              <a:t>Traceback (most recent call last): File "&lt;stdin&gt;", line 1, in &lt;module&gt; </a:t>
+            </a:r>
+            <a:r>
+              <a:rPr lang="en-GB" dirty="0" err="1"/>
+              <a:t>ZeroDivisionError</a:t>
+            </a:r>
+            <a:r>
+              <a:rPr lang="en-GB" dirty="0"/>
+              <a:t>: division by zero </a:t>
+            </a:r>
+          </a:p>
+          <a:p>
+            <a:pPr marL="0" indent="0">
+              <a:buNone/>
+            </a:pPr>
+            <a:endParaRPr lang="en-GB" dirty="0"/>
+          </a:p>
+          <a:p>
+            <a:pPr marL="0" indent="0">
+              <a:buNone/>
+            </a:pPr>
+            <a:r>
+              <a:rPr lang="en-GB" dirty="0"/>
+              <a:t>&gt;&gt;&gt; 4 + spam*3 </a:t>
+            </a:r>
+          </a:p>
+          <a:p>
+            <a:pPr marL="0" indent="0">
+              <a:buNone/>
+            </a:pPr>
+            <a:r>
+              <a:rPr lang="en-GB" dirty="0"/>
+              <a:t>Traceback (most recent call last): File "&lt;stdin&gt;", line 1, in &lt;module&gt; </a:t>
+            </a:r>
+            <a:r>
+              <a:rPr lang="en-GB" dirty="0" err="1"/>
+              <a:t>NameError</a:t>
+            </a:r>
+            <a:r>
+              <a:rPr lang="en-GB" dirty="0"/>
+              <a:t>: name 'spam' is not defined </a:t>
+            </a:r>
+          </a:p>
+          <a:p>
+            <a:pPr marL="0" indent="0">
+              <a:buNone/>
+            </a:pPr>
+            <a:endParaRPr lang="en-GB" dirty="0"/>
+          </a:p>
+          <a:p>
+            <a:pPr marL="0" indent="0">
+              <a:buNone/>
+            </a:pPr>
+            <a:r>
+              <a:rPr lang="en-GB" dirty="0"/>
+              <a:t>&gt;&gt;&gt; '2' + 2 </a:t>
+            </a:r>
+          </a:p>
+          <a:p>
+            <a:pPr marL="0" indent="0">
+              <a:buNone/>
+            </a:pPr>
+            <a:r>
+              <a:rPr lang="en-GB" dirty="0"/>
+              <a:t>Traceback (most recent call last): File "&lt;stdin&gt;", line 1, in &lt;module&gt; </a:t>
+            </a:r>
+            <a:r>
+              <a:rPr lang="en-GB" dirty="0" err="1"/>
+              <a:t>TypeError</a:t>
+            </a:r>
+            <a:r>
+              <a:rPr lang="en-GB" dirty="0"/>
+              <a:t>: Can't convert 'int' object to str implicitly</a:t>
+            </a:r>
+            <a:endParaRPr lang="en-US" dirty="0"/>
+          </a:p>
+        </p:txBody>
+      </p:sp>
+    </p:spTree>
+    <p:extLst>
+      <p:ext uri="{BB962C8B-B14F-4D97-AF65-F5344CB8AC3E}">
+        <p14:creationId xmlns:p14="http://schemas.microsoft.com/office/powerpoint/2010/main" val="3291435860"/>
+      </p:ext>
+    </p:extLst>
+  </p:cSld>
+  <p:clrMapOvr>
+    <a:masterClrMapping/>
+  </p:clrMapOvr>
+  <p:timing>
+    <p:tnLst>
+      <p:par>
+        <p:cTn id="1" dur="indefinite" restart="never" nodeType="tmRoot">
+          <p:childTnLst>
+            <p:seq concurrent="1" nextAc="seek">
+              <p:cTn id="2" dur="indefinite" nodeType="mainSeq">
+                <p:childTnLst>
+                  <p:par>
+                    <p:cTn id="3" fill="hold">
+                      <p:stCondLst>
+                        <p:cond delay="indefinite"/>
+                      </p:stCondLst>
+                      <p:childTnLst>
+                        <p:par>
+                          <p:cTn id="4" fill="hold">
+                            <p:stCondLst>
+                              <p:cond delay="0"/>
+                            </p:stCondLst>
+                            <p:childTnLst>
+                              <p:par>
+                                <p:cTn id="5" presetID="1" presetClass="entr" presetSubtype="0" fill="hold" nodeType="clickEffect">
+                                  <p:stCondLst>
+                                    <p:cond delay="0"/>
+                                  </p:stCondLst>
+                                  <p:childTnLst>
+                                    <p:set>
+                                      <p:cBhvr>
+                                        <p:cTn id="6" dur="1" fill="hold">
+                                          <p:stCondLst>
+                                            <p:cond delay="0"/>
+                                          </p:stCondLst>
+                                        </p:cTn>
+                                        <p:tgtEl>
+                                          <p:spTgt spid="3">
+                                            <p:txEl>
+                                              <p:pRg st="0" end="0"/>
+                                            </p:txEl>
+                                          </p:spTgt>
+                                        </p:tgtEl>
+                                        <p:attrNameLst>
+                                          <p:attrName>style.visibility</p:attrName>
+                                        </p:attrNameLst>
+                                      </p:cBhvr>
+                                      <p:to>
+                                        <p:strVal val="visible"/>
+                                      </p:to>
+                                    </p:set>
+                                  </p:childTnLst>
+                                </p:cTn>
+                              </p:par>
+                              <p:par>
+                                <p:cTn id="7" presetID="1" presetClass="entr" presetSubtype="0" fill="hold" nodeType="withEffect">
+                                  <p:stCondLst>
+                                    <p:cond delay="0"/>
+                                  </p:stCondLst>
+                                  <p:childTnLst>
+                                    <p:set>
+                                      <p:cBhvr>
+                                        <p:cTn id="8" dur="1" fill="hold">
+                                          <p:stCondLst>
+                                            <p:cond delay="0"/>
+                                          </p:stCondLst>
+                                        </p:cTn>
+                                        <p:tgtEl>
+                                          <p:spTgt spid="3">
+                                            <p:txEl>
+                                              <p:pRg st="1" end="1"/>
+                                            </p:txEl>
+                                          </p:spTgt>
+                                        </p:tgtEl>
+                                        <p:attrNameLst>
+                                          <p:attrName>style.visibility</p:attrName>
+                                        </p:attrNameLst>
+                                      </p:cBhvr>
+                                      <p:to>
+                                        <p:strVal val="visible"/>
+                                      </p:to>
+                                    </p:set>
+                                  </p:childTnLst>
+                                </p:cTn>
+                              </p:par>
+                              <p:par>
+                                <p:cTn id="9" presetID="1" presetClass="entr" presetSubtype="0" fill="hold" nodeType="withEffect">
+                                  <p:stCondLst>
+                                    <p:cond delay="0"/>
+                                  </p:stCondLst>
+                                  <p:childTnLst>
+                                    <p:set>
+                                      <p:cBhvr>
+                                        <p:cTn id="10" dur="1" fill="hold">
+                                          <p:stCondLst>
+                                            <p:cond delay="0"/>
+                                          </p:stCondLst>
+                                        </p:cTn>
+                                        <p:tgtEl>
+                                          <p:spTgt spid="3">
+                                            <p:txEl>
+                                              <p:pRg st="3" end="3"/>
+                                            </p:txEl>
+                                          </p:spTgt>
+                                        </p:tgtEl>
+                                        <p:attrNameLst>
+                                          <p:attrName>style.visibility</p:attrName>
+                                        </p:attrNameLst>
+                                      </p:cBhvr>
+                                      <p:to>
+                                        <p:strVal val="visible"/>
+                                      </p:to>
+                                    </p:set>
+                                  </p:childTnLst>
+                                </p:cTn>
+                              </p:par>
+                              <p:par>
+                                <p:cTn id="11" presetID="1" presetClass="entr" presetSubtype="0" fill="hold" nodeType="withEffect">
+                                  <p:stCondLst>
+                                    <p:cond delay="0"/>
+                                  </p:stCondLst>
+                                  <p:childTnLst>
+                                    <p:set>
+                                      <p:cBhvr>
+                                        <p:cTn id="12" dur="1" fill="hold">
+                                          <p:stCondLst>
+                                            <p:cond delay="0"/>
+                                          </p:stCondLst>
+                                        </p:cTn>
+                                        <p:tgtEl>
+                                          <p:spTgt spid="3">
+                                            <p:txEl>
+                                              <p:pRg st="4" end="4"/>
+                                            </p:txEl>
+                                          </p:spTgt>
+                                        </p:tgtEl>
+                                        <p:attrNameLst>
+                                          <p:attrName>style.visibility</p:attrName>
+                                        </p:attrNameLst>
+                                      </p:cBhvr>
+                                      <p:to>
+                                        <p:strVal val="visible"/>
+                                      </p:to>
+                                    </p:set>
+                                  </p:childTnLst>
+                                </p:cTn>
+                              </p:par>
+                              <p:par>
+                                <p:cTn id="13" presetID="1" presetClass="entr" presetSubtype="0" fill="hold" nodeType="withEffect">
+                                  <p:stCondLst>
+                                    <p:cond delay="0"/>
+                                  </p:stCondLst>
+                                  <p:childTnLst>
+                                    <p:set>
+                                      <p:cBhvr>
+                                        <p:cTn id="14" dur="1" fill="hold">
+                                          <p:stCondLst>
+                                            <p:cond delay="0"/>
+                                          </p:stCondLst>
+                                        </p:cTn>
+                                        <p:tgtEl>
+                                          <p:spTgt spid="3">
+                                            <p:txEl>
+                                              <p:pRg st="6" end="6"/>
+                                            </p:txEl>
+                                          </p:spTgt>
+                                        </p:tgtEl>
+                                        <p:attrNameLst>
+                                          <p:attrName>style.visibility</p:attrName>
+                                        </p:attrNameLst>
+                                      </p:cBhvr>
+                                      <p:to>
+                                        <p:strVal val="visible"/>
+                                      </p:to>
+                                    </p:set>
+                                  </p:childTnLst>
+                                </p:cTn>
+                              </p:par>
+                              <p:par>
+                                <p:cTn id="15" presetID="1" presetClass="entr" presetSubtype="0" fill="hold" nodeType="withEffect">
+                                  <p:stCondLst>
+                                    <p:cond delay="0"/>
+                                  </p:stCondLst>
+                                  <p:childTnLst>
+                                    <p:set>
+                                      <p:cBhvr>
+                                        <p:cTn id="16" dur="1" fill="hold">
+                                          <p:stCondLst>
+                                            <p:cond delay="0"/>
+                                          </p:stCondLst>
+                                        </p:cTn>
+                                        <p:tgtEl>
+                                          <p:spTgt spid="3">
+                                            <p:txEl>
+                                              <p:pRg st="7" end="7"/>
+                                            </p:txEl>
+                                          </p:spTgt>
+                                        </p:tgtEl>
+                                        <p:attrNameLst>
+                                          <p:attrName>style.visibility</p:attrName>
+                                        </p:attrNameLst>
+                                      </p:cBhvr>
+                                      <p:to>
+                                        <p:strVal val="visible"/>
+                                      </p:to>
+                                    </p:set>
+                                  </p:childTnLst>
+                                </p:cTn>
+                              </p:par>
+                            </p:childTnLst>
+                          </p:cTn>
+                        </p:par>
+                      </p:childTnLst>
+                    </p:cTn>
+                  </p:par>
+                </p:childTnLst>
+              </p:cTn>
+              <p:prevCondLst>
+                <p:cond evt="onPrev" delay="0">
+                  <p:tgtEl>
+                    <p:sldTgt/>
+                  </p:tgtEl>
+                </p:cond>
+              </p:prevCondLst>
+              <p:nextCondLst>
+                <p:cond evt="onNext" delay="0">
+                  <p:tgtEl>
+                    <p:sldTgt/>
+                  </p:tgtEl>
+                </p:cond>
+              </p:nextCondLst>
+            </p:seq>
+          </p:childTnLst>
+        </p:cTn>
+      </p:par>
+    </p:tnLst>
+  </p:timing>
+</p:sld>
+</file>
+
+<file path=ppt/slides/slide15.xml><?xml version="1.0" encoding="utf-8"?>
+<p:sld xmlns:a="http://schemas.openxmlformats.org/drawingml/2006/main" xmlns:r="http://schemas.openxmlformats.org/officeDocument/2006/relationships" xmlns:p="http://schemas.openxmlformats.org/presentationml/2006/main">
+  <p:cSld>
+    <p:spTree>
+      <p:nvGrpSpPr>
+        <p:cNvPr id="1" name=""/>
+        <p:cNvGrpSpPr/>
+        <p:nvPr/>
+      </p:nvGrpSpPr>
+      <p:grpSpPr>
+        <a:xfrm>
+          <a:off x="0" y="0"/>
+          <a:ext cx="0" cy="0"/>
+          <a:chOff x="0" y="0"/>
+          <a:chExt cx="0" cy="0"/>
+        </a:xfrm>
+      </p:grpSpPr>
+      <p:sp>
+        <p:nvSpPr>
+          <p:cNvPr id="2" name="Title 1">
+            <a:extLst>
+              <a:ext uri="{FF2B5EF4-FFF2-40B4-BE49-F238E27FC236}">
+                <a16:creationId xmlns:a16="http://schemas.microsoft.com/office/drawing/2014/main" id="{B5AB8D85-BBC4-0A46-938C-6228C5CDA09A}"/>
+              </a:ext>
+            </a:extLst>
+          </p:cNvPr>
+          <p:cNvSpPr>
+            <a:spLocks noGrp="1"/>
+          </p:cNvSpPr>
+          <p:nvPr>
+            <p:ph type="title"/>
+          </p:nvPr>
+        </p:nvSpPr>
+        <p:spPr>
+          <a:xfrm>
+            <a:off x="838200" y="34698"/>
+            <a:ext cx="10515600" cy="1325563"/>
+          </a:xfrm>
+        </p:spPr>
+        <p:txBody>
+          <a:bodyPr/>
+          <a:lstStyle/>
+          <a:p>
+            <a:r>
+              <a:rPr lang="en-US" dirty="0"/>
+              <a:t>Exception handling</a:t>
+            </a:r>
+          </a:p>
+        </p:txBody>
+      </p:sp>
+      <p:sp>
+        <p:nvSpPr>
+          <p:cNvPr id="3" name="Content Placeholder 2">
+            <a:extLst>
+              <a:ext uri="{FF2B5EF4-FFF2-40B4-BE49-F238E27FC236}">
+                <a16:creationId xmlns:a16="http://schemas.microsoft.com/office/drawing/2014/main" id="{27D3C46E-8A55-774D-A315-730A24424D2A}"/>
+              </a:ext>
+            </a:extLst>
+          </p:cNvPr>
+          <p:cNvSpPr>
+            <a:spLocks noGrp="1"/>
+          </p:cNvSpPr>
+          <p:nvPr>
+            <p:ph idx="1"/>
+          </p:nvPr>
+        </p:nvSpPr>
+        <p:spPr>
+          <a:xfrm>
+            <a:off x="838199" y="1175595"/>
+            <a:ext cx="6302339" cy="4506809"/>
+          </a:xfrm>
+        </p:spPr>
+        <p:txBody>
+          <a:bodyPr>
+            <a:noAutofit/>
+          </a:bodyPr>
+          <a:lstStyle/>
+          <a:p>
+            <a:pPr marL="0" indent="0">
+              <a:buNone/>
+            </a:pPr>
+            <a:r>
+              <a:rPr lang="en-GB" sz="1600" dirty="0">
+                <a:latin typeface="Consolas" panose="020B0609020204030204" pitchFamily="49" charset="0"/>
+                <a:cs typeface="Consolas" panose="020B0609020204030204" pitchFamily="49" charset="0"/>
+              </a:rPr>
+              <a:t>def </a:t>
+            </a:r>
+            <a:r>
+              <a:rPr lang="en-GB" sz="1600" dirty="0" err="1">
+                <a:latin typeface="Consolas" panose="020B0609020204030204" pitchFamily="49" charset="0"/>
+                <a:cs typeface="Consolas" panose="020B0609020204030204" pitchFamily="49" charset="0"/>
+              </a:rPr>
+              <a:t>demo_errors</a:t>
+            </a:r>
+            <a:r>
+              <a:rPr lang="en-GB" sz="1600" dirty="0">
+                <a:latin typeface="Consolas" panose="020B0609020204030204" pitchFamily="49" charset="0"/>
+                <a:cs typeface="Consolas" panose="020B0609020204030204" pitchFamily="49" charset="0"/>
+              </a:rPr>
+              <a:t>():</a:t>
+            </a:r>
+          </a:p>
+          <a:p>
+            <a:pPr marL="457200" lvl="1" indent="0">
+              <a:buNone/>
+            </a:pPr>
+            <a:r>
+              <a:rPr lang="en-GB" sz="1600" dirty="0">
+                <a:latin typeface="Consolas" panose="020B0609020204030204" pitchFamily="49" charset="0"/>
+                <a:cs typeface="Consolas" panose="020B0609020204030204" pitchFamily="49" charset="0"/>
+              </a:rPr>
+              <a:t>try:</a:t>
+            </a:r>
+          </a:p>
+          <a:p>
+            <a:pPr marL="914400" lvl="2" indent="0">
+              <a:buNone/>
+            </a:pPr>
+            <a:r>
+              <a:rPr lang="en-GB" sz="1600" dirty="0">
+                <a:latin typeface="Consolas" panose="020B0609020204030204" pitchFamily="49" charset="0"/>
+                <a:cs typeface="Consolas" panose="020B0609020204030204" pitchFamily="49" charset="0"/>
+              </a:rPr>
+              <a:t>d = </a:t>
+            </a:r>
+            <a:r>
+              <a:rPr lang="en-GB" sz="1600" dirty="0" err="1">
+                <a:latin typeface="Consolas" panose="020B0609020204030204" pitchFamily="49" charset="0"/>
+                <a:cs typeface="Consolas" panose="020B0609020204030204" pitchFamily="49" charset="0"/>
+              </a:rPr>
+              <a:t>dict</a:t>
+            </a:r>
+            <a:r>
+              <a:rPr lang="en-GB" sz="1600" dirty="0">
+                <a:latin typeface="Consolas" panose="020B0609020204030204" pitchFamily="49" charset="0"/>
+                <a:cs typeface="Consolas" panose="020B0609020204030204" pitchFamily="49" charset="0"/>
+              </a:rPr>
+              <a:t>()</a:t>
+            </a:r>
+          </a:p>
+          <a:p>
+            <a:pPr marL="914400" lvl="2" indent="0">
+              <a:buNone/>
+            </a:pPr>
+            <a:r>
+              <a:rPr lang="en-GB" sz="1600" dirty="0">
+                <a:latin typeface="Consolas" panose="020B0609020204030204" pitchFamily="49" charset="0"/>
+                <a:cs typeface="Consolas" panose="020B0609020204030204" pitchFamily="49" charset="0"/>
+              </a:rPr>
+              <a:t>for </a:t>
+            </a:r>
+            <a:r>
+              <a:rPr lang="en-GB" sz="1600" dirty="0" err="1">
+                <a:latin typeface="Consolas" panose="020B0609020204030204" pitchFamily="49" charset="0"/>
+                <a:cs typeface="Consolas" panose="020B0609020204030204" pitchFamily="49" charset="0"/>
+              </a:rPr>
+              <a:t>i</a:t>
+            </a:r>
+            <a:r>
+              <a:rPr lang="en-GB" sz="1600" dirty="0">
+                <a:latin typeface="Consolas" panose="020B0609020204030204" pitchFamily="49" charset="0"/>
+                <a:cs typeface="Consolas" panose="020B0609020204030204" pitchFamily="49" charset="0"/>
+              </a:rPr>
+              <a:t> in range(5):</a:t>
+            </a:r>
+          </a:p>
+          <a:p>
+            <a:pPr marL="914400" lvl="2" indent="0">
+              <a:buNone/>
+            </a:pPr>
+            <a:r>
+              <a:rPr lang="en-GB" sz="1600" dirty="0">
+                <a:latin typeface="Consolas" panose="020B0609020204030204" pitchFamily="49" charset="0"/>
+                <a:cs typeface="Consolas" panose="020B0609020204030204" pitchFamily="49" charset="0"/>
+              </a:rPr>
+              <a:t>d[</a:t>
+            </a:r>
+            <a:r>
+              <a:rPr lang="en-GB" sz="1600" dirty="0" err="1">
+                <a:latin typeface="Consolas" panose="020B0609020204030204" pitchFamily="49" charset="0"/>
+                <a:cs typeface="Consolas" panose="020B0609020204030204" pitchFamily="49" charset="0"/>
+              </a:rPr>
+              <a:t>i</a:t>
+            </a:r>
+            <a:r>
+              <a:rPr lang="en-GB" sz="1600" dirty="0">
+                <a:latin typeface="Consolas" panose="020B0609020204030204" pitchFamily="49" charset="0"/>
+                <a:cs typeface="Consolas" panose="020B0609020204030204" pitchFamily="49" charset="0"/>
+              </a:rPr>
+              <a:t>] = </a:t>
+            </a:r>
+            <a:r>
+              <a:rPr lang="en-GB" sz="1600" dirty="0" err="1">
+                <a:latin typeface="Consolas" panose="020B0609020204030204" pitchFamily="49" charset="0"/>
+                <a:cs typeface="Consolas" panose="020B0609020204030204" pitchFamily="49" charset="0"/>
+              </a:rPr>
+              <a:t>i</a:t>
+            </a:r>
+            <a:r>
+              <a:rPr lang="en-GB" sz="1600" dirty="0">
+                <a:latin typeface="Consolas" panose="020B0609020204030204" pitchFamily="49" charset="0"/>
+                <a:cs typeface="Consolas" panose="020B0609020204030204" pitchFamily="49" charset="0"/>
+              </a:rPr>
+              <a:t> * 100 </a:t>
+            </a:r>
+          </a:p>
+          <a:p>
+            <a:pPr marL="914400" lvl="2" indent="0">
+              <a:buNone/>
+            </a:pPr>
+            <a:r>
+              <a:rPr lang="en-GB" sz="1600" dirty="0">
+                <a:latin typeface="Consolas" panose="020B0609020204030204" pitchFamily="49" charset="0"/>
+                <a:cs typeface="Consolas" panose="020B0609020204030204" pitchFamily="49" charset="0"/>
+              </a:rPr>
+              <a:t>for </a:t>
+            </a:r>
+            <a:r>
+              <a:rPr lang="en-GB" sz="1600" dirty="0" err="1">
+                <a:latin typeface="Consolas" panose="020B0609020204030204" pitchFamily="49" charset="0"/>
+                <a:cs typeface="Consolas" panose="020B0609020204030204" pitchFamily="49" charset="0"/>
+              </a:rPr>
+              <a:t>i</a:t>
+            </a:r>
+            <a:r>
+              <a:rPr lang="en-GB" sz="1600" dirty="0">
+                <a:latin typeface="Consolas" panose="020B0609020204030204" pitchFamily="49" charset="0"/>
+                <a:cs typeface="Consolas" panose="020B0609020204030204" pitchFamily="49" charset="0"/>
+              </a:rPr>
+              <a:t> in range(100):</a:t>
+            </a:r>
+          </a:p>
+          <a:p>
+            <a:pPr marL="914400" lvl="2" indent="0">
+              <a:buNone/>
+            </a:pPr>
+            <a:r>
+              <a:rPr lang="en-GB" sz="1600" dirty="0">
+                <a:latin typeface="Consolas" panose="020B0609020204030204" pitchFamily="49" charset="0"/>
+                <a:cs typeface="Consolas" panose="020B0609020204030204" pitchFamily="49" charset="0"/>
+              </a:rPr>
+              <a:t>a: int = </a:t>
+            </a:r>
+            <a:r>
+              <a:rPr lang="en-GB" sz="1600" dirty="0" err="1">
+                <a:latin typeface="Consolas" panose="020B0609020204030204" pitchFamily="49" charset="0"/>
+                <a:cs typeface="Consolas" panose="020B0609020204030204" pitchFamily="49" charset="0"/>
+              </a:rPr>
+              <a:t>r.randint</a:t>
+            </a:r>
+            <a:r>
+              <a:rPr lang="en-GB" sz="1600" dirty="0">
+                <a:latin typeface="Consolas" panose="020B0609020204030204" pitchFamily="49" charset="0"/>
+                <a:cs typeface="Consolas" panose="020B0609020204030204" pitchFamily="49" charset="0"/>
+              </a:rPr>
+              <a:t>(2, 20)</a:t>
+            </a:r>
+          </a:p>
+          <a:p>
+            <a:pPr marL="914400" lvl="2" indent="0">
+              <a:buNone/>
+            </a:pPr>
+            <a:r>
+              <a:rPr lang="en-GB" sz="1600" dirty="0">
+                <a:latin typeface="Consolas" panose="020B0609020204030204" pitchFamily="49" charset="0"/>
+                <a:cs typeface="Consolas" panose="020B0609020204030204" pitchFamily="49" charset="0"/>
+              </a:rPr>
+              <a:t>b: int = </a:t>
+            </a:r>
+            <a:r>
+              <a:rPr lang="en-GB" sz="1600" dirty="0" err="1">
+                <a:latin typeface="Consolas" panose="020B0609020204030204" pitchFamily="49" charset="0"/>
+                <a:cs typeface="Consolas" panose="020B0609020204030204" pitchFamily="49" charset="0"/>
+              </a:rPr>
+              <a:t>r.randint</a:t>
+            </a:r>
+            <a:r>
+              <a:rPr lang="en-GB" sz="1600" dirty="0">
+                <a:latin typeface="Consolas" panose="020B0609020204030204" pitchFamily="49" charset="0"/>
+                <a:cs typeface="Consolas" panose="020B0609020204030204" pitchFamily="49" charset="0"/>
+              </a:rPr>
+              <a:t>(-1, 1)</a:t>
+            </a:r>
+          </a:p>
+          <a:p>
+            <a:pPr marL="914400" lvl="2" indent="0">
+              <a:buNone/>
+            </a:pPr>
+            <a:r>
+              <a:rPr lang="en-GB" sz="1600" dirty="0">
+                <a:latin typeface="Consolas" panose="020B0609020204030204" pitchFamily="49" charset="0"/>
+                <a:cs typeface="Consolas" panose="020B0609020204030204" pitchFamily="49" charset="0"/>
+              </a:rPr>
+              <a:t>c: int = a / b	</a:t>
+            </a:r>
+            <a:r>
+              <a:rPr lang="en-GB" sz="1600" dirty="0">
+                <a:solidFill>
+                  <a:srgbClr val="FF0000"/>
+                </a:solidFill>
+                <a:latin typeface="Consolas" panose="020B0609020204030204" pitchFamily="49" charset="0"/>
+                <a:cs typeface="Consolas" panose="020B0609020204030204" pitchFamily="49" charset="0"/>
+              </a:rPr>
+              <a:t># Can raise </a:t>
+            </a:r>
+            <a:r>
+              <a:rPr lang="en-GB" sz="1600" dirty="0" err="1">
+                <a:solidFill>
+                  <a:srgbClr val="FF0000"/>
+                </a:solidFill>
+                <a:latin typeface="Consolas" panose="020B0609020204030204" pitchFamily="49" charset="0"/>
+                <a:cs typeface="Consolas" panose="020B0609020204030204" pitchFamily="49" charset="0"/>
+              </a:rPr>
+              <a:t>ZeroDivisionError</a:t>
+            </a:r>
+            <a:endParaRPr lang="en-GB" sz="1600" dirty="0">
+              <a:solidFill>
+                <a:srgbClr val="FF0000"/>
+              </a:solidFill>
+              <a:latin typeface="Consolas" panose="020B0609020204030204" pitchFamily="49" charset="0"/>
+              <a:cs typeface="Consolas" panose="020B0609020204030204" pitchFamily="49" charset="0"/>
+            </a:endParaRPr>
+          </a:p>
+          <a:p>
+            <a:pPr marL="914400" lvl="2" indent="0">
+              <a:buNone/>
+            </a:pPr>
+            <a:r>
+              <a:rPr lang="en-GB" sz="1600" dirty="0">
+                <a:latin typeface="Consolas" panose="020B0609020204030204" pitchFamily="49" charset="0"/>
+                <a:cs typeface="Consolas" panose="020B0609020204030204" pitchFamily="49" charset="0"/>
+              </a:rPr>
+              <a:t>print (c)</a:t>
+            </a:r>
+          </a:p>
+          <a:p>
+            <a:pPr marL="914400" lvl="2" indent="0">
+              <a:buNone/>
+            </a:pPr>
+            <a:br>
+              <a:rPr lang="en-GB" sz="1600" dirty="0">
+                <a:latin typeface="Consolas" panose="020B0609020204030204" pitchFamily="49" charset="0"/>
+                <a:cs typeface="Consolas" panose="020B0609020204030204" pitchFamily="49" charset="0"/>
+              </a:rPr>
+            </a:br>
+            <a:r>
+              <a:rPr lang="en-GB" sz="1600" dirty="0">
+                <a:latin typeface="Consolas" panose="020B0609020204030204" pitchFamily="49" charset="0"/>
+                <a:cs typeface="Consolas" panose="020B0609020204030204" pitchFamily="49" charset="0"/>
+              </a:rPr>
+              <a:t>print(d[c])	</a:t>
+            </a:r>
+            <a:r>
+              <a:rPr lang="en-GB" sz="1600" dirty="0">
+                <a:solidFill>
+                  <a:srgbClr val="FF0000"/>
+                </a:solidFill>
+                <a:latin typeface="Consolas" panose="020B0609020204030204" pitchFamily="49" charset="0"/>
+                <a:cs typeface="Consolas" panose="020B0609020204030204" pitchFamily="49" charset="0"/>
+              </a:rPr>
+              <a:t># Can raise </a:t>
+            </a:r>
+            <a:r>
+              <a:rPr lang="en-GB" sz="1600" dirty="0" err="1">
+                <a:solidFill>
+                  <a:srgbClr val="FF0000"/>
+                </a:solidFill>
+                <a:latin typeface="Consolas" panose="020B0609020204030204" pitchFamily="49" charset="0"/>
+                <a:cs typeface="Consolas" panose="020B0609020204030204" pitchFamily="49" charset="0"/>
+              </a:rPr>
+              <a:t>KeyError</a:t>
+            </a:r>
+            <a:endParaRPr lang="en-GB" sz="1600" dirty="0">
+              <a:solidFill>
+                <a:srgbClr val="FF0000"/>
+              </a:solidFill>
+              <a:latin typeface="Consolas" panose="020B0609020204030204" pitchFamily="49" charset="0"/>
+              <a:cs typeface="Consolas" panose="020B0609020204030204" pitchFamily="49" charset="0"/>
+            </a:endParaRPr>
+          </a:p>
+          <a:p>
+            <a:pPr marL="457200" lvl="1" indent="0">
+              <a:buNone/>
+            </a:pPr>
+            <a:r>
+              <a:rPr lang="en-GB" sz="1600" dirty="0">
+                <a:latin typeface="Consolas" panose="020B0609020204030204" pitchFamily="49" charset="0"/>
+                <a:cs typeface="Consolas" panose="020B0609020204030204" pitchFamily="49" charset="0"/>
+              </a:rPr>
+              <a:t>except </a:t>
+            </a:r>
+            <a:r>
+              <a:rPr lang="en-GB" sz="1600" dirty="0" err="1">
+                <a:latin typeface="Consolas" panose="020B0609020204030204" pitchFamily="49" charset="0"/>
+                <a:cs typeface="Consolas" panose="020B0609020204030204" pitchFamily="49" charset="0"/>
+              </a:rPr>
+              <a:t>ZeroDivisionError</a:t>
+            </a:r>
+            <a:r>
+              <a:rPr lang="en-GB" sz="1600" dirty="0">
+                <a:latin typeface="Consolas" panose="020B0609020204030204" pitchFamily="49" charset="0"/>
+                <a:cs typeface="Consolas" panose="020B0609020204030204" pitchFamily="49" charset="0"/>
+              </a:rPr>
+              <a:t>:</a:t>
+            </a:r>
+          </a:p>
+          <a:p>
+            <a:pPr marL="457200" lvl="1" indent="0">
+              <a:buNone/>
+            </a:pPr>
+            <a:r>
+              <a:rPr lang="en-GB" sz="1600" dirty="0">
+                <a:latin typeface="Consolas" panose="020B0609020204030204" pitchFamily="49" charset="0"/>
+                <a:cs typeface="Consolas" panose="020B0609020204030204" pitchFamily="49" charset="0"/>
+              </a:rPr>
+              <a:t>	print ("</a:t>
+            </a:r>
+            <a:r>
+              <a:rPr lang="en-GB" sz="1600" dirty="0" err="1">
+                <a:latin typeface="Consolas" panose="020B0609020204030204" pitchFamily="49" charset="0"/>
+                <a:cs typeface="Consolas" panose="020B0609020204030204" pitchFamily="49" charset="0"/>
+              </a:rPr>
+              <a:t>DivByZero</a:t>
+            </a:r>
+            <a:r>
+              <a:rPr lang="en-GB" sz="1600" dirty="0">
+                <a:latin typeface="Consolas" panose="020B0609020204030204" pitchFamily="49" charset="0"/>
+                <a:cs typeface="Consolas" panose="020B0609020204030204" pitchFamily="49" charset="0"/>
+              </a:rPr>
+              <a:t>")</a:t>
+            </a:r>
+          </a:p>
+          <a:p>
+            <a:pPr marL="457200" lvl="1" indent="0">
+              <a:buNone/>
+            </a:pPr>
+            <a:r>
+              <a:rPr lang="en-GB" sz="1600" dirty="0">
+                <a:latin typeface="Consolas" panose="020B0609020204030204" pitchFamily="49" charset="0"/>
+                <a:cs typeface="Consolas" panose="020B0609020204030204" pitchFamily="49" charset="0"/>
+              </a:rPr>
+              <a:t>except:</a:t>
+            </a:r>
+          </a:p>
+          <a:p>
+            <a:pPr marL="457200" lvl="1" indent="0">
+              <a:buNone/>
+            </a:pPr>
+            <a:r>
+              <a:rPr lang="en-GB" sz="1600" dirty="0">
+                <a:latin typeface="Consolas" panose="020B0609020204030204" pitchFamily="49" charset="0"/>
+                <a:cs typeface="Consolas" panose="020B0609020204030204" pitchFamily="49" charset="0"/>
+              </a:rPr>
+              <a:t>	print("Unexpected error:", </a:t>
+            </a:r>
+            <a:r>
+              <a:rPr lang="en-GB" sz="1600" dirty="0" err="1">
+                <a:latin typeface="Consolas" panose="020B0609020204030204" pitchFamily="49" charset="0"/>
+                <a:cs typeface="Consolas" panose="020B0609020204030204" pitchFamily="49" charset="0"/>
+              </a:rPr>
+              <a:t>sys.exc_info</a:t>
+            </a:r>
+            <a:r>
+              <a:rPr lang="en-GB" sz="1600" dirty="0">
+                <a:latin typeface="Consolas" panose="020B0609020204030204" pitchFamily="49" charset="0"/>
+                <a:cs typeface="Consolas" panose="020B0609020204030204" pitchFamily="49" charset="0"/>
+              </a:rPr>
+              <a:t>()[0])</a:t>
+            </a:r>
+          </a:p>
+          <a:p>
+            <a:pPr marL="0" indent="0">
+              <a:buNone/>
+            </a:pPr>
+            <a:br>
+              <a:rPr lang="en-GB" sz="1600" dirty="0">
+                <a:latin typeface="Consolas" panose="020B0609020204030204" pitchFamily="49" charset="0"/>
+                <a:cs typeface="Consolas" panose="020B0609020204030204" pitchFamily="49" charset="0"/>
+              </a:rPr>
+            </a:br>
+            <a:r>
+              <a:rPr lang="en-GB" sz="1600" dirty="0" err="1">
+                <a:latin typeface="Consolas" panose="020B0609020204030204" pitchFamily="49" charset="0"/>
+                <a:cs typeface="Consolas" panose="020B0609020204030204" pitchFamily="49" charset="0"/>
+              </a:rPr>
+              <a:t>demo_errors</a:t>
+            </a:r>
+            <a:r>
+              <a:rPr lang="en-GB" sz="1600" dirty="0">
+                <a:latin typeface="Consolas" panose="020B0609020204030204" pitchFamily="49" charset="0"/>
+                <a:cs typeface="Consolas" panose="020B0609020204030204" pitchFamily="49" charset="0"/>
+              </a:rPr>
+              <a:t>()</a:t>
+            </a:r>
+          </a:p>
+          <a:p>
+            <a:endParaRPr lang="en-US" sz="1600" dirty="0">
+              <a:latin typeface="Consolas" panose="020B0609020204030204" pitchFamily="49" charset="0"/>
+              <a:cs typeface="Consolas" panose="020B0609020204030204" pitchFamily="49" charset="0"/>
+            </a:endParaRPr>
+          </a:p>
+        </p:txBody>
+      </p:sp>
+      <p:sp>
+        <p:nvSpPr>
+          <p:cNvPr id="4" name="TextBox 3">
+            <a:extLst>
+              <a:ext uri="{FF2B5EF4-FFF2-40B4-BE49-F238E27FC236}">
+                <a16:creationId xmlns:a16="http://schemas.microsoft.com/office/drawing/2014/main" id="{188EE37A-7D99-DF4B-B618-063DEC03289D}"/>
+              </a:ext>
+            </a:extLst>
+          </p:cNvPr>
+          <p:cNvSpPr txBox="1"/>
+          <p:nvPr/>
+        </p:nvSpPr>
+        <p:spPr>
+          <a:xfrm>
+            <a:off x="8315058" y="2196269"/>
+            <a:ext cx="2337499" cy="369332"/>
+          </a:xfrm>
+          <a:prstGeom prst="rect">
+            <a:avLst/>
+          </a:prstGeom>
+          <a:noFill/>
+        </p:spPr>
+        <p:txBody>
+          <a:bodyPr wrap="none" rtlCol="0">
+            <a:spAutoFit/>
+          </a:bodyPr>
+          <a:lstStyle/>
+          <a:p>
+            <a:r>
+              <a:rPr lang="en-GB" i="1" dirty="0" err="1">
+                <a:solidFill>
+                  <a:schemeClr val="tx2">
+                    <a:lumMod val="75000"/>
+                  </a:schemeClr>
+                </a:solidFill>
+                <a:latin typeface="Consolas" panose="020B0609020204030204" pitchFamily="49" charset="0"/>
+                <a:cs typeface="Consolas" panose="020B0609020204030204" pitchFamily="49" charset="0"/>
+              </a:rPr>
+              <a:t>ZeroDivisionError</a:t>
+            </a:r>
+            <a:endParaRPr lang="en-US" i="1" dirty="0">
+              <a:solidFill>
+                <a:schemeClr val="tx2">
+                  <a:lumMod val="75000"/>
+                </a:schemeClr>
+              </a:solidFill>
+            </a:endParaRPr>
+          </a:p>
+        </p:txBody>
+      </p:sp>
+      <p:sp>
+        <p:nvSpPr>
+          <p:cNvPr id="5" name="TextBox 4">
+            <a:extLst>
+              <a:ext uri="{FF2B5EF4-FFF2-40B4-BE49-F238E27FC236}">
+                <a16:creationId xmlns:a16="http://schemas.microsoft.com/office/drawing/2014/main" id="{77774B59-BE21-8440-B7A1-1A2ABE2BE853}"/>
+              </a:ext>
+            </a:extLst>
+          </p:cNvPr>
+          <p:cNvSpPr txBox="1"/>
+          <p:nvPr/>
+        </p:nvSpPr>
+        <p:spPr>
+          <a:xfrm>
+            <a:off x="8884925" y="3244334"/>
+            <a:ext cx="1197764" cy="369332"/>
+          </a:xfrm>
+          <a:prstGeom prst="rect">
+            <a:avLst/>
+          </a:prstGeom>
+          <a:noFill/>
+        </p:spPr>
+        <p:txBody>
+          <a:bodyPr wrap="none" rtlCol="0">
+            <a:spAutoFit/>
+          </a:bodyPr>
+          <a:lstStyle/>
+          <a:p>
+            <a:r>
+              <a:rPr lang="en-GB" i="1" dirty="0" err="1">
+                <a:solidFill>
+                  <a:schemeClr val="tx2">
+                    <a:lumMod val="75000"/>
+                  </a:schemeClr>
+                </a:solidFill>
+                <a:latin typeface="Consolas" panose="020B0609020204030204" pitchFamily="49" charset="0"/>
+                <a:cs typeface="Consolas" panose="020B0609020204030204" pitchFamily="49" charset="0"/>
+              </a:rPr>
+              <a:t>KeyError</a:t>
+            </a:r>
+            <a:endParaRPr lang="en-US" i="1" dirty="0">
+              <a:solidFill>
+                <a:schemeClr val="tx2">
+                  <a:lumMod val="75000"/>
+                </a:schemeClr>
+              </a:solidFill>
+            </a:endParaRPr>
+          </a:p>
+        </p:txBody>
+      </p:sp>
+    </p:spTree>
+    <p:extLst>
+      <p:ext uri="{BB962C8B-B14F-4D97-AF65-F5344CB8AC3E}">
+        <p14:creationId xmlns:p14="http://schemas.microsoft.com/office/powerpoint/2010/main" val="2289548541"/>
+      </p:ext>
+    </p:extLst>
+  </p:cSld>
+  <p:clrMapOvr>
+    <a:masterClrMapping/>
+  </p:clrMapOvr>
+  <p:timing>
+    <p:tnLst>
+      <p:par>
+        <p:cTn id="1" dur="indefinite" restart="never" nodeType="tmRoot">
+          <p:childTnLst>
+            <p:seq concurrent="1" nextAc="seek">
+              <p:cTn id="2" dur="indefinite" nodeType="mainSeq">
+                <p:childTnLst>
+                  <p:par>
+                    <p:cTn id="3" fill="hold">
+                      <p:stCondLst>
+                        <p:cond delay="indefinite"/>
+                      </p:stCondLst>
+                      <p:childTnLst>
+                        <p:par>
+                          <p:cTn id="4" fill="hold">
+                            <p:stCondLst>
+                              <p:cond delay="0"/>
+                            </p:stCondLst>
+                            <p:childTnLst>
+                              <p:par>
+                                <p:cTn id="5" presetID="1" presetClass="entr" presetSubtype="0" fill="hold" grpId="0" nodeType="clickEffect">
+                                  <p:stCondLst>
+                                    <p:cond delay="0"/>
+                                  </p:stCondLst>
+                                  <p:childTnLst>
+                                    <p:set>
+                                      <p:cBhvr>
+                                        <p:cTn id="6" dur="1" fill="hold">
+                                          <p:stCondLst>
+                                            <p:cond delay="0"/>
+                                          </p:stCondLst>
+                                        </p:cTn>
+                                        <p:tgtEl>
+                                          <p:spTgt spid="4"/>
+                                        </p:tgtEl>
+                                        <p:attrNameLst>
+                                          <p:attrName>style.visibility</p:attrName>
+                                        </p:attrNameLst>
+                                      </p:cBhvr>
+                                      <p:to>
+                                        <p:strVal val="visible"/>
+                                      </p:to>
+                                    </p:set>
+                                  </p:childTnLst>
+                                </p:cTn>
+                              </p:par>
+                            </p:childTnLst>
+                          </p:cTn>
+                        </p:par>
+                      </p:childTnLst>
+                    </p:cTn>
+                  </p:par>
+                  <p:par>
+                    <p:cTn id="7" fill="hold">
+                      <p:stCondLst>
+                        <p:cond delay="indefinite"/>
+                      </p:stCondLst>
+                      <p:childTnLst>
+                        <p:par>
+                          <p:cTn id="8" fill="hold">
+                            <p:stCondLst>
+                              <p:cond delay="0"/>
+                            </p:stCondLst>
+                            <p:childTnLst>
+                              <p:par>
+                                <p:cTn id="9" presetID="1" presetClass="entr" presetSubtype="0" fill="hold" grpId="0" nodeType="clickEffect">
+                                  <p:stCondLst>
+                                    <p:cond delay="0"/>
+                                  </p:stCondLst>
+                                  <p:childTnLst>
+                                    <p:set>
+                                      <p:cBhvr>
+                                        <p:cTn id="10" dur="1" fill="hold">
+                                          <p:stCondLst>
+                                            <p:cond delay="0"/>
+                                          </p:stCondLst>
+                                        </p:cTn>
+                                        <p:tgtEl>
+                                          <p:spTgt spid="5"/>
+                                        </p:tgtEl>
+                                        <p:attrNameLst>
+                                          <p:attrName>style.visibility</p:attrName>
+                                        </p:attrNameLst>
+                                      </p:cBhvr>
+                                      <p:to>
+                                        <p:strVal val="visible"/>
+                                      </p:to>
+                                    </p:set>
+                                  </p:childTnLst>
+                                </p:cTn>
+                              </p:par>
+                            </p:childTnLst>
+                          </p:cTn>
+                        </p:par>
+                      </p:childTnLst>
+                    </p:cTn>
+                  </p:par>
+                </p:childTnLst>
+              </p:cTn>
+              <p:prevCondLst>
+                <p:cond evt="onPrev" delay="0">
+                  <p:tgtEl>
+                    <p:sldTgt/>
+                  </p:tgtEl>
+                </p:cond>
+              </p:prevCondLst>
+              <p:nextCondLst>
+                <p:cond evt="onNext" delay="0">
+                  <p:tgtEl>
+                    <p:sldTgt/>
+                  </p:tgtEl>
+                </p:cond>
+              </p:nextCondLst>
+            </p:seq>
+          </p:childTnLst>
+        </p:cTn>
+      </p:par>
+    </p:tnLst>
+    <p:bldLst>
+      <p:bldP spid="4" grpId="0"/>
+      <p:bldP spid="5" grpId="0"/>
+    </p:bldLst>
+  </p:timing>
+</p:sld>
+</file>
+
+<file path=ppt/slides/slide16.xml><?xml version="1.0" encoding="utf-8"?>
 <p:sld xmlns:a="http://schemas.openxmlformats.org/drawingml/2006/main" xmlns:r="http://schemas.openxmlformats.org/officeDocument/2006/relationships" xmlns:p="http://schemas.openxmlformats.org/presentationml/2006/main">
   <p:cSld>
     <p:spTree>
@@ -5389,7 +6924,7 @@
 </p:sld>
 </file>
 
-<file path=ppt/slides/slide14.xml><?xml version="1.0" encoding="utf-8"?>
+<file path=ppt/slides/slide17.xml><?xml version="1.0" encoding="utf-8"?>
 <p:sld xmlns:a="http://schemas.openxmlformats.org/drawingml/2006/main" xmlns:r="http://schemas.openxmlformats.org/officeDocument/2006/relationships" xmlns:p="http://schemas.openxmlformats.org/presentationml/2006/main">
   <p:cSld>
     <p:spTree>
@@ -5626,7 +7161,7 @@
 </p:sld>
 </file>
 
-<file path=ppt/slides/slide15.xml><?xml version="1.0" encoding="utf-8"?>
+<file path=ppt/slides/slide18.xml><?xml version="1.0" encoding="utf-8"?>
 <p:sld xmlns:a="http://schemas.openxmlformats.org/drawingml/2006/main" xmlns:r="http://schemas.openxmlformats.org/officeDocument/2006/relationships" xmlns:p="http://schemas.openxmlformats.org/presentationml/2006/main">
   <p:cSld>
     <p:spTree>
@@ -6095,7 +7630,7 @@
 </p:sld>
 </file>
 
-<file path=ppt/slides/slide16.xml><?xml version="1.0" encoding="utf-8"?>
+<file path=ppt/slides/slide19.xml><?xml version="1.0" encoding="utf-8"?>
 <p:sld xmlns:a="http://schemas.openxmlformats.org/drawingml/2006/main" xmlns:r="http://schemas.openxmlformats.org/officeDocument/2006/relationships" xmlns:p="http://schemas.openxmlformats.org/presentationml/2006/main">
   <p:cSld>
     <p:spTree>

--- a/fundamentals/9-Type conversion, Files, doctest.pptx
+++ b/fundamentals/9-Type conversion, Files, doctest.pptx
@@ -279,7 +279,7 @@
           <a:p>
             <a:fld id="{B302FF2A-D2B5-8B4F-BDBF-6F9493847AEA}" type="datetimeFigureOut">
               <a:rPr lang="en-US" smtClean="0"/>
-              <a:t>9/9/20</a:t>
+              <a:t>9/12/20</a:t>
             </a:fld>
             <a:endParaRPr lang="en-US"/>
           </a:p>
@@ -479,7 +479,7 @@
           <a:p>
             <a:fld id="{B302FF2A-D2B5-8B4F-BDBF-6F9493847AEA}" type="datetimeFigureOut">
               <a:rPr lang="en-US" smtClean="0"/>
-              <a:t>9/9/20</a:t>
+              <a:t>9/12/20</a:t>
             </a:fld>
             <a:endParaRPr lang="en-US"/>
           </a:p>
@@ -689,7 +689,7 @@
           <a:p>
             <a:fld id="{B302FF2A-D2B5-8B4F-BDBF-6F9493847AEA}" type="datetimeFigureOut">
               <a:rPr lang="en-US" smtClean="0"/>
-              <a:t>9/9/20</a:t>
+              <a:t>9/12/20</a:t>
             </a:fld>
             <a:endParaRPr lang="en-US"/>
           </a:p>
@@ -889,7 +889,7 @@
           <a:p>
             <a:fld id="{B302FF2A-D2B5-8B4F-BDBF-6F9493847AEA}" type="datetimeFigureOut">
               <a:rPr lang="en-US" smtClean="0"/>
-              <a:t>9/9/20</a:t>
+              <a:t>9/12/20</a:t>
             </a:fld>
             <a:endParaRPr lang="en-US"/>
           </a:p>
@@ -1165,7 +1165,7 @@
           <a:p>
             <a:fld id="{B302FF2A-D2B5-8B4F-BDBF-6F9493847AEA}" type="datetimeFigureOut">
               <a:rPr lang="en-US" smtClean="0"/>
-              <a:t>9/9/20</a:t>
+              <a:t>9/12/20</a:t>
             </a:fld>
             <a:endParaRPr lang="en-US"/>
           </a:p>
@@ -1433,7 +1433,7 @@
           <a:p>
             <a:fld id="{B302FF2A-D2B5-8B4F-BDBF-6F9493847AEA}" type="datetimeFigureOut">
               <a:rPr lang="en-US" smtClean="0"/>
-              <a:t>9/9/20</a:t>
+              <a:t>9/12/20</a:t>
             </a:fld>
             <a:endParaRPr lang="en-US"/>
           </a:p>
@@ -1848,7 +1848,7 @@
           <a:p>
             <a:fld id="{B302FF2A-D2B5-8B4F-BDBF-6F9493847AEA}" type="datetimeFigureOut">
               <a:rPr lang="en-US" smtClean="0"/>
-              <a:t>9/9/20</a:t>
+              <a:t>9/12/20</a:t>
             </a:fld>
             <a:endParaRPr lang="en-US"/>
           </a:p>
@@ -1990,7 +1990,7 @@
           <a:p>
             <a:fld id="{B302FF2A-D2B5-8B4F-BDBF-6F9493847AEA}" type="datetimeFigureOut">
               <a:rPr lang="en-US" smtClean="0"/>
-              <a:t>9/9/20</a:t>
+              <a:t>9/12/20</a:t>
             </a:fld>
             <a:endParaRPr lang="en-US"/>
           </a:p>
@@ -2103,7 +2103,7 @@
           <a:p>
             <a:fld id="{B302FF2A-D2B5-8B4F-BDBF-6F9493847AEA}" type="datetimeFigureOut">
               <a:rPr lang="en-US" smtClean="0"/>
-              <a:t>9/9/20</a:t>
+              <a:t>9/12/20</a:t>
             </a:fld>
             <a:endParaRPr lang="en-US"/>
           </a:p>
@@ -2416,7 +2416,7 @@
           <a:p>
             <a:fld id="{B302FF2A-D2B5-8B4F-BDBF-6F9493847AEA}" type="datetimeFigureOut">
               <a:rPr lang="en-US" smtClean="0"/>
-              <a:t>9/9/20</a:t>
+              <a:t>9/12/20</a:t>
             </a:fld>
             <a:endParaRPr lang="en-US"/>
           </a:p>
@@ -2705,7 +2705,7 @@
           <a:p>
             <a:fld id="{B302FF2A-D2B5-8B4F-BDBF-6F9493847AEA}" type="datetimeFigureOut">
               <a:rPr lang="en-US" smtClean="0"/>
-              <a:t>9/9/20</a:t>
+              <a:t>9/12/20</a:t>
             </a:fld>
             <a:endParaRPr lang="en-US"/>
           </a:p>
@@ -2948,7 +2948,7 @@
           <a:p>
             <a:fld id="{B302FF2A-D2B5-8B4F-BDBF-6F9493847AEA}" type="datetimeFigureOut">
               <a:rPr lang="en-US" smtClean="0"/>
-              <a:t>9/9/20</a:t>
+              <a:t>9/12/20</a:t>
             </a:fld>
             <a:endParaRPr lang="en-US"/>
           </a:p>
@@ -5782,7 +5782,7 @@
                 <a:latin typeface="Consolas" panose="020B0609020204030204" pitchFamily="49" charset="0"/>
                 <a:cs typeface="Consolas" panose="020B0609020204030204" pitchFamily="49" charset="0"/>
               </a:rPr>
-              <a:t>d[</a:t>
+              <a:t>	d[</a:t>
             </a:r>
             <a:r>
               <a:rPr lang="en-GB" sz="1600" dirty="0" err="1">
@@ -5840,25 +5840,25 @@
             </a:r>
           </a:p>
           <a:p>
-            <a:pPr marL="914400" lvl="2" indent="0">
+            <a:pPr marL="1371600" lvl="3" indent="0">
               <a:buNone/>
             </a:pPr>
             <a:r>
-              <a:rPr lang="en-GB" sz="1600" dirty="0">
+              <a:rPr lang="en-GB" sz="1400" dirty="0">
                 <a:latin typeface="Consolas" panose="020B0609020204030204" pitchFamily="49" charset="0"/>
                 <a:cs typeface="Consolas" panose="020B0609020204030204" pitchFamily="49" charset="0"/>
               </a:rPr>
               <a:t>a: int = </a:t>
             </a:r>
             <a:r>
-              <a:rPr lang="en-GB" sz="1600" dirty="0" err="1">
+              <a:rPr lang="en-GB" sz="1400" dirty="0" err="1">
                 <a:latin typeface="Consolas" panose="020B0609020204030204" pitchFamily="49" charset="0"/>
                 <a:cs typeface="Consolas" panose="020B0609020204030204" pitchFamily="49" charset="0"/>
               </a:rPr>
               <a:t>r.randint</a:t>
             </a:r>
             <a:r>
-              <a:rPr lang="en-GB" sz="1600" dirty="0">
+              <a:rPr lang="en-GB" sz="1400" dirty="0">
                 <a:latin typeface="Consolas" panose="020B0609020204030204" pitchFamily="49" charset="0"/>
                 <a:cs typeface="Consolas" panose="020B0609020204030204" pitchFamily="49" charset="0"/>
               </a:rPr>
@@ -5866,25 +5866,25 @@
             </a:r>
           </a:p>
           <a:p>
-            <a:pPr marL="914400" lvl="2" indent="0">
+            <a:pPr marL="1371600" lvl="3" indent="0">
               <a:buNone/>
             </a:pPr>
             <a:r>
-              <a:rPr lang="en-GB" sz="1600" dirty="0">
+              <a:rPr lang="en-GB" sz="1400" dirty="0">
                 <a:latin typeface="Consolas" panose="020B0609020204030204" pitchFamily="49" charset="0"/>
                 <a:cs typeface="Consolas" panose="020B0609020204030204" pitchFamily="49" charset="0"/>
               </a:rPr>
               <a:t>b: int = </a:t>
             </a:r>
             <a:r>
-              <a:rPr lang="en-GB" sz="1600" dirty="0" err="1">
+              <a:rPr lang="en-GB" sz="1400" dirty="0" err="1">
                 <a:latin typeface="Consolas" panose="020B0609020204030204" pitchFamily="49" charset="0"/>
                 <a:cs typeface="Consolas" panose="020B0609020204030204" pitchFamily="49" charset="0"/>
               </a:rPr>
               <a:t>r.randint</a:t>
             </a:r>
             <a:r>
-              <a:rPr lang="en-GB" sz="1600" dirty="0">
+              <a:rPr lang="en-GB" sz="1400" dirty="0">
                 <a:latin typeface="Consolas" panose="020B0609020204030204" pitchFamily="49" charset="0"/>
                 <a:cs typeface="Consolas" panose="020B0609020204030204" pitchFamily="49" charset="0"/>
               </a:rPr>
@@ -5892,18 +5892,18 @@
             </a:r>
           </a:p>
           <a:p>
-            <a:pPr marL="914400" lvl="2" indent="0">
+            <a:pPr marL="1371600" lvl="3" indent="0">
               <a:buNone/>
             </a:pPr>
             <a:r>
-              <a:rPr lang="en-GB" sz="1600" dirty="0">
+              <a:rPr lang="en-GB" sz="1400" dirty="0">
                 <a:latin typeface="Consolas" panose="020B0609020204030204" pitchFamily="49" charset="0"/>
                 <a:cs typeface="Consolas" panose="020B0609020204030204" pitchFamily="49" charset="0"/>
               </a:rPr>
               <a:t>c: int = a / b	</a:t>
             </a:r>
             <a:r>
-              <a:rPr lang="en-GB" sz="1600" dirty="0">
+              <a:rPr lang="en-GB" sz="1400" dirty="0">
                 <a:solidFill>
                   <a:srgbClr val="FF0000"/>
                 </a:solidFill>
@@ -5913,7 +5913,7 @@
               <a:t># Can raise </a:t>
             </a:r>
             <a:r>
-              <a:rPr lang="en-GB" sz="1600" dirty="0" err="1">
+              <a:rPr lang="en-GB" sz="1400" dirty="0" err="1">
                 <a:solidFill>
                   <a:srgbClr val="FF0000"/>
                 </a:solidFill>
@@ -5922,7 +5922,7 @@
               </a:rPr>
               <a:t>ZeroDivisionError</a:t>
             </a:r>
-            <a:endParaRPr lang="en-GB" sz="1600" dirty="0">
+            <a:endParaRPr lang="en-GB" sz="1400" dirty="0">
               <a:solidFill>
                 <a:srgbClr val="FF0000"/>
               </a:solidFill>
@@ -5931,11 +5931,11 @@
             </a:endParaRPr>
           </a:p>
           <a:p>
-            <a:pPr marL="914400" lvl="2" indent="0">
+            <a:pPr marL="1371600" lvl="3" indent="0">
               <a:buNone/>
             </a:pPr>
             <a:r>
-              <a:rPr lang="en-GB" sz="1600" dirty="0">
+              <a:rPr lang="en-GB" sz="1400" dirty="0">
                 <a:latin typeface="Consolas" panose="020B0609020204030204" pitchFamily="49" charset="0"/>
                 <a:cs typeface="Consolas" panose="020B0609020204030204" pitchFamily="49" charset="0"/>
               </a:rPr>
@@ -5943,24 +5943,24 @@
             </a:r>
           </a:p>
           <a:p>
-            <a:pPr marL="914400" lvl="2" indent="0">
+            <a:pPr marL="1371600" lvl="3" indent="0">
               <a:buNone/>
             </a:pPr>
             <a:br>
-              <a:rPr lang="en-GB" sz="1600" dirty="0">
+              <a:rPr lang="en-GB" sz="1400" dirty="0">
                 <a:latin typeface="Consolas" panose="020B0609020204030204" pitchFamily="49" charset="0"/>
                 <a:cs typeface="Consolas" panose="020B0609020204030204" pitchFamily="49" charset="0"/>
               </a:rPr>
             </a:br>
             <a:r>
-              <a:rPr lang="en-GB" sz="1600" dirty="0">
+              <a:rPr lang="en-GB" sz="1400" dirty="0">
                 <a:latin typeface="Consolas" panose="020B0609020204030204" pitchFamily="49" charset="0"/>
                 <a:cs typeface="Consolas" panose="020B0609020204030204" pitchFamily="49" charset="0"/>
               </a:rPr>
               <a:t>print(d[c])	</a:t>
             </a:r>
             <a:r>
-              <a:rPr lang="en-GB" sz="1600" dirty="0">
+              <a:rPr lang="en-GB" sz="1400" dirty="0">
                 <a:solidFill>
                   <a:srgbClr val="FF0000"/>
                 </a:solidFill>
@@ -5970,7 +5970,7 @@
               <a:t># Can raise </a:t>
             </a:r>
             <a:r>
-              <a:rPr lang="en-GB" sz="1600" dirty="0" err="1">
+              <a:rPr lang="en-GB" sz="1400" dirty="0" err="1">
                 <a:solidFill>
                   <a:srgbClr val="FF0000"/>
                 </a:solidFill>
@@ -5979,7 +5979,7 @@
               </a:rPr>
               <a:t>KeyError</a:t>
             </a:r>
-            <a:endParaRPr lang="en-GB" sz="1600" dirty="0">
+            <a:endParaRPr lang="en-GB" sz="1400" dirty="0">
               <a:solidFill>
                 <a:srgbClr val="FF0000"/>
               </a:solidFill>
@@ -5996,7 +5996,7 @@
                 <a:latin typeface="Consolas" panose="020B0609020204030204" pitchFamily="49" charset="0"/>
                 <a:cs typeface="Consolas" panose="020B0609020204030204" pitchFamily="49" charset="0"/>
               </a:rPr>
-              <a:t>except </a:t>
+              <a:t>except (</a:t>
             </a:r>
             <a:r>
               <a:rPr lang="en-GB" sz="1600" dirty="0" err="1">
@@ -6010,7 +6010,21 @@
                 <a:latin typeface="Consolas" panose="020B0609020204030204" pitchFamily="49" charset="0"/>
                 <a:cs typeface="Consolas" panose="020B0609020204030204" pitchFamily="49" charset="0"/>
               </a:rPr>
-              <a:t>:</a:t>
+              <a:t>, </a:t>
+            </a:r>
+            <a:r>
+              <a:rPr lang="en-GB" sz="1600" dirty="0" err="1">
+                <a:latin typeface="Consolas" panose="020B0609020204030204" pitchFamily="49" charset="0"/>
+                <a:cs typeface="Consolas" panose="020B0609020204030204" pitchFamily="49" charset="0"/>
+              </a:rPr>
+              <a:t>TypeError</a:t>
+            </a:r>
+            <a:r>
+              <a:rPr lang="en-GB" sz="1600" dirty="0">
+                <a:latin typeface="Consolas" panose="020B0609020204030204" pitchFamily="49" charset="0"/>
+                <a:cs typeface="Consolas" panose="020B0609020204030204" pitchFamily="49" charset="0"/>
+              </a:rPr>
+              <a:t>):</a:t>
             </a:r>
           </a:p>
           <a:p>
